--- a/latex/myfigure/演示文稿1.pptx
+++ b/latex/myfigure/演示文稿1.pptx
@@ -10,6 +10,10 @@
     <p:sldId id="259" r:id="rId4"/>
     <p:sldId id="260" r:id="rId5"/>
     <p:sldId id="261" r:id="rId6"/>
+    <p:sldId id="262" r:id="rId7"/>
+    <p:sldId id="263" r:id="rId8"/>
+    <p:sldId id="264" r:id="rId9"/>
+    <p:sldId id="265" r:id="rId10"/>
   </p:sldIdLst>
   <p:sldSz cx="12192000" cy="6858000"/>
   <p:notesSz cx="6858000" cy="9144000"/>
@@ -256,7 +260,7 @@
           <a:p>
             <a:fld id="{A4AE5DB0-86C4-474E-872F-D9E5D71A3139}" type="datetimeFigureOut">
               <a:rPr lang="zh-CN" altLang="en-US" smtClean="0"/>
-              <a:t>2018/10/25</a:t>
+              <a:t>2018/11/8</a:t>
             </a:fld>
             <a:endParaRPr lang="zh-CN" altLang="en-US"/>
           </a:p>
@@ -424,7 +428,7 @@
           <a:p>
             <a:fld id="{A4AE5DB0-86C4-474E-872F-D9E5D71A3139}" type="datetimeFigureOut">
               <a:rPr lang="zh-CN" altLang="en-US" smtClean="0"/>
-              <a:t>2018/10/25</a:t>
+              <a:t>2018/11/8</a:t>
             </a:fld>
             <a:endParaRPr lang="zh-CN" altLang="en-US"/>
           </a:p>
@@ -602,7 +606,7 @@
           <a:p>
             <a:fld id="{A4AE5DB0-86C4-474E-872F-D9E5D71A3139}" type="datetimeFigureOut">
               <a:rPr lang="zh-CN" altLang="en-US" smtClean="0"/>
-              <a:t>2018/10/25</a:t>
+              <a:t>2018/11/8</a:t>
             </a:fld>
             <a:endParaRPr lang="zh-CN" altLang="en-US"/>
           </a:p>
@@ -770,7 +774,7 @@
           <a:p>
             <a:fld id="{A4AE5DB0-86C4-474E-872F-D9E5D71A3139}" type="datetimeFigureOut">
               <a:rPr lang="zh-CN" altLang="en-US" smtClean="0"/>
-              <a:t>2018/10/25</a:t>
+              <a:t>2018/11/8</a:t>
             </a:fld>
             <a:endParaRPr lang="zh-CN" altLang="en-US"/>
           </a:p>
@@ -1015,7 +1019,7 @@
           <a:p>
             <a:fld id="{A4AE5DB0-86C4-474E-872F-D9E5D71A3139}" type="datetimeFigureOut">
               <a:rPr lang="zh-CN" altLang="en-US" smtClean="0"/>
-              <a:t>2018/10/25</a:t>
+              <a:t>2018/11/8</a:t>
             </a:fld>
             <a:endParaRPr lang="zh-CN" altLang="en-US"/>
           </a:p>
@@ -1244,7 +1248,7 @@
           <a:p>
             <a:fld id="{A4AE5DB0-86C4-474E-872F-D9E5D71A3139}" type="datetimeFigureOut">
               <a:rPr lang="zh-CN" altLang="en-US" smtClean="0"/>
-              <a:t>2018/10/25</a:t>
+              <a:t>2018/11/8</a:t>
             </a:fld>
             <a:endParaRPr lang="zh-CN" altLang="en-US"/>
           </a:p>
@@ -1608,7 +1612,7 @@
           <a:p>
             <a:fld id="{A4AE5DB0-86C4-474E-872F-D9E5D71A3139}" type="datetimeFigureOut">
               <a:rPr lang="zh-CN" altLang="en-US" smtClean="0"/>
-              <a:t>2018/10/25</a:t>
+              <a:t>2018/11/8</a:t>
             </a:fld>
             <a:endParaRPr lang="zh-CN" altLang="en-US"/>
           </a:p>
@@ -1725,7 +1729,7 @@
           <a:p>
             <a:fld id="{A4AE5DB0-86C4-474E-872F-D9E5D71A3139}" type="datetimeFigureOut">
               <a:rPr lang="zh-CN" altLang="en-US" smtClean="0"/>
-              <a:t>2018/10/25</a:t>
+              <a:t>2018/11/8</a:t>
             </a:fld>
             <a:endParaRPr lang="zh-CN" altLang="en-US"/>
           </a:p>
@@ -1820,7 +1824,7 @@
           <a:p>
             <a:fld id="{A4AE5DB0-86C4-474E-872F-D9E5D71A3139}" type="datetimeFigureOut">
               <a:rPr lang="zh-CN" altLang="en-US" smtClean="0"/>
-              <a:t>2018/10/25</a:t>
+              <a:t>2018/11/8</a:t>
             </a:fld>
             <a:endParaRPr lang="zh-CN" altLang="en-US"/>
           </a:p>
@@ -2095,7 +2099,7 @@
           <a:p>
             <a:fld id="{A4AE5DB0-86C4-474E-872F-D9E5D71A3139}" type="datetimeFigureOut">
               <a:rPr lang="zh-CN" altLang="en-US" smtClean="0"/>
-              <a:t>2018/10/25</a:t>
+              <a:t>2018/11/8</a:t>
             </a:fld>
             <a:endParaRPr lang="zh-CN" altLang="en-US"/>
           </a:p>
@@ -2347,7 +2351,7 @@
           <a:p>
             <a:fld id="{A4AE5DB0-86C4-474E-872F-D9E5D71A3139}" type="datetimeFigureOut">
               <a:rPr lang="zh-CN" altLang="en-US" smtClean="0"/>
-              <a:t>2018/10/25</a:t>
+              <a:t>2018/11/8</a:t>
             </a:fld>
             <a:endParaRPr lang="zh-CN" altLang="en-US"/>
           </a:p>
@@ -2558,7 +2562,7 @@
           <a:p>
             <a:fld id="{A4AE5DB0-86C4-474E-872F-D9E5D71A3139}" type="datetimeFigureOut">
               <a:rPr lang="zh-CN" altLang="en-US" smtClean="0"/>
-              <a:t>2018/10/25</a:t>
+              <a:t>2018/11/8</a:t>
             </a:fld>
             <a:endParaRPr lang="zh-CN" altLang="en-US"/>
           </a:p>
@@ -7039,6 +7043,1381 @@
 </p:sld>
 </file>
 
+<file path=ppt/slides/slide6.xml><?xml version="1.0" encoding="utf-8"?>
+<p:sld xmlns:a="http://schemas.openxmlformats.org/drawingml/2006/main" xmlns:r="http://schemas.openxmlformats.org/officeDocument/2006/relationships" xmlns:p="http://schemas.openxmlformats.org/presentationml/2006/main">
+  <p:cSld>
+    <p:spTree>
+      <p:nvGrpSpPr>
+        <p:cNvPr id="1" name=""/>
+        <p:cNvGrpSpPr/>
+        <p:nvPr/>
+      </p:nvGrpSpPr>
+      <p:grpSpPr>
+        <a:xfrm>
+          <a:off x="0" y="0"/>
+          <a:ext cx="0" cy="0"/>
+          <a:chOff x="0" y="0"/>
+          <a:chExt cx="0" cy="0"/>
+        </a:xfrm>
+      </p:grpSpPr>
+      <p:grpSp>
+        <p:nvGrpSpPr>
+          <p:cNvPr id="11" name="组合 10">
+            <a:extLst>
+              <a:ext uri="{FF2B5EF4-FFF2-40B4-BE49-F238E27FC236}">
+                <a16:creationId xmlns:a16="http://schemas.microsoft.com/office/drawing/2014/main" id="{A6D80E49-B2C2-440B-AA67-D03F2F1ACDEB}"/>
+              </a:ext>
+            </a:extLst>
+          </p:cNvPr>
+          <p:cNvGrpSpPr/>
+          <p:nvPr/>
+        </p:nvGrpSpPr>
+        <p:grpSpPr>
+          <a:xfrm>
+            <a:off x="876300" y="1007351"/>
+            <a:ext cx="10439400" cy="5019675"/>
+            <a:chOff x="735623" y="4357220"/>
+            <a:chExt cx="10439400" cy="5019675"/>
+          </a:xfrm>
+        </p:grpSpPr>
+        <p:pic>
+          <p:nvPicPr>
+            <p:cNvPr id="10" name="图片 9">
+              <a:extLst>
+                <a:ext uri="{FF2B5EF4-FFF2-40B4-BE49-F238E27FC236}">
+                  <a16:creationId xmlns:a16="http://schemas.microsoft.com/office/drawing/2014/main" id="{BE1D42F0-6DF7-4B84-94D0-6B58FA1BB83B}"/>
+                </a:ext>
+              </a:extLst>
+            </p:cNvPr>
+            <p:cNvPicPr>
+              <a:picLocks noChangeAspect="1"/>
+            </p:cNvPicPr>
+            <p:nvPr/>
+          </p:nvPicPr>
+          <p:blipFill>
+            <a:blip r:embed="rId2"/>
+            <a:stretch>
+              <a:fillRect/>
+            </a:stretch>
+          </p:blipFill>
+          <p:spPr>
+            <a:xfrm>
+              <a:off x="735623" y="4357220"/>
+              <a:ext cx="10439400" cy="5019675"/>
+            </a:xfrm>
+            <a:prstGeom prst="rect">
+              <a:avLst/>
+            </a:prstGeom>
+          </p:spPr>
+        </p:pic>
+        <p:sp>
+          <p:nvSpPr>
+            <p:cNvPr id="6" name="圆角矩形 5">
+              <a:extLst>
+                <a:ext uri="{FF2B5EF4-FFF2-40B4-BE49-F238E27FC236}">
+                  <a16:creationId xmlns:a16="http://schemas.microsoft.com/office/drawing/2014/main" id="{436FBE51-D3CC-4F2D-B646-A063F3EBADA3}"/>
+                </a:ext>
+              </a:extLst>
+            </p:cNvPr>
+            <p:cNvSpPr/>
+            <p:nvPr/>
+          </p:nvSpPr>
+          <p:spPr>
+            <a:xfrm>
+              <a:off x="914155" y="5300111"/>
+              <a:ext cx="1459768" cy="237392"/>
+            </a:xfrm>
+            <a:prstGeom prst="roundRect">
+              <a:avLst/>
+            </a:prstGeom>
+            <a:noFill/>
+            <a:ln w="19050">
+              <a:solidFill>
+                <a:srgbClr val="FF0000"/>
+              </a:solidFill>
+            </a:ln>
+          </p:spPr>
+          <p:style>
+            <a:lnRef idx="2">
+              <a:schemeClr val="accent1">
+                <a:shade val="50000"/>
+              </a:schemeClr>
+            </a:lnRef>
+            <a:fillRef idx="1">
+              <a:schemeClr val="accent1"/>
+            </a:fillRef>
+            <a:effectRef idx="0">
+              <a:schemeClr val="accent1"/>
+            </a:effectRef>
+            <a:fontRef idx="minor">
+              <a:schemeClr val="lt1"/>
+            </a:fontRef>
+          </p:style>
+          <p:txBody>
+            <a:bodyPr rtlCol="0" anchor="ctr"/>
+            <a:lstStyle/>
+            <a:p>
+              <a:pPr algn="ctr"/>
+              <a:endParaRPr lang="zh-CN" altLang="en-US" dirty="0"/>
+            </a:p>
+          </p:txBody>
+        </p:sp>
+        <p:sp>
+          <p:nvSpPr>
+            <p:cNvPr id="7" name="圆角矩形 18">
+              <a:extLst>
+                <a:ext uri="{FF2B5EF4-FFF2-40B4-BE49-F238E27FC236}">
+                  <a16:creationId xmlns:a16="http://schemas.microsoft.com/office/drawing/2014/main" id="{8B5E6A8F-F113-4D1E-8B4A-B7E235E1C98D}"/>
+                </a:ext>
+              </a:extLst>
+            </p:cNvPr>
+            <p:cNvSpPr/>
+            <p:nvPr/>
+          </p:nvSpPr>
+          <p:spPr>
+            <a:xfrm>
+              <a:off x="2901461" y="5233560"/>
+              <a:ext cx="1749910" cy="338616"/>
+            </a:xfrm>
+            <a:prstGeom prst="roundRect">
+              <a:avLst/>
+            </a:prstGeom>
+            <a:solidFill>
+              <a:srgbClr val="ABD7FF"/>
+            </a:solidFill>
+            <a:effectLst>
+              <a:outerShdw blurRad="50800" dist="38100" dir="2700000" algn="tl" rotWithShape="0">
+                <a:prstClr val="black">
+                  <a:alpha val="40000"/>
+                </a:prstClr>
+              </a:outerShdw>
+            </a:effectLst>
+          </p:spPr>
+          <p:style>
+            <a:lnRef idx="2">
+              <a:schemeClr val="accent1">
+                <a:shade val="50000"/>
+              </a:schemeClr>
+            </a:lnRef>
+            <a:fillRef idx="1">
+              <a:schemeClr val="accent1"/>
+            </a:fillRef>
+            <a:effectRef idx="0">
+              <a:schemeClr val="accent1"/>
+            </a:effectRef>
+            <a:fontRef idx="minor">
+              <a:schemeClr val="lt1"/>
+            </a:fontRef>
+          </p:style>
+          <p:txBody>
+            <a:bodyPr rtlCol="0" anchor="ctr"/>
+            <a:lstStyle/>
+            <a:p>
+              <a:pPr algn="ctr"/>
+              <a:r>
+                <a:rPr lang="zh-CN" altLang="en-US" dirty="0">
+                  <a:solidFill>
+                    <a:srgbClr val="001446"/>
+                  </a:solidFill>
+                  <a:latin typeface="苹方 中等" panose="020B0400000000000000" pitchFamily="34" charset="-122"/>
+                  <a:ea typeface="苹方 中等" panose="020B0400000000000000" pitchFamily="34" charset="-122"/>
+                </a:rPr>
+                <a:t>注释信息过短</a:t>
+              </a:r>
+            </a:p>
+          </p:txBody>
+        </p:sp>
+        <p:cxnSp>
+          <p:nvCxnSpPr>
+            <p:cNvPr id="8" name="直接箭头连接符 7">
+              <a:extLst>
+                <a:ext uri="{FF2B5EF4-FFF2-40B4-BE49-F238E27FC236}">
+                  <a16:creationId xmlns:a16="http://schemas.microsoft.com/office/drawing/2014/main" id="{7F1CEC7D-B003-44D2-9ADC-02AF4229209F}"/>
+                </a:ext>
+              </a:extLst>
+            </p:cNvPr>
+            <p:cNvCxnSpPr/>
+            <p:nvPr/>
+          </p:nvCxnSpPr>
+          <p:spPr>
+            <a:xfrm>
+              <a:off x="2426677" y="5412292"/>
+              <a:ext cx="467360" cy="0"/>
+            </a:xfrm>
+            <a:prstGeom prst="straightConnector1">
+              <a:avLst/>
+            </a:prstGeom>
+            <a:ln w="41275">
+              <a:solidFill>
+                <a:srgbClr val="FF0000"/>
+              </a:solidFill>
+              <a:tailEnd type="arrow"/>
+            </a:ln>
+          </p:spPr>
+          <p:style>
+            <a:lnRef idx="1">
+              <a:schemeClr val="accent1"/>
+            </a:lnRef>
+            <a:fillRef idx="0">
+              <a:schemeClr val="accent1"/>
+            </a:fillRef>
+            <a:effectRef idx="0">
+              <a:schemeClr val="accent1"/>
+            </a:effectRef>
+            <a:fontRef idx="minor">
+              <a:schemeClr val="tx1"/>
+            </a:fontRef>
+          </p:style>
+        </p:cxnSp>
+      </p:grpSp>
+      <p:sp>
+        <p:nvSpPr>
+          <p:cNvPr id="12" name="文本框 11">
+            <a:extLst>
+              <a:ext uri="{FF2B5EF4-FFF2-40B4-BE49-F238E27FC236}">
+                <a16:creationId xmlns:a16="http://schemas.microsoft.com/office/drawing/2014/main" id="{38FE8BCC-A124-4C62-B7F1-9E03953FCDAF}"/>
+              </a:ext>
+            </a:extLst>
+          </p:cNvPr>
+          <p:cNvSpPr txBox="1"/>
+          <p:nvPr/>
+        </p:nvSpPr>
+        <p:spPr>
+          <a:xfrm>
+            <a:off x="2801034" y="295149"/>
+            <a:ext cx="5019131" cy="369332"/>
+          </a:xfrm>
+          <a:prstGeom prst="rect">
+            <a:avLst/>
+          </a:prstGeom>
+          <a:noFill/>
+        </p:spPr>
+        <p:txBody>
+          <a:bodyPr wrap="none" rtlCol="0">
+            <a:spAutoFit/>
+          </a:bodyPr>
+          <a:lstStyle/>
+          <a:p>
+            <a:r>
+              <a:rPr lang="en-US" altLang="zh-CN" dirty="0">
+                <a:hlinkClick r:id="rId3"/>
+              </a:rPr>
+              <a:t>https://sourceforge.net/p/jedit/svn/24795/</a:t>
+            </a:r>
+            <a:r>
+              <a:rPr lang="zh-CN" altLang="en-US" dirty="0"/>
+              <a:t>， </a:t>
+            </a:r>
+            <a:r>
+              <a:rPr lang="en-US" altLang="zh-CN" dirty="0"/>
+              <a:t>2018</a:t>
+            </a:r>
+            <a:endParaRPr lang="zh-CN" altLang="en-US" dirty="0"/>
+          </a:p>
+        </p:txBody>
+      </p:sp>
+    </p:spTree>
+    <p:extLst>
+      <p:ext uri="{BB962C8B-B14F-4D97-AF65-F5344CB8AC3E}">
+        <p14:creationId xmlns:p14="http://schemas.microsoft.com/office/powerpoint/2010/main" val="2806555039"/>
+      </p:ext>
+    </p:extLst>
+  </p:cSld>
+  <p:clrMapOvr>
+    <a:masterClrMapping/>
+  </p:clrMapOvr>
+</p:sld>
+</file>
+
+<file path=ppt/slides/slide7.xml><?xml version="1.0" encoding="utf-8"?>
+<p:sld xmlns:a="http://schemas.openxmlformats.org/drawingml/2006/main" xmlns:r="http://schemas.openxmlformats.org/officeDocument/2006/relationships" xmlns:p="http://schemas.openxmlformats.org/presentationml/2006/main">
+  <p:cSld>
+    <p:spTree>
+      <p:nvGrpSpPr>
+        <p:cNvPr id="1" name=""/>
+        <p:cNvGrpSpPr/>
+        <p:nvPr/>
+      </p:nvGrpSpPr>
+      <p:grpSpPr>
+        <a:xfrm>
+          <a:off x="0" y="0"/>
+          <a:ext cx="0" cy="0"/>
+          <a:chOff x="0" y="0"/>
+          <a:chExt cx="0" cy="0"/>
+        </a:xfrm>
+      </p:grpSpPr>
+      <p:grpSp>
+        <p:nvGrpSpPr>
+          <p:cNvPr id="12" name="组合 11">
+            <a:extLst>
+              <a:ext uri="{FF2B5EF4-FFF2-40B4-BE49-F238E27FC236}">
+                <a16:creationId xmlns:a16="http://schemas.microsoft.com/office/drawing/2014/main" id="{FE372CB8-F6B6-4E53-B090-AB2C21C2F451}"/>
+              </a:ext>
+            </a:extLst>
+          </p:cNvPr>
+          <p:cNvGrpSpPr/>
+          <p:nvPr/>
+        </p:nvGrpSpPr>
+        <p:grpSpPr>
+          <a:xfrm>
+            <a:off x="871537" y="463793"/>
+            <a:ext cx="10448925" cy="5086350"/>
+            <a:chOff x="871537" y="463793"/>
+            <a:chExt cx="10448925" cy="5086350"/>
+          </a:xfrm>
+        </p:grpSpPr>
+        <p:pic>
+          <p:nvPicPr>
+            <p:cNvPr id="11" name="图片 10">
+              <a:extLst>
+                <a:ext uri="{FF2B5EF4-FFF2-40B4-BE49-F238E27FC236}">
+                  <a16:creationId xmlns:a16="http://schemas.microsoft.com/office/drawing/2014/main" id="{72852BE8-8DBF-406C-86C0-45F7CFDDD418}"/>
+                </a:ext>
+              </a:extLst>
+            </p:cNvPr>
+            <p:cNvPicPr>
+              <a:picLocks noChangeAspect="1"/>
+            </p:cNvPicPr>
+            <p:nvPr/>
+          </p:nvPicPr>
+          <p:blipFill>
+            <a:blip r:embed="rId2"/>
+            <a:stretch>
+              <a:fillRect/>
+            </a:stretch>
+          </p:blipFill>
+          <p:spPr>
+            <a:xfrm>
+              <a:off x="871537" y="463793"/>
+              <a:ext cx="10448925" cy="5086350"/>
+            </a:xfrm>
+            <a:prstGeom prst="rect">
+              <a:avLst/>
+            </a:prstGeom>
+          </p:spPr>
+        </p:pic>
+        <p:sp>
+          <p:nvSpPr>
+            <p:cNvPr id="7" name="圆角矩形 5">
+              <a:extLst>
+                <a:ext uri="{FF2B5EF4-FFF2-40B4-BE49-F238E27FC236}">
+                  <a16:creationId xmlns:a16="http://schemas.microsoft.com/office/drawing/2014/main" id="{A080B0AC-7394-4F86-BAED-0AFA27D933BD}"/>
+                </a:ext>
+              </a:extLst>
+            </p:cNvPr>
+            <p:cNvSpPr/>
+            <p:nvPr/>
+          </p:nvSpPr>
+          <p:spPr>
+            <a:xfrm>
+              <a:off x="1046285" y="2039815"/>
+              <a:ext cx="9996853" cy="1934307"/>
+            </a:xfrm>
+            <a:prstGeom prst="roundRect">
+              <a:avLst/>
+            </a:prstGeom>
+            <a:noFill/>
+            <a:ln w="19050">
+              <a:solidFill>
+                <a:srgbClr val="FF0000"/>
+              </a:solidFill>
+            </a:ln>
+          </p:spPr>
+          <p:style>
+            <a:lnRef idx="2">
+              <a:schemeClr val="accent1">
+                <a:shade val="50000"/>
+              </a:schemeClr>
+            </a:lnRef>
+            <a:fillRef idx="1">
+              <a:schemeClr val="accent1"/>
+            </a:fillRef>
+            <a:effectRef idx="0">
+              <a:schemeClr val="accent1"/>
+            </a:effectRef>
+            <a:fontRef idx="minor">
+              <a:schemeClr val="lt1"/>
+            </a:fontRef>
+          </p:style>
+          <p:txBody>
+            <a:bodyPr rtlCol="0" anchor="ctr"/>
+            <a:lstStyle/>
+            <a:p>
+              <a:pPr algn="ctr"/>
+              <a:endParaRPr lang="zh-CN" altLang="en-US" dirty="0"/>
+            </a:p>
+          </p:txBody>
+        </p:sp>
+        <p:sp>
+          <p:nvSpPr>
+            <p:cNvPr id="8" name="圆角矩形 18">
+              <a:extLst>
+                <a:ext uri="{FF2B5EF4-FFF2-40B4-BE49-F238E27FC236}">
+                  <a16:creationId xmlns:a16="http://schemas.microsoft.com/office/drawing/2014/main" id="{042B9352-72CA-4CC0-97BB-8BF06AF0E4F4}"/>
+                </a:ext>
+              </a:extLst>
+            </p:cNvPr>
+            <p:cNvSpPr/>
+            <p:nvPr/>
+          </p:nvSpPr>
+          <p:spPr>
+            <a:xfrm>
+              <a:off x="4985239" y="4424362"/>
+              <a:ext cx="1749910" cy="338616"/>
+            </a:xfrm>
+            <a:prstGeom prst="roundRect">
+              <a:avLst/>
+            </a:prstGeom>
+            <a:solidFill>
+              <a:srgbClr val="ABD7FF"/>
+            </a:solidFill>
+            <a:effectLst>
+              <a:outerShdw blurRad="50800" dist="38100" dir="2700000" algn="tl" rotWithShape="0">
+                <a:prstClr val="black">
+                  <a:alpha val="40000"/>
+                </a:prstClr>
+              </a:outerShdw>
+            </a:effectLst>
+          </p:spPr>
+          <p:style>
+            <a:lnRef idx="2">
+              <a:schemeClr val="accent1">
+                <a:shade val="50000"/>
+              </a:schemeClr>
+            </a:lnRef>
+            <a:fillRef idx="1">
+              <a:schemeClr val="accent1"/>
+            </a:fillRef>
+            <a:effectRef idx="0">
+              <a:schemeClr val="accent1"/>
+            </a:effectRef>
+            <a:fontRef idx="minor">
+              <a:schemeClr val="lt1"/>
+            </a:fontRef>
+          </p:style>
+          <p:txBody>
+            <a:bodyPr rtlCol="0" anchor="ctr"/>
+            <a:lstStyle/>
+            <a:p>
+              <a:pPr algn="ctr"/>
+              <a:r>
+                <a:rPr lang="zh-CN" altLang="en-US" dirty="0">
+                  <a:solidFill>
+                    <a:srgbClr val="001446"/>
+                  </a:solidFill>
+                  <a:latin typeface="苹方 中等" panose="020B0400000000000000" pitchFamily="34" charset="-122"/>
+                  <a:ea typeface="苹方 中等" panose="020B0400000000000000" pitchFamily="34" charset="-122"/>
+                </a:rPr>
+                <a:t>注释信息过长</a:t>
+              </a:r>
+            </a:p>
+          </p:txBody>
+        </p:sp>
+        <p:cxnSp>
+          <p:nvCxnSpPr>
+            <p:cNvPr id="9" name="直接箭头连接符 8">
+              <a:extLst>
+                <a:ext uri="{FF2B5EF4-FFF2-40B4-BE49-F238E27FC236}">
+                  <a16:creationId xmlns:a16="http://schemas.microsoft.com/office/drawing/2014/main" id="{0312CB8E-6A79-4FE4-A8EF-B9FC7CB545D9}"/>
+                </a:ext>
+              </a:extLst>
+            </p:cNvPr>
+            <p:cNvCxnSpPr/>
+            <p:nvPr/>
+          </p:nvCxnSpPr>
+          <p:spPr>
+            <a:xfrm rot="10800000" flipV="1">
+              <a:off x="6043939" y="3995465"/>
+              <a:ext cx="772" cy="407553"/>
+            </a:xfrm>
+            <a:prstGeom prst="straightConnector1">
+              <a:avLst/>
+            </a:prstGeom>
+            <a:ln w="41275">
+              <a:solidFill>
+                <a:srgbClr val="FF0000"/>
+              </a:solidFill>
+              <a:tailEnd type="arrow"/>
+            </a:ln>
+          </p:spPr>
+          <p:style>
+            <a:lnRef idx="1">
+              <a:schemeClr val="accent1"/>
+            </a:lnRef>
+            <a:fillRef idx="0">
+              <a:schemeClr val="accent1"/>
+            </a:fillRef>
+            <a:effectRef idx="0">
+              <a:schemeClr val="accent1"/>
+            </a:effectRef>
+            <a:fontRef idx="minor">
+              <a:schemeClr val="tx1"/>
+            </a:fontRef>
+          </p:style>
+        </p:cxnSp>
+      </p:grpSp>
+      <p:sp>
+        <p:nvSpPr>
+          <p:cNvPr id="10" name="文本框 9">
+            <a:extLst>
+              <a:ext uri="{FF2B5EF4-FFF2-40B4-BE49-F238E27FC236}">
+                <a16:creationId xmlns:a16="http://schemas.microsoft.com/office/drawing/2014/main" id="{683F33C6-488E-4DD8-9EF3-3B06AA5D5D39}"/>
+              </a:ext>
+            </a:extLst>
+          </p:cNvPr>
+          <p:cNvSpPr txBox="1"/>
+          <p:nvPr/>
+        </p:nvSpPr>
+        <p:spPr>
+          <a:xfrm>
+            <a:off x="3191608" y="6356838"/>
+            <a:ext cx="5351978" cy="369332"/>
+          </a:xfrm>
+          <a:prstGeom prst="rect">
+            <a:avLst/>
+          </a:prstGeom>
+          <a:noFill/>
+        </p:spPr>
+        <p:txBody>
+          <a:bodyPr wrap="none" rtlCol="0">
+            <a:spAutoFit/>
+          </a:bodyPr>
+          <a:lstStyle/>
+          <a:p>
+            <a:r>
+              <a:rPr lang="en-US" altLang="zh-CN" dirty="0">
+                <a:hlinkClick r:id="rId3"/>
+              </a:rPr>
+              <a:t>https://sourceforge.net/p/kablink/code/23327/</a:t>
+            </a:r>
+            <a:r>
+              <a:rPr lang="zh-CN" altLang="en-US" dirty="0"/>
+              <a:t>，</a:t>
+            </a:r>
+            <a:r>
+              <a:rPr lang="en-US" altLang="zh-CN" dirty="0"/>
+              <a:t>2016</a:t>
+            </a:r>
+            <a:endParaRPr lang="zh-CN" altLang="en-US" dirty="0"/>
+          </a:p>
+        </p:txBody>
+      </p:sp>
+    </p:spTree>
+    <p:extLst>
+      <p:ext uri="{BB962C8B-B14F-4D97-AF65-F5344CB8AC3E}">
+        <p14:creationId xmlns:p14="http://schemas.microsoft.com/office/powerpoint/2010/main" val="887615010"/>
+      </p:ext>
+    </p:extLst>
+  </p:cSld>
+  <p:clrMapOvr>
+    <a:masterClrMapping/>
+  </p:clrMapOvr>
+</p:sld>
+</file>
+
+<file path=ppt/slides/slide8.xml><?xml version="1.0" encoding="utf-8"?>
+<p:sld xmlns:a="http://schemas.openxmlformats.org/drawingml/2006/main" xmlns:r="http://schemas.openxmlformats.org/officeDocument/2006/relationships" xmlns:p="http://schemas.openxmlformats.org/presentationml/2006/main">
+  <p:cSld>
+    <p:spTree>
+      <p:nvGrpSpPr>
+        <p:cNvPr id="1" name=""/>
+        <p:cNvGrpSpPr/>
+        <p:nvPr/>
+      </p:nvGrpSpPr>
+      <p:grpSpPr>
+        <a:xfrm>
+          <a:off x="0" y="0"/>
+          <a:ext cx="0" cy="0"/>
+          <a:chOff x="0" y="0"/>
+          <a:chExt cx="0" cy="0"/>
+        </a:xfrm>
+      </p:grpSpPr>
+      <p:sp>
+        <p:nvSpPr>
+          <p:cNvPr id="6" name="文本框 5">
+            <a:extLst>
+              <a:ext uri="{FF2B5EF4-FFF2-40B4-BE49-F238E27FC236}">
+                <a16:creationId xmlns:a16="http://schemas.microsoft.com/office/drawing/2014/main" id="{2FE30853-C4D2-435F-BE03-D3F77309B68C}"/>
+              </a:ext>
+            </a:extLst>
+          </p:cNvPr>
+          <p:cNvSpPr txBox="1"/>
+          <p:nvPr/>
+        </p:nvSpPr>
+        <p:spPr>
+          <a:xfrm>
+            <a:off x="2409092" y="5776546"/>
+            <a:ext cx="4966231" cy="369332"/>
+          </a:xfrm>
+          <a:prstGeom prst="rect">
+            <a:avLst/>
+          </a:prstGeom>
+          <a:noFill/>
+        </p:spPr>
+        <p:txBody>
+          <a:bodyPr wrap="none" rtlCol="0">
+            <a:spAutoFit/>
+          </a:bodyPr>
+          <a:lstStyle/>
+          <a:p>
+            <a:r>
+              <a:rPr lang="en-US" altLang="zh-CN" dirty="0">
+                <a:hlinkClick r:id="rId2"/>
+              </a:rPr>
+              <a:t>https://sourceforge.net/p/jedit/svn/24781/</a:t>
+            </a:r>
+            <a:r>
+              <a:rPr lang="zh-CN" altLang="en-US" dirty="0"/>
+              <a:t>，</a:t>
+            </a:r>
+            <a:r>
+              <a:rPr lang="en-US" altLang="zh-CN" dirty="0"/>
+              <a:t>2017</a:t>
+            </a:r>
+            <a:endParaRPr lang="zh-CN" altLang="en-US" dirty="0"/>
+          </a:p>
+        </p:txBody>
+      </p:sp>
+      <p:grpSp>
+        <p:nvGrpSpPr>
+          <p:cNvPr id="9" name="组合 8">
+            <a:extLst>
+              <a:ext uri="{FF2B5EF4-FFF2-40B4-BE49-F238E27FC236}">
+                <a16:creationId xmlns:a16="http://schemas.microsoft.com/office/drawing/2014/main" id="{A590897E-5615-4177-99B4-30651EFCFB12}"/>
+              </a:ext>
+            </a:extLst>
+          </p:cNvPr>
+          <p:cNvGrpSpPr/>
+          <p:nvPr/>
+        </p:nvGrpSpPr>
+        <p:grpSpPr>
+          <a:xfrm>
+            <a:off x="946638" y="1478573"/>
+            <a:ext cx="10439400" cy="2705100"/>
+            <a:chOff x="946638" y="1478573"/>
+            <a:chExt cx="10439400" cy="2705100"/>
+          </a:xfrm>
+        </p:grpSpPr>
+        <p:pic>
+          <p:nvPicPr>
+            <p:cNvPr id="4" name="图片 3">
+              <a:extLst>
+                <a:ext uri="{FF2B5EF4-FFF2-40B4-BE49-F238E27FC236}">
+                  <a16:creationId xmlns:a16="http://schemas.microsoft.com/office/drawing/2014/main" id="{1F734DB8-B6F4-4CB0-A42C-A4D35B707D44}"/>
+                </a:ext>
+              </a:extLst>
+            </p:cNvPr>
+            <p:cNvPicPr>
+              <a:picLocks noChangeAspect="1"/>
+            </p:cNvPicPr>
+            <p:nvPr/>
+          </p:nvPicPr>
+          <p:blipFill>
+            <a:blip r:embed="rId3"/>
+            <a:stretch>
+              <a:fillRect/>
+            </a:stretch>
+          </p:blipFill>
+          <p:spPr>
+            <a:xfrm>
+              <a:off x="946638" y="1478573"/>
+              <a:ext cx="10439400" cy="2705100"/>
+            </a:xfrm>
+            <a:prstGeom prst="rect">
+              <a:avLst/>
+            </a:prstGeom>
+          </p:spPr>
+        </p:pic>
+        <p:sp>
+          <p:nvSpPr>
+            <p:cNvPr id="5" name="圆角矩形 5">
+              <a:extLst>
+                <a:ext uri="{FF2B5EF4-FFF2-40B4-BE49-F238E27FC236}">
+                  <a16:creationId xmlns:a16="http://schemas.microsoft.com/office/drawing/2014/main" id="{DBF9BE11-3BBC-45BC-8B2F-FB873CB2EB0B}"/>
+                </a:ext>
+              </a:extLst>
+            </p:cNvPr>
+            <p:cNvSpPr/>
+            <p:nvPr/>
+          </p:nvSpPr>
+          <p:spPr>
+            <a:xfrm>
+              <a:off x="1116377" y="3761457"/>
+              <a:ext cx="6348291" cy="237392"/>
+            </a:xfrm>
+            <a:prstGeom prst="roundRect">
+              <a:avLst/>
+            </a:prstGeom>
+            <a:noFill/>
+            <a:ln w="19050">
+              <a:solidFill>
+                <a:srgbClr val="FF0000"/>
+              </a:solidFill>
+            </a:ln>
+          </p:spPr>
+          <p:style>
+            <a:lnRef idx="2">
+              <a:schemeClr val="accent1">
+                <a:shade val="50000"/>
+              </a:schemeClr>
+            </a:lnRef>
+            <a:fillRef idx="1">
+              <a:schemeClr val="accent1"/>
+            </a:fillRef>
+            <a:effectRef idx="0">
+              <a:schemeClr val="accent1"/>
+            </a:effectRef>
+            <a:fontRef idx="minor">
+              <a:schemeClr val="lt1"/>
+            </a:fontRef>
+          </p:style>
+          <p:txBody>
+            <a:bodyPr rtlCol="0" anchor="ctr"/>
+            <a:lstStyle/>
+            <a:p>
+              <a:pPr algn="ctr"/>
+              <a:endParaRPr lang="zh-CN" altLang="en-US" dirty="0"/>
+            </a:p>
+          </p:txBody>
+        </p:sp>
+        <p:sp>
+          <p:nvSpPr>
+            <p:cNvPr id="7" name="圆角矩形 18">
+              <a:extLst>
+                <a:ext uri="{FF2B5EF4-FFF2-40B4-BE49-F238E27FC236}">
+                  <a16:creationId xmlns:a16="http://schemas.microsoft.com/office/drawing/2014/main" id="{A6CC07F4-9A87-4CB5-B56D-78BA6267BE9C}"/>
+                </a:ext>
+              </a:extLst>
+            </p:cNvPr>
+            <p:cNvSpPr/>
+            <p:nvPr/>
+          </p:nvSpPr>
+          <p:spPr>
+            <a:xfrm>
+              <a:off x="3415567" y="2927235"/>
+              <a:ext cx="1749910" cy="338616"/>
+            </a:xfrm>
+            <a:prstGeom prst="roundRect">
+              <a:avLst/>
+            </a:prstGeom>
+            <a:solidFill>
+              <a:srgbClr val="ABD7FF"/>
+            </a:solidFill>
+            <a:effectLst>
+              <a:outerShdw blurRad="50800" dist="38100" dir="2700000" algn="tl" rotWithShape="0">
+                <a:prstClr val="black">
+                  <a:alpha val="40000"/>
+                </a:prstClr>
+              </a:outerShdw>
+            </a:effectLst>
+          </p:spPr>
+          <p:style>
+            <a:lnRef idx="2">
+              <a:schemeClr val="accent1">
+                <a:shade val="50000"/>
+              </a:schemeClr>
+            </a:lnRef>
+            <a:fillRef idx="1">
+              <a:schemeClr val="accent1"/>
+            </a:fillRef>
+            <a:effectRef idx="0">
+              <a:schemeClr val="accent1"/>
+            </a:effectRef>
+            <a:fontRef idx="minor">
+              <a:schemeClr val="lt1"/>
+            </a:fontRef>
+          </p:style>
+          <p:txBody>
+            <a:bodyPr rtlCol="0" anchor="ctr"/>
+            <a:lstStyle/>
+            <a:p>
+              <a:pPr algn="ctr"/>
+              <a:r>
+                <a:rPr lang="zh-CN" altLang="en-US" dirty="0">
+                  <a:solidFill>
+                    <a:srgbClr val="001446"/>
+                  </a:solidFill>
+                  <a:latin typeface="苹方 中等" panose="020B0400000000000000" pitchFamily="34" charset="-122"/>
+                  <a:ea typeface="苹方 中等" panose="020B0400000000000000" pitchFamily="34" charset="-122"/>
+                </a:rPr>
+                <a:t>涉及修改类</a:t>
+              </a:r>
+            </a:p>
+          </p:txBody>
+        </p:sp>
+        <p:cxnSp>
+          <p:nvCxnSpPr>
+            <p:cNvPr id="8" name="直接箭头连接符 7">
+              <a:extLst>
+                <a:ext uri="{FF2B5EF4-FFF2-40B4-BE49-F238E27FC236}">
+                  <a16:creationId xmlns:a16="http://schemas.microsoft.com/office/drawing/2014/main" id="{0CE924A0-4542-4ADF-84C5-6FD42D9CCD3F}"/>
+                </a:ext>
+              </a:extLst>
+            </p:cNvPr>
+            <p:cNvCxnSpPr/>
+            <p:nvPr/>
+          </p:nvCxnSpPr>
+          <p:spPr>
+            <a:xfrm flipV="1">
+              <a:off x="4290522" y="3309878"/>
+              <a:ext cx="772" cy="407553"/>
+            </a:xfrm>
+            <a:prstGeom prst="straightConnector1">
+              <a:avLst/>
+            </a:prstGeom>
+            <a:ln w="41275">
+              <a:solidFill>
+                <a:srgbClr val="FF0000"/>
+              </a:solidFill>
+              <a:tailEnd type="arrow"/>
+            </a:ln>
+          </p:spPr>
+          <p:style>
+            <a:lnRef idx="1">
+              <a:schemeClr val="accent1"/>
+            </a:lnRef>
+            <a:fillRef idx="0">
+              <a:schemeClr val="accent1"/>
+            </a:fillRef>
+            <a:effectRef idx="0">
+              <a:schemeClr val="accent1"/>
+            </a:effectRef>
+            <a:fontRef idx="minor">
+              <a:schemeClr val="tx1"/>
+            </a:fontRef>
+          </p:style>
+        </p:cxnSp>
+      </p:grpSp>
+    </p:spTree>
+    <p:extLst>
+      <p:ext uri="{BB962C8B-B14F-4D97-AF65-F5344CB8AC3E}">
+        <p14:creationId xmlns:p14="http://schemas.microsoft.com/office/powerpoint/2010/main" val="3116102585"/>
+      </p:ext>
+    </p:extLst>
+  </p:cSld>
+  <p:clrMapOvr>
+    <a:masterClrMapping/>
+  </p:clrMapOvr>
+</p:sld>
+</file>
+
+<file path=ppt/slides/slide9.xml><?xml version="1.0" encoding="utf-8"?>
+<p:sld xmlns:a="http://schemas.openxmlformats.org/drawingml/2006/main" xmlns:r="http://schemas.openxmlformats.org/officeDocument/2006/relationships" xmlns:p="http://schemas.openxmlformats.org/presentationml/2006/main">
+  <p:cSld>
+    <p:spTree>
+      <p:nvGrpSpPr>
+        <p:cNvPr id="1" name=""/>
+        <p:cNvGrpSpPr/>
+        <p:nvPr/>
+      </p:nvGrpSpPr>
+      <p:grpSpPr>
+        <a:xfrm>
+          <a:off x="0" y="0"/>
+          <a:ext cx="0" cy="0"/>
+          <a:chOff x="0" y="0"/>
+          <a:chExt cx="0" cy="0"/>
+        </a:xfrm>
+      </p:grpSpPr>
+      <p:grpSp>
+        <p:nvGrpSpPr>
+          <p:cNvPr id="16" name="组合 15">
+            <a:extLst>
+              <a:ext uri="{FF2B5EF4-FFF2-40B4-BE49-F238E27FC236}">
+                <a16:creationId xmlns:a16="http://schemas.microsoft.com/office/drawing/2014/main" id="{5B5793FE-55BE-460F-9054-6DA75EA57C1E}"/>
+              </a:ext>
+            </a:extLst>
+          </p:cNvPr>
+          <p:cNvGrpSpPr/>
+          <p:nvPr/>
+        </p:nvGrpSpPr>
+        <p:grpSpPr>
+          <a:xfrm>
+            <a:off x="1245219" y="0"/>
+            <a:ext cx="9701561" cy="6858000"/>
+            <a:chOff x="1245219" y="0"/>
+            <a:chExt cx="9701561" cy="6858000"/>
+          </a:xfrm>
+        </p:grpSpPr>
+        <p:grpSp>
+          <p:nvGrpSpPr>
+            <p:cNvPr id="11" name="组合 10">
+              <a:extLst>
+                <a:ext uri="{FF2B5EF4-FFF2-40B4-BE49-F238E27FC236}">
+                  <a16:creationId xmlns:a16="http://schemas.microsoft.com/office/drawing/2014/main" id="{47F3FCE9-D08F-47FC-8D6C-FEE0E3C2BFEA}"/>
+                </a:ext>
+              </a:extLst>
+            </p:cNvPr>
+            <p:cNvGrpSpPr/>
+            <p:nvPr/>
+          </p:nvGrpSpPr>
+          <p:grpSpPr>
+            <a:xfrm>
+              <a:off x="1245219" y="0"/>
+              <a:ext cx="9701561" cy="6858000"/>
+              <a:chOff x="1245219" y="0"/>
+              <a:chExt cx="9701561" cy="6858000"/>
+            </a:xfrm>
+          </p:grpSpPr>
+          <p:pic>
+            <p:nvPicPr>
+              <p:cNvPr id="5" name="图片 4">
+                <a:extLst>
+                  <a:ext uri="{FF2B5EF4-FFF2-40B4-BE49-F238E27FC236}">
+                    <a16:creationId xmlns:a16="http://schemas.microsoft.com/office/drawing/2014/main" id="{D42B8E5A-D038-44E5-B867-300275E27CCD}"/>
+                  </a:ext>
+                </a:extLst>
+              </p:cNvPr>
+              <p:cNvPicPr>
+                <a:picLocks noChangeAspect="1"/>
+              </p:cNvPicPr>
+              <p:nvPr/>
+            </p:nvPicPr>
+            <p:blipFill>
+              <a:blip r:embed="rId2"/>
+              <a:stretch>
+                <a:fillRect/>
+              </a:stretch>
+            </p:blipFill>
+            <p:spPr>
+              <a:xfrm>
+                <a:off x="1245219" y="0"/>
+                <a:ext cx="9701561" cy="6858000"/>
+              </a:xfrm>
+              <a:prstGeom prst="rect">
+                <a:avLst/>
+              </a:prstGeom>
+            </p:spPr>
+          </p:pic>
+          <p:sp>
+            <p:nvSpPr>
+              <p:cNvPr id="6" name="矩形 5">
+                <a:extLst>
+                  <a:ext uri="{FF2B5EF4-FFF2-40B4-BE49-F238E27FC236}">
+                    <a16:creationId xmlns:a16="http://schemas.microsoft.com/office/drawing/2014/main" id="{7AD22BCB-BAFB-4EDA-B151-50401928ED6C}"/>
+                  </a:ext>
+                </a:extLst>
+              </p:cNvPr>
+              <p:cNvSpPr/>
+              <p:nvPr/>
+            </p:nvSpPr>
+            <p:spPr>
+              <a:xfrm>
+                <a:off x="1371600" y="4312920"/>
+                <a:ext cx="9395459" cy="579120"/>
+              </a:xfrm>
+              <a:prstGeom prst="rect">
+                <a:avLst/>
+              </a:prstGeom>
+              <a:solidFill>
+                <a:srgbClr val="FEFEFE"/>
+              </a:solidFill>
+              <a:ln>
+                <a:noFill/>
+              </a:ln>
+            </p:spPr>
+            <p:style>
+              <a:lnRef idx="2">
+                <a:schemeClr val="accent1">
+                  <a:shade val="50000"/>
+                </a:schemeClr>
+              </a:lnRef>
+              <a:fillRef idx="1">
+                <a:schemeClr val="accent1"/>
+              </a:fillRef>
+              <a:effectRef idx="0">
+                <a:schemeClr val="accent1"/>
+              </a:effectRef>
+              <a:fontRef idx="minor">
+                <a:schemeClr val="lt1"/>
+              </a:fontRef>
+            </p:style>
+            <p:txBody>
+              <a:bodyPr rtlCol="0" anchor="ctr"/>
+              <a:lstStyle/>
+              <a:p>
+                <a:pPr algn="ctr"/>
+                <a:endParaRPr lang="zh-CN" altLang="en-US" dirty="0"/>
+              </a:p>
+            </p:txBody>
+          </p:sp>
+          <p:sp>
+            <p:nvSpPr>
+              <p:cNvPr id="8" name="椭圆 7">
+                <a:extLst>
+                  <a:ext uri="{FF2B5EF4-FFF2-40B4-BE49-F238E27FC236}">
+                    <a16:creationId xmlns:a16="http://schemas.microsoft.com/office/drawing/2014/main" id="{5FA6C63F-73C5-4FDA-B15D-C6A095856D29}"/>
+                  </a:ext>
+                </a:extLst>
+              </p:cNvPr>
+              <p:cNvSpPr/>
+              <p:nvPr/>
+            </p:nvSpPr>
+            <p:spPr>
+              <a:xfrm>
+                <a:off x="3985260" y="4442460"/>
+                <a:ext cx="36000" cy="36000"/>
+              </a:xfrm>
+              <a:prstGeom prst="ellipse">
+                <a:avLst/>
+              </a:prstGeom>
+              <a:solidFill>
+                <a:srgbClr val="48B1D8"/>
+              </a:solidFill>
+              <a:ln>
+                <a:solidFill>
+                  <a:srgbClr val="48B1D8"/>
+                </a:solidFill>
+              </a:ln>
+            </p:spPr>
+            <p:style>
+              <a:lnRef idx="2">
+                <a:schemeClr val="accent1">
+                  <a:shade val="50000"/>
+                </a:schemeClr>
+              </a:lnRef>
+              <a:fillRef idx="1">
+                <a:schemeClr val="accent1"/>
+              </a:fillRef>
+              <a:effectRef idx="0">
+                <a:schemeClr val="accent1"/>
+              </a:effectRef>
+              <a:fontRef idx="minor">
+                <a:schemeClr val="lt1"/>
+              </a:fontRef>
+            </p:style>
+            <p:txBody>
+              <a:bodyPr rtlCol="0" anchor="ctr"/>
+              <a:lstStyle/>
+              <a:p>
+                <a:pPr algn="ctr"/>
+                <a:endParaRPr lang="zh-CN" altLang="en-US"/>
+              </a:p>
+            </p:txBody>
+          </p:sp>
+          <p:sp>
+            <p:nvSpPr>
+              <p:cNvPr id="9" name="椭圆 8">
+                <a:extLst>
+                  <a:ext uri="{FF2B5EF4-FFF2-40B4-BE49-F238E27FC236}">
+                    <a16:creationId xmlns:a16="http://schemas.microsoft.com/office/drawing/2014/main" id="{806E34C6-B1BA-4893-AD4F-348F119E76DA}"/>
+                  </a:ext>
+                </a:extLst>
+              </p:cNvPr>
+              <p:cNvSpPr/>
+              <p:nvPr/>
+            </p:nvSpPr>
+            <p:spPr>
+              <a:xfrm>
+                <a:off x="3985260" y="4594860"/>
+                <a:ext cx="36000" cy="36000"/>
+              </a:xfrm>
+              <a:prstGeom prst="ellipse">
+                <a:avLst/>
+              </a:prstGeom>
+              <a:solidFill>
+                <a:srgbClr val="48B1D8"/>
+              </a:solidFill>
+              <a:ln>
+                <a:solidFill>
+                  <a:srgbClr val="48B1D8"/>
+                </a:solidFill>
+              </a:ln>
+            </p:spPr>
+            <p:style>
+              <a:lnRef idx="2">
+                <a:schemeClr val="accent1">
+                  <a:shade val="50000"/>
+                </a:schemeClr>
+              </a:lnRef>
+              <a:fillRef idx="1">
+                <a:schemeClr val="accent1"/>
+              </a:fillRef>
+              <a:effectRef idx="0">
+                <a:schemeClr val="accent1"/>
+              </a:effectRef>
+              <a:fontRef idx="minor">
+                <a:schemeClr val="lt1"/>
+              </a:fontRef>
+            </p:style>
+            <p:txBody>
+              <a:bodyPr rtlCol="0" anchor="ctr"/>
+              <a:lstStyle/>
+              <a:p>
+                <a:pPr algn="ctr"/>
+                <a:endParaRPr lang="zh-CN" altLang="en-US"/>
+              </a:p>
+            </p:txBody>
+          </p:sp>
+          <p:sp>
+            <p:nvSpPr>
+              <p:cNvPr id="10" name="椭圆 9">
+                <a:extLst>
+                  <a:ext uri="{FF2B5EF4-FFF2-40B4-BE49-F238E27FC236}">
+                    <a16:creationId xmlns:a16="http://schemas.microsoft.com/office/drawing/2014/main" id="{8D27D6CB-36DE-4044-A0F3-61545353C17E}"/>
+                  </a:ext>
+                </a:extLst>
+              </p:cNvPr>
+              <p:cNvSpPr/>
+              <p:nvPr/>
+            </p:nvSpPr>
+            <p:spPr>
+              <a:xfrm>
+                <a:off x="3985260" y="4747260"/>
+                <a:ext cx="36000" cy="36000"/>
+              </a:xfrm>
+              <a:prstGeom prst="ellipse">
+                <a:avLst/>
+              </a:prstGeom>
+              <a:solidFill>
+                <a:srgbClr val="48B1D8"/>
+              </a:solidFill>
+              <a:ln>
+                <a:solidFill>
+                  <a:srgbClr val="48B1D8"/>
+                </a:solidFill>
+              </a:ln>
+            </p:spPr>
+            <p:style>
+              <a:lnRef idx="2">
+                <a:schemeClr val="accent1">
+                  <a:shade val="50000"/>
+                </a:schemeClr>
+              </a:lnRef>
+              <a:fillRef idx="1">
+                <a:schemeClr val="accent1"/>
+              </a:fillRef>
+              <a:effectRef idx="0">
+                <a:schemeClr val="accent1"/>
+              </a:effectRef>
+              <a:fontRef idx="minor">
+                <a:schemeClr val="lt1"/>
+              </a:fontRef>
+            </p:style>
+            <p:txBody>
+              <a:bodyPr rtlCol="0" anchor="ctr"/>
+              <a:lstStyle/>
+              <a:p>
+                <a:pPr algn="ctr"/>
+                <a:endParaRPr lang="zh-CN" altLang="en-US"/>
+              </a:p>
+            </p:txBody>
+          </p:sp>
+        </p:grpSp>
+        <p:sp>
+          <p:nvSpPr>
+            <p:cNvPr id="12" name="圆角矩形 5">
+              <a:extLst>
+                <a:ext uri="{FF2B5EF4-FFF2-40B4-BE49-F238E27FC236}">
+                  <a16:creationId xmlns:a16="http://schemas.microsoft.com/office/drawing/2014/main" id="{ACCD7D30-C0AC-4574-BF05-EA1150F77217}"/>
+                </a:ext>
+              </a:extLst>
+            </p:cNvPr>
+            <p:cNvSpPr/>
+            <p:nvPr/>
+          </p:nvSpPr>
+          <p:spPr>
+            <a:xfrm>
+              <a:off x="1371600" y="2114550"/>
+              <a:ext cx="5267325" cy="4705349"/>
+            </a:xfrm>
+            <a:prstGeom prst="roundRect">
+              <a:avLst/>
+            </a:prstGeom>
+            <a:noFill/>
+            <a:ln w="19050">
+              <a:solidFill>
+                <a:srgbClr val="FF0000"/>
+              </a:solidFill>
+            </a:ln>
+          </p:spPr>
+          <p:style>
+            <a:lnRef idx="2">
+              <a:schemeClr val="accent1">
+                <a:shade val="50000"/>
+              </a:schemeClr>
+            </a:lnRef>
+            <a:fillRef idx="1">
+              <a:schemeClr val="accent1"/>
+            </a:fillRef>
+            <a:effectRef idx="0">
+              <a:schemeClr val="accent1"/>
+            </a:effectRef>
+            <a:fontRef idx="minor">
+              <a:schemeClr val="lt1"/>
+            </a:fontRef>
+          </p:style>
+          <p:txBody>
+            <a:bodyPr rtlCol="0" anchor="ctr"/>
+            <a:lstStyle/>
+            <a:p>
+              <a:pPr algn="ctr"/>
+              <a:endParaRPr lang="zh-CN" altLang="en-US" dirty="0"/>
+            </a:p>
+          </p:txBody>
+        </p:sp>
+        <p:sp>
+          <p:nvSpPr>
+            <p:cNvPr id="13" name="圆角矩形 18">
+              <a:extLst>
+                <a:ext uri="{FF2B5EF4-FFF2-40B4-BE49-F238E27FC236}">
+                  <a16:creationId xmlns:a16="http://schemas.microsoft.com/office/drawing/2014/main" id="{9D031310-E93C-4E9B-AE9B-1613F6FDFE10}"/>
+                </a:ext>
+              </a:extLst>
+            </p:cNvPr>
+            <p:cNvSpPr/>
+            <p:nvPr/>
+          </p:nvSpPr>
+          <p:spPr>
+            <a:xfrm>
+              <a:off x="7121675" y="4312920"/>
+              <a:ext cx="1749910" cy="338616"/>
+            </a:xfrm>
+            <a:prstGeom prst="roundRect">
+              <a:avLst/>
+            </a:prstGeom>
+            <a:solidFill>
+              <a:srgbClr val="ABD7FF"/>
+            </a:solidFill>
+            <a:effectLst>
+              <a:outerShdw blurRad="50800" dist="38100" dir="2700000" algn="tl" rotWithShape="0">
+                <a:prstClr val="black">
+                  <a:alpha val="40000"/>
+                </a:prstClr>
+              </a:outerShdw>
+            </a:effectLst>
+          </p:spPr>
+          <p:style>
+            <a:lnRef idx="2">
+              <a:schemeClr val="accent1">
+                <a:shade val="50000"/>
+              </a:schemeClr>
+            </a:lnRef>
+            <a:fillRef idx="1">
+              <a:schemeClr val="accent1"/>
+            </a:fillRef>
+            <a:effectRef idx="0">
+              <a:schemeClr val="accent1"/>
+            </a:effectRef>
+            <a:fontRef idx="minor">
+              <a:schemeClr val="lt1"/>
+            </a:fontRef>
+          </p:style>
+          <p:txBody>
+            <a:bodyPr rtlCol="0" anchor="ctr"/>
+            <a:lstStyle/>
+            <a:p>
+              <a:pPr algn="ctr"/>
+              <a:r>
+                <a:rPr lang="zh-CN" altLang="en-US" dirty="0">
+                  <a:solidFill>
+                    <a:srgbClr val="001446"/>
+                  </a:solidFill>
+                  <a:latin typeface="苹方 中等" panose="020B0400000000000000" pitchFamily="34" charset="-122"/>
+                  <a:ea typeface="苹方 中等" panose="020B0400000000000000" pitchFamily="34" charset="-122"/>
+                </a:rPr>
+                <a:t>涉及修改类</a:t>
+              </a:r>
+            </a:p>
+          </p:txBody>
+        </p:sp>
+        <p:cxnSp>
+          <p:nvCxnSpPr>
+            <p:cNvPr id="14" name="直接箭头连接符 13">
+              <a:extLst>
+                <a:ext uri="{FF2B5EF4-FFF2-40B4-BE49-F238E27FC236}">
+                  <a16:creationId xmlns:a16="http://schemas.microsoft.com/office/drawing/2014/main" id="{56570FC8-3827-44A0-8D2E-A8EEC18C41E4}"/>
+                </a:ext>
+              </a:extLst>
+            </p:cNvPr>
+            <p:cNvCxnSpPr/>
+            <p:nvPr/>
+          </p:nvCxnSpPr>
+          <p:spPr>
+            <a:xfrm>
+              <a:off x="6638925" y="4484221"/>
+              <a:ext cx="467360" cy="0"/>
+            </a:xfrm>
+            <a:prstGeom prst="straightConnector1">
+              <a:avLst/>
+            </a:prstGeom>
+            <a:ln w="41275">
+              <a:solidFill>
+                <a:srgbClr val="FF0000"/>
+              </a:solidFill>
+              <a:tailEnd type="arrow"/>
+            </a:ln>
+          </p:spPr>
+          <p:style>
+            <a:lnRef idx="1">
+              <a:schemeClr val="accent1"/>
+            </a:lnRef>
+            <a:fillRef idx="0">
+              <a:schemeClr val="accent1"/>
+            </a:fillRef>
+            <a:effectRef idx="0">
+              <a:schemeClr val="accent1"/>
+            </a:effectRef>
+            <a:fontRef idx="minor">
+              <a:schemeClr val="tx1"/>
+            </a:fontRef>
+          </p:style>
+        </p:cxnSp>
+      </p:grpSp>
+      <p:sp>
+        <p:nvSpPr>
+          <p:cNvPr id="15" name="文本框 14">
+            <a:extLst>
+              <a:ext uri="{FF2B5EF4-FFF2-40B4-BE49-F238E27FC236}">
+                <a16:creationId xmlns:a16="http://schemas.microsoft.com/office/drawing/2014/main" id="{F23E310C-8AF3-44EB-A62A-13A7C1567791}"/>
+              </a:ext>
+            </a:extLst>
+          </p:cNvPr>
+          <p:cNvSpPr txBox="1"/>
+          <p:nvPr/>
+        </p:nvSpPr>
+        <p:spPr>
+          <a:xfrm>
+            <a:off x="11823700" y="4312920"/>
+            <a:ext cx="5640775" cy="369332"/>
+          </a:xfrm>
+          <a:prstGeom prst="rect">
+            <a:avLst/>
+          </a:prstGeom>
+          <a:noFill/>
+        </p:spPr>
+        <p:txBody>
+          <a:bodyPr wrap="none" rtlCol="0">
+            <a:spAutoFit/>
+          </a:bodyPr>
+          <a:lstStyle/>
+          <a:p>
+            <a:r>
+              <a:rPr lang="en-US" altLang="zh-CN" dirty="0">
+                <a:hlinkClick r:id="rId3"/>
+              </a:rPr>
+              <a:t>https://sourceforge.net/p/jedit/svn/24563/?page=0</a:t>
+            </a:r>
+            <a:r>
+              <a:rPr lang="en-US" altLang="zh-CN" dirty="0"/>
+              <a:t>, 2015</a:t>
+            </a:r>
+            <a:endParaRPr lang="zh-CN" altLang="en-US" dirty="0"/>
+          </a:p>
+        </p:txBody>
+      </p:sp>
+    </p:spTree>
+    <p:extLst>
+      <p:ext uri="{BB962C8B-B14F-4D97-AF65-F5344CB8AC3E}">
+        <p14:creationId xmlns:p14="http://schemas.microsoft.com/office/powerpoint/2010/main" val="2263363497"/>
+      </p:ext>
+    </p:extLst>
+  </p:cSld>
+  <p:clrMapOvr>
+    <a:masterClrMapping/>
+  </p:clrMapOvr>
+</p:sld>
+</file>
+
 <file path=ppt/theme/theme1.xml><?xml version="1.0" encoding="utf-8"?>
 <a:theme xmlns:a="http://schemas.openxmlformats.org/drawingml/2006/main" name="Office 主题">
   <a:themeElements>

--- a/latex/myfigure/演示文稿1.pptx
+++ b/latex/myfigure/演示文稿1.pptx
@@ -14,6 +14,7 @@
     <p:sldId id="263" r:id="rId8"/>
     <p:sldId id="264" r:id="rId9"/>
     <p:sldId id="265" r:id="rId10"/>
+    <p:sldId id="266" r:id="rId11"/>
   </p:sldIdLst>
   <p:sldSz cx="12192000" cy="6858000"/>
   <p:notesSz cx="6858000" cy="9144000"/>
@@ -120,7 +121,7 @@
             <a:srgbClr val="A4A3A4"/>
           </p15:clr>
         </p15:guide>
-        <p15:guide id="2" pos="3840" userDrawn="1">
+        <p15:guide id="2" pos="3817" userDrawn="1">
           <p15:clr>
             <a:srgbClr val="A4A3A4"/>
           </p15:clr>
@@ -260,7 +261,7 @@
           <a:p>
             <a:fld id="{A4AE5DB0-86C4-474E-872F-D9E5D71A3139}" type="datetimeFigureOut">
               <a:rPr lang="zh-CN" altLang="en-US" smtClean="0"/>
-              <a:t>2018/11/8</a:t>
+              <a:t>2018/11/9</a:t>
             </a:fld>
             <a:endParaRPr lang="zh-CN" altLang="en-US"/>
           </a:p>
@@ -428,7 +429,7 @@
           <a:p>
             <a:fld id="{A4AE5DB0-86C4-474E-872F-D9E5D71A3139}" type="datetimeFigureOut">
               <a:rPr lang="zh-CN" altLang="en-US" smtClean="0"/>
-              <a:t>2018/11/8</a:t>
+              <a:t>2018/11/9</a:t>
             </a:fld>
             <a:endParaRPr lang="zh-CN" altLang="en-US"/>
           </a:p>
@@ -606,7 +607,7 @@
           <a:p>
             <a:fld id="{A4AE5DB0-86C4-474E-872F-D9E5D71A3139}" type="datetimeFigureOut">
               <a:rPr lang="zh-CN" altLang="en-US" smtClean="0"/>
-              <a:t>2018/11/8</a:t>
+              <a:t>2018/11/9</a:t>
             </a:fld>
             <a:endParaRPr lang="zh-CN" altLang="en-US"/>
           </a:p>
@@ -774,7 +775,7 @@
           <a:p>
             <a:fld id="{A4AE5DB0-86C4-474E-872F-D9E5D71A3139}" type="datetimeFigureOut">
               <a:rPr lang="zh-CN" altLang="en-US" smtClean="0"/>
-              <a:t>2018/11/8</a:t>
+              <a:t>2018/11/9</a:t>
             </a:fld>
             <a:endParaRPr lang="zh-CN" altLang="en-US"/>
           </a:p>
@@ -1019,7 +1020,7 @@
           <a:p>
             <a:fld id="{A4AE5DB0-86C4-474E-872F-D9E5D71A3139}" type="datetimeFigureOut">
               <a:rPr lang="zh-CN" altLang="en-US" smtClean="0"/>
-              <a:t>2018/11/8</a:t>
+              <a:t>2018/11/9</a:t>
             </a:fld>
             <a:endParaRPr lang="zh-CN" altLang="en-US"/>
           </a:p>
@@ -1248,7 +1249,7 @@
           <a:p>
             <a:fld id="{A4AE5DB0-86C4-474E-872F-D9E5D71A3139}" type="datetimeFigureOut">
               <a:rPr lang="zh-CN" altLang="en-US" smtClean="0"/>
-              <a:t>2018/11/8</a:t>
+              <a:t>2018/11/9</a:t>
             </a:fld>
             <a:endParaRPr lang="zh-CN" altLang="en-US"/>
           </a:p>
@@ -1612,7 +1613,7 @@
           <a:p>
             <a:fld id="{A4AE5DB0-86C4-474E-872F-D9E5D71A3139}" type="datetimeFigureOut">
               <a:rPr lang="zh-CN" altLang="en-US" smtClean="0"/>
-              <a:t>2018/11/8</a:t>
+              <a:t>2018/11/9</a:t>
             </a:fld>
             <a:endParaRPr lang="zh-CN" altLang="en-US"/>
           </a:p>
@@ -1729,7 +1730,7 @@
           <a:p>
             <a:fld id="{A4AE5DB0-86C4-474E-872F-D9E5D71A3139}" type="datetimeFigureOut">
               <a:rPr lang="zh-CN" altLang="en-US" smtClean="0"/>
-              <a:t>2018/11/8</a:t>
+              <a:t>2018/11/9</a:t>
             </a:fld>
             <a:endParaRPr lang="zh-CN" altLang="en-US"/>
           </a:p>
@@ -1824,7 +1825,7 @@
           <a:p>
             <a:fld id="{A4AE5DB0-86C4-474E-872F-D9E5D71A3139}" type="datetimeFigureOut">
               <a:rPr lang="zh-CN" altLang="en-US" smtClean="0"/>
-              <a:t>2018/11/8</a:t>
+              <a:t>2018/11/9</a:t>
             </a:fld>
             <a:endParaRPr lang="zh-CN" altLang="en-US"/>
           </a:p>
@@ -2099,7 +2100,7 @@
           <a:p>
             <a:fld id="{A4AE5DB0-86C4-474E-872F-D9E5D71A3139}" type="datetimeFigureOut">
               <a:rPr lang="zh-CN" altLang="en-US" smtClean="0"/>
-              <a:t>2018/11/8</a:t>
+              <a:t>2018/11/9</a:t>
             </a:fld>
             <a:endParaRPr lang="zh-CN" altLang="en-US"/>
           </a:p>
@@ -2351,7 +2352,7 @@
           <a:p>
             <a:fld id="{A4AE5DB0-86C4-474E-872F-D9E5D71A3139}" type="datetimeFigureOut">
               <a:rPr lang="zh-CN" altLang="en-US" smtClean="0"/>
-              <a:t>2018/11/8</a:t>
+              <a:t>2018/11/9</a:t>
             </a:fld>
             <a:endParaRPr lang="zh-CN" altLang="en-US"/>
           </a:p>
@@ -2562,7 +2563,7 @@
           <a:p>
             <a:fld id="{A4AE5DB0-86C4-474E-872F-D9E5D71A3139}" type="datetimeFigureOut">
               <a:rPr lang="zh-CN" altLang="en-US" smtClean="0"/>
-              <a:t>2018/11/8</a:t>
+              <a:t>2018/11/9</a:t>
             </a:fld>
             <a:endParaRPr lang="zh-CN" altLang="en-US"/>
           </a:p>
@@ -5246,6 +5247,1302 @@
 </p:sld>
 </file>
 
+<file path=ppt/slides/slide10.xml><?xml version="1.0" encoding="utf-8"?>
+<p:sld xmlns:a="http://schemas.openxmlformats.org/drawingml/2006/main" xmlns:r="http://schemas.openxmlformats.org/officeDocument/2006/relationships" xmlns:p="http://schemas.openxmlformats.org/presentationml/2006/main">
+  <p:cSld>
+    <p:spTree>
+      <p:nvGrpSpPr>
+        <p:cNvPr id="1" name=""/>
+        <p:cNvGrpSpPr/>
+        <p:nvPr/>
+      </p:nvGrpSpPr>
+      <p:grpSpPr>
+        <a:xfrm>
+          <a:off x="0" y="0"/>
+          <a:ext cx="0" cy="0"/>
+          <a:chOff x="0" y="0"/>
+          <a:chExt cx="0" cy="0"/>
+        </a:xfrm>
+      </p:grpSpPr>
+      <p:grpSp>
+        <p:nvGrpSpPr>
+          <p:cNvPr id="40" name="组合 39">
+            <a:extLst>
+              <a:ext uri="{FF2B5EF4-FFF2-40B4-BE49-F238E27FC236}">
+                <a16:creationId xmlns:a16="http://schemas.microsoft.com/office/drawing/2014/main" id="{DE434AF7-E1A6-47CE-9DED-89668334A96B}"/>
+              </a:ext>
+            </a:extLst>
+          </p:cNvPr>
+          <p:cNvGrpSpPr/>
+          <p:nvPr/>
+        </p:nvGrpSpPr>
+        <p:grpSpPr>
+          <a:xfrm>
+            <a:off x="2293331" y="1446958"/>
+            <a:ext cx="6850928" cy="3402732"/>
+            <a:chOff x="2848709" y="1520960"/>
+            <a:chExt cx="6850928" cy="3402732"/>
+          </a:xfrm>
+        </p:grpSpPr>
+        <p:sp>
+          <p:nvSpPr>
+            <p:cNvPr id="38" name="矩形 37">
+              <a:extLst>
+                <a:ext uri="{FF2B5EF4-FFF2-40B4-BE49-F238E27FC236}">
+                  <a16:creationId xmlns:a16="http://schemas.microsoft.com/office/drawing/2014/main" id="{559A9D22-6145-404B-8D9C-C5A2EE7AA25F}"/>
+                </a:ext>
+              </a:extLst>
+            </p:cNvPr>
+            <p:cNvSpPr/>
+            <p:nvPr/>
+          </p:nvSpPr>
+          <p:spPr>
+            <a:xfrm>
+              <a:off x="3043861" y="1520960"/>
+              <a:ext cx="6655776" cy="3209192"/>
+            </a:xfrm>
+            <a:prstGeom prst="rect">
+              <a:avLst/>
+            </a:prstGeom>
+            <a:noFill/>
+            <a:ln w="22225" cap="rnd">
+              <a:solidFill>
+                <a:schemeClr val="tx1"/>
+              </a:solidFill>
+              <a:round/>
+            </a:ln>
+          </p:spPr>
+          <p:style>
+            <a:lnRef idx="2">
+              <a:schemeClr val="accent1">
+                <a:shade val="50000"/>
+              </a:schemeClr>
+            </a:lnRef>
+            <a:fillRef idx="1">
+              <a:schemeClr val="accent1"/>
+            </a:fillRef>
+            <a:effectRef idx="0">
+              <a:schemeClr val="accent1"/>
+            </a:effectRef>
+            <a:fontRef idx="minor">
+              <a:schemeClr val="lt1"/>
+            </a:fontRef>
+          </p:style>
+          <p:txBody>
+            <a:bodyPr rtlCol="0" anchor="ctr"/>
+            <a:lstStyle/>
+            <a:p>
+              <a:pPr algn="ctr"/>
+              <a:endParaRPr lang="zh-CN" altLang="en-US"/>
+            </a:p>
+          </p:txBody>
+        </p:sp>
+        <p:sp>
+          <p:nvSpPr>
+            <p:cNvPr id="8" name="矩形 7">
+              <a:extLst>
+                <a:ext uri="{FF2B5EF4-FFF2-40B4-BE49-F238E27FC236}">
+                  <a16:creationId xmlns:a16="http://schemas.microsoft.com/office/drawing/2014/main" id="{2683B6D9-3ADF-47FE-9AFD-6247C8F8059F}"/>
+                </a:ext>
+              </a:extLst>
+            </p:cNvPr>
+            <p:cNvSpPr/>
+            <p:nvPr/>
+          </p:nvSpPr>
+          <p:spPr>
+            <a:xfrm>
+              <a:off x="2848709" y="1714500"/>
+              <a:ext cx="6655776" cy="3209192"/>
+            </a:xfrm>
+            <a:prstGeom prst="rect">
+              <a:avLst/>
+            </a:prstGeom>
+            <a:solidFill>
+              <a:schemeClr val="bg1"/>
+            </a:solidFill>
+            <a:ln w="22225" cap="rnd">
+              <a:solidFill>
+                <a:schemeClr val="tx1"/>
+              </a:solidFill>
+              <a:round/>
+            </a:ln>
+          </p:spPr>
+          <p:style>
+            <a:lnRef idx="2">
+              <a:schemeClr val="accent1">
+                <a:shade val="50000"/>
+              </a:schemeClr>
+            </a:lnRef>
+            <a:fillRef idx="1">
+              <a:schemeClr val="accent1"/>
+            </a:fillRef>
+            <a:effectRef idx="0">
+              <a:schemeClr val="accent1"/>
+            </a:effectRef>
+            <a:fontRef idx="minor">
+              <a:schemeClr val="lt1"/>
+            </a:fontRef>
+          </p:style>
+          <p:txBody>
+            <a:bodyPr rtlCol="0" anchor="ctr"/>
+            <a:lstStyle/>
+            <a:p>
+              <a:pPr algn="ctr"/>
+              <a:endParaRPr lang="zh-CN" altLang="en-US"/>
+            </a:p>
+          </p:txBody>
+        </p:sp>
+        <p:cxnSp>
+          <p:nvCxnSpPr>
+            <p:cNvPr id="10" name="直接连接符 9">
+              <a:extLst>
+                <a:ext uri="{FF2B5EF4-FFF2-40B4-BE49-F238E27FC236}">
+                  <a16:creationId xmlns:a16="http://schemas.microsoft.com/office/drawing/2014/main" id="{99176085-E738-49D2-99BF-72B436D8F71F}"/>
+                </a:ext>
+              </a:extLst>
+            </p:cNvPr>
+            <p:cNvCxnSpPr/>
+            <p:nvPr/>
+          </p:nvCxnSpPr>
+          <p:spPr>
+            <a:xfrm>
+              <a:off x="4057648" y="2479430"/>
+              <a:ext cx="4879731" cy="0"/>
+            </a:xfrm>
+            <a:prstGeom prst="line">
+              <a:avLst/>
+            </a:prstGeom>
+            <a:ln w="31750" cap="rnd">
+              <a:solidFill>
+                <a:schemeClr val="tx1"/>
+              </a:solidFill>
+            </a:ln>
+          </p:spPr>
+          <p:style>
+            <a:lnRef idx="1">
+              <a:schemeClr val="accent1"/>
+            </a:lnRef>
+            <a:fillRef idx="0">
+              <a:schemeClr val="accent1"/>
+            </a:fillRef>
+            <a:effectRef idx="0">
+              <a:schemeClr val="accent1"/>
+            </a:effectRef>
+            <a:fontRef idx="minor">
+              <a:schemeClr val="tx1"/>
+            </a:fontRef>
+          </p:style>
+        </p:cxnSp>
+        <p:cxnSp>
+          <p:nvCxnSpPr>
+            <p:cNvPr id="13" name="直接连接符 12">
+              <a:extLst>
+                <a:ext uri="{FF2B5EF4-FFF2-40B4-BE49-F238E27FC236}">
+                  <a16:creationId xmlns:a16="http://schemas.microsoft.com/office/drawing/2014/main" id="{79B703E9-2C9B-408B-BEA5-C4095F1E8983}"/>
+                </a:ext>
+              </a:extLst>
+            </p:cNvPr>
+            <p:cNvCxnSpPr/>
+            <p:nvPr/>
+          </p:nvCxnSpPr>
+          <p:spPr>
+            <a:xfrm>
+              <a:off x="4057648" y="3105882"/>
+              <a:ext cx="4879731" cy="0"/>
+            </a:xfrm>
+            <a:prstGeom prst="line">
+              <a:avLst/>
+            </a:prstGeom>
+            <a:ln w="31750" cap="rnd">
+              <a:solidFill>
+                <a:schemeClr val="tx1"/>
+              </a:solidFill>
+            </a:ln>
+          </p:spPr>
+          <p:style>
+            <a:lnRef idx="1">
+              <a:schemeClr val="accent1"/>
+            </a:lnRef>
+            <a:fillRef idx="0">
+              <a:schemeClr val="accent1"/>
+            </a:fillRef>
+            <a:effectRef idx="0">
+              <a:schemeClr val="accent1"/>
+            </a:effectRef>
+            <a:fontRef idx="minor">
+              <a:schemeClr val="tx1"/>
+            </a:fontRef>
+          </p:style>
+        </p:cxnSp>
+        <p:cxnSp>
+          <p:nvCxnSpPr>
+            <p:cNvPr id="16" name="直接连接符 15">
+              <a:extLst>
+                <a:ext uri="{FF2B5EF4-FFF2-40B4-BE49-F238E27FC236}">
+                  <a16:creationId xmlns:a16="http://schemas.microsoft.com/office/drawing/2014/main" id="{887B6CDD-E5F2-4D64-957B-FDCAF50F601D}"/>
+                </a:ext>
+              </a:extLst>
+            </p:cNvPr>
+            <p:cNvCxnSpPr/>
+            <p:nvPr/>
+          </p:nvCxnSpPr>
+          <p:spPr>
+            <a:xfrm>
+              <a:off x="4057647" y="4475279"/>
+              <a:ext cx="4879731" cy="0"/>
+            </a:xfrm>
+            <a:prstGeom prst="line">
+              <a:avLst/>
+            </a:prstGeom>
+            <a:ln w="31750" cap="rnd">
+              <a:solidFill>
+                <a:schemeClr val="tx1"/>
+              </a:solidFill>
+            </a:ln>
+          </p:spPr>
+          <p:style>
+            <a:lnRef idx="1">
+              <a:schemeClr val="accent1"/>
+            </a:lnRef>
+            <a:fillRef idx="0">
+              <a:schemeClr val="accent1"/>
+            </a:fillRef>
+            <a:effectRef idx="0">
+              <a:schemeClr val="accent1"/>
+            </a:effectRef>
+            <a:fontRef idx="minor">
+              <a:schemeClr val="tx1"/>
+            </a:fontRef>
+          </p:style>
+        </p:cxnSp>
+        <p:sp>
+          <p:nvSpPr>
+            <p:cNvPr id="17" name="文本框 16">
+              <a:extLst>
+                <a:ext uri="{FF2B5EF4-FFF2-40B4-BE49-F238E27FC236}">
+                  <a16:creationId xmlns:a16="http://schemas.microsoft.com/office/drawing/2014/main" id="{FCA885CF-912E-4382-A1B9-600D799EBA82}"/>
+                </a:ext>
+              </a:extLst>
+            </p:cNvPr>
+            <p:cNvSpPr txBox="1"/>
+            <p:nvPr/>
+          </p:nvSpPr>
+          <p:spPr>
+            <a:xfrm>
+              <a:off x="2949675" y="2110154"/>
+              <a:ext cx="1104790" cy="369332"/>
+            </a:xfrm>
+            <a:prstGeom prst="rect">
+              <a:avLst/>
+            </a:prstGeom>
+            <a:noFill/>
+          </p:spPr>
+          <p:txBody>
+            <a:bodyPr wrap="none" rtlCol="0">
+              <a:spAutoFit/>
+            </a:bodyPr>
+            <a:lstStyle/>
+            <a:p>
+              <a:r>
+                <a:rPr lang="en-US" altLang="zh-CN" i="1" dirty="0">
+                  <a:latin typeface="Source Code Variable" panose="020B0509030403090204" pitchFamily="49" charset="0"/>
+                  <a:ea typeface="Source Code Variable" panose="020B0509030403090204" pitchFamily="49" charset="0"/>
+                </a:rPr>
+                <a:t>Commit</a:t>
+              </a:r>
+              <a:r>
+                <a:rPr lang="en-US" altLang="zh-CN" i="1" baseline="-25000" dirty="0">
+                  <a:latin typeface="Source Code Variable" panose="020B0509030403090204" pitchFamily="49" charset="0"/>
+                  <a:ea typeface="Source Code Variable" panose="020B0509030403090204" pitchFamily="49" charset="0"/>
+                </a:rPr>
+                <a:t>1</a:t>
+              </a:r>
+              <a:endParaRPr lang="zh-CN" altLang="zh-CN" i="1" dirty="0">
+                <a:latin typeface="Source Code Variable" panose="020B0509030403090204" pitchFamily="49" charset="0"/>
+              </a:endParaRPr>
+            </a:p>
+          </p:txBody>
+        </p:sp>
+        <p:sp>
+          <p:nvSpPr>
+            <p:cNvPr id="18" name="文本框 17">
+              <a:extLst>
+                <a:ext uri="{FF2B5EF4-FFF2-40B4-BE49-F238E27FC236}">
+                  <a16:creationId xmlns:a16="http://schemas.microsoft.com/office/drawing/2014/main" id="{B1237E4C-EEF4-40CB-A954-0D3FD430BED6}"/>
+                </a:ext>
+              </a:extLst>
+            </p:cNvPr>
+            <p:cNvSpPr txBox="1"/>
+            <p:nvPr/>
+          </p:nvSpPr>
+          <p:spPr>
+            <a:xfrm>
+              <a:off x="4659923" y="2110154"/>
+              <a:ext cx="691215" cy="369332"/>
+            </a:xfrm>
+            <a:prstGeom prst="rect">
+              <a:avLst/>
+            </a:prstGeom>
+            <a:noFill/>
+          </p:spPr>
+          <p:txBody>
+            <a:bodyPr wrap="none" rtlCol="0">
+              <a:spAutoFit/>
+            </a:bodyPr>
+            <a:lstStyle/>
+            <a:p>
+              <a:r>
+                <a:rPr lang="en-US" altLang="zh-CN" i="1" dirty="0" err="1">
+                  <a:latin typeface="Source Code Variable" panose="020B0509030403090204" pitchFamily="49" charset="0"/>
+                  <a:ea typeface="Source Code Variable" panose="020B0509030403090204" pitchFamily="49" charset="0"/>
+                </a:rPr>
+                <a:t>Set</a:t>
+              </a:r>
+              <a:r>
+                <a:rPr lang="en-US" altLang="zh-CN" i="1" baseline="-25000" dirty="0" err="1">
+                  <a:latin typeface="Source Code Variable" panose="020B0509030403090204" pitchFamily="49" charset="0"/>
+                  <a:ea typeface="Source Code Variable" panose="020B0509030403090204" pitchFamily="49" charset="0"/>
+                </a:rPr>
+                <a:t>w</a:t>
+              </a:r>
+              <a:endParaRPr lang="zh-CN" altLang="zh-CN" i="1" dirty="0">
+                <a:latin typeface="Source Code Variable" panose="020B0509030403090204" pitchFamily="49" charset="0"/>
+              </a:endParaRPr>
+            </a:p>
+          </p:txBody>
+        </p:sp>
+        <p:sp>
+          <p:nvSpPr>
+            <p:cNvPr id="19" name="矩形 18">
+              <a:extLst>
+                <a:ext uri="{FF2B5EF4-FFF2-40B4-BE49-F238E27FC236}">
+                  <a16:creationId xmlns:a16="http://schemas.microsoft.com/office/drawing/2014/main" id="{E4167D0A-F05C-430B-BD0A-B7DBEB1E576F}"/>
+                </a:ext>
+              </a:extLst>
+            </p:cNvPr>
+            <p:cNvSpPr/>
+            <p:nvPr/>
+          </p:nvSpPr>
+          <p:spPr>
+            <a:xfrm>
+              <a:off x="5867175" y="2110043"/>
+              <a:ext cx="877163" cy="369332"/>
+            </a:xfrm>
+            <a:prstGeom prst="rect">
+              <a:avLst/>
+            </a:prstGeom>
+          </p:spPr>
+          <p:txBody>
+            <a:bodyPr wrap="none">
+              <a:spAutoFit/>
+            </a:bodyPr>
+            <a:lstStyle/>
+            <a:p>
+              <a:pPr algn="just">
+                <a:spcAft>
+                  <a:spcPts val="0"/>
+                </a:spcAft>
+              </a:pPr>
+              <a:r>
+                <a:rPr lang="en-US" altLang="zh-CN" i="1" kern="100" dirty="0" err="1">
+                  <a:latin typeface="Source Code Variable" panose="020B0509030403090204" pitchFamily="49" charset="0"/>
+                  <a:ea typeface="Source Code Variable" panose="020B0509030403090204" pitchFamily="49" charset="0"/>
+                  <a:cs typeface="Times New Roman" panose="02020603050405020304" pitchFamily="18" charset="0"/>
+                </a:rPr>
+                <a:t>Set</a:t>
+              </a:r>
+              <a:r>
+                <a:rPr lang="en-US" altLang="zh-CN" i="1" kern="100" baseline="-25000" dirty="0" err="1">
+                  <a:latin typeface="Source Code Variable" panose="020B0509030403090204" pitchFamily="49" charset="0"/>
+                  <a:ea typeface="Source Code Variable" panose="020B0509030403090204" pitchFamily="49" charset="0"/>
+                  <a:cs typeface="Times New Roman" panose="02020603050405020304" pitchFamily="18" charset="0"/>
+                </a:rPr>
+                <a:t>Ida</a:t>
+              </a:r>
+              <a:endParaRPr lang="zh-CN" altLang="zh-CN" i="1" kern="100" dirty="0">
+                <a:latin typeface="Source Code Variable" panose="020B0509030403090204" pitchFamily="49" charset="0"/>
+                <a:ea typeface="等线" panose="02010600030101010101" pitchFamily="2" charset="-122"/>
+                <a:cs typeface="Times New Roman" panose="02020603050405020304" pitchFamily="18" charset="0"/>
+              </a:endParaRPr>
+            </a:p>
+          </p:txBody>
+        </p:sp>
+        <p:sp>
+          <p:nvSpPr>
+            <p:cNvPr id="20" name="矩形 19">
+              <a:extLst>
+                <a:ext uri="{FF2B5EF4-FFF2-40B4-BE49-F238E27FC236}">
+                  <a16:creationId xmlns:a16="http://schemas.microsoft.com/office/drawing/2014/main" id="{6D590284-C973-430D-AE2C-82B51B17024D}"/>
+                </a:ext>
+              </a:extLst>
+            </p:cNvPr>
+            <p:cNvSpPr/>
+            <p:nvPr/>
+          </p:nvSpPr>
+          <p:spPr>
+            <a:xfrm>
+              <a:off x="7260374" y="2111114"/>
+              <a:ext cx="877163" cy="369332"/>
+            </a:xfrm>
+            <a:prstGeom prst="rect">
+              <a:avLst/>
+            </a:prstGeom>
+          </p:spPr>
+          <p:txBody>
+            <a:bodyPr wrap="none">
+              <a:spAutoFit/>
+            </a:bodyPr>
+            <a:lstStyle/>
+            <a:p>
+              <a:pPr algn="just">
+                <a:spcAft>
+                  <a:spcPts val="0"/>
+                </a:spcAft>
+              </a:pPr>
+              <a:r>
+                <a:rPr lang="en-US" altLang="zh-CN" i="1" kern="100" dirty="0" err="1">
+                  <a:latin typeface="Source Code Variable" panose="020B0509030403090204" pitchFamily="49" charset="0"/>
+                  <a:ea typeface="Source Code Variable" panose="020B0509030403090204" pitchFamily="49" charset="0"/>
+                  <a:cs typeface="Times New Roman" panose="02020603050405020304" pitchFamily="18" charset="0"/>
+                </a:rPr>
+                <a:t>Set</a:t>
+              </a:r>
+              <a:r>
+                <a:rPr lang="en-US" altLang="zh-CN" i="1" kern="100" baseline="-25000" dirty="0" err="1">
+                  <a:latin typeface="Source Code Variable" panose="020B0509030403090204" pitchFamily="49" charset="0"/>
+                  <a:ea typeface="Source Code Variable" panose="020B0509030403090204" pitchFamily="49" charset="0"/>
+                  <a:cs typeface="Times New Roman" panose="02020603050405020304" pitchFamily="18" charset="0"/>
+                </a:rPr>
+                <a:t>Idb</a:t>
+              </a:r>
+              <a:endParaRPr lang="zh-CN" altLang="zh-CN" i="1" kern="100" dirty="0">
+                <a:latin typeface="Source Code Variable" panose="020B0509030403090204" pitchFamily="49" charset="0"/>
+                <a:ea typeface="等线" panose="02010600030101010101" pitchFamily="2" charset="-122"/>
+                <a:cs typeface="Times New Roman" panose="02020603050405020304" pitchFamily="18" charset="0"/>
+              </a:endParaRPr>
+            </a:p>
+          </p:txBody>
+        </p:sp>
+        <p:sp>
+          <p:nvSpPr>
+            <p:cNvPr id="22" name="文本框 21">
+              <a:extLst>
+                <a:ext uri="{FF2B5EF4-FFF2-40B4-BE49-F238E27FC236}">
+                  <a16:creationId xmlns:a16="http://schemas.microsoft.com/office/drawing/2014/main" id="{E92D0FDD-8907-4089-BA43-8AFF9D59D58E}"/>
+                </a:ext>
+              </a:extLst>
+            </p:cNvPr>
+            <p:cNvSpPr txBox="1"/>
+            <p:nvPr/>
+          </p:nvSpPr>
+          <p:spPr>
+            <a:xfrm>
+              <a:off x="2949675" y="2756335"/>
+              <a:ext cx="1104790" cy="369332"/>
+            </a:xfrm>
+            <a:prstGeom prst="rect">
+              <a:avLst/>
+            </a:prstGeom>
+            <a:noFill/>
+          </p:spPr>
+          <p:txBody>
+            <a:bodyPr wrap="none" rtlCol="0">
+              <a:spAutoFit/>
+            </a:bodyPr>
+            <a:lstStyle/>
+            <a:p>
+              <a:r>
+                <a:rPr lang="en-US" altLang="zh-CN" i="1" dirty="0">
+                  <a:latin typeface="Source Code Variable" panose="020B0509030403090204" pitchFamily="49" charset="0"/>
+                  <a:ea typeface="Source Code Variable" panose="020B0509030403090204" pitchFamily="49" charset="0"/>
+                </a:rPr>
+                <a:t>Commit</a:t>
+              </a:r>
+              <a:r>
+                <a:rPr lang="en-US" altLang="zh-CN" i="1" baseline="-25000" dirty="0">
+                  <a:latin typeface="Source Code Variable" panose="020B0509030403090204" pitchFamily="49" charset="0"/>
+                  <a:ea typeface="Source Code Variable" panose="020B0509030403090204" pitchFamily="49" charset="0"/>
+                </a:rPr>
+                <a:t>2</a:t>
+              </a:r>
+              <a:endParaRPr lang="zh-CN" altLang="zh-CN" i="1" dirty="0">
+                <a:latin typeface="Source Code Variable" panose="020B0509030403090204" pitchFamily="49" charset="0"/>
+              </a:endParaRPr>
+            </a:p>
+          </p:txBody>
+        </p:sp>
+        <p:sp>
+          <p:nvSpPr>
+            <p:cNvPr id="23" name="文本框 22">
+              <a:extLst>
+                <a:ext uri="{FF2B5EF4-FFF2-40B4-BE49-F238E27FC236}">
+                  <a16:creationId xmlns:a16="http://schemas.microsoft.com/office/drawing/2014/main" id="{00D2FB20-0BE2-4848-932D-D3835E4DDDA9}"/>
+                </a:ext>
+              </a:extLst>
+            </p:cNvPr>
+            <p:cNvSpPr txBox="1"/>
+            <p:nvPr/>
+          </p:nvSpPr>
+          <p:spPr>
+            <a:xfrm>
+              <a:off x="4659923" y="2756335"/>
+              <a:ext cx="691215" cy="369332"/>
+            </a:xfrm>
+            <a:prstGeom prst="rect">
+              <a:avLst/>
+            </a:prstGeom>
+            <a:noFill/>
+          </p:spPr>
+          <p:txBody>
+            <a:bodyPr wrap="none" rtlCol="0">
+              <a:spAutoFit/>
+            </a:bodyPr>
+            <a:lstStyle/>
+            <a:p>
+              <a:r>
+                <a:rPr lang="en-US" altLang="zh-CN" i="1" dirty="0" err="1">
+                  <a:latin typeface="Source Code Variable" panose="020B0509030403090204" pitchFamily="49" charset="0"/>
+                  <a:ea typeface="Source Code Variable" panose="020B0509030403090204" pitchFamily="49" charset="0"/>
+                </a:rPr>
+                <a:t>Set</a:t>
+              </a:r>
+              <a:r>
+                <a:rPr lang="en-US" altLang="zh-CN" i="1" baseline="-25000" dirty="0" err="1">
+                  <a:latin typeface="Source Code Variable" panose="020B0509030403090204" pitchFamily="49" charset="0"/>
+                  <a:ea typeface="Source Code Variable" panose="020B0509030403090204" pitchFamily="49" charset="0"/>
+                </a:rPr>
+                <a:t>w</a:t>
+              </a:r>
+              <a:endParaRPr lang="zh-CN" altLang="zh-CN" i="1" dirty="0">
+                <a:latin typeface="Source Code Variable" panose="020B0509030403090204" pitchFamily="49" charset="0"/>
+              </a:endParaRPr>
+            </a:p>
+          </p:txBody>
+        </p:sp>
+        <p:sp>
+          <p:nvSpPr>
+            <p:cNvPr id="24" name="矩形 23">
+              <a:extLst>
+                <a:ext uri="{FF2B5EF4-FFF2-40B4-BE49-F238E27FC236}">
+                  <a16:creationId xmlns:a16="http://schemas.microsoft.com/office/drawing/2014/main" id="{266C434A-3C70-4101-82A2-EFC1A7A000E0}"/>
+                </a:ext>
+              </a:extLst>
+            </p:cNvPr>
+            <p:cNvSpPr/>
+            <p:nvPr/>
+          </p:nvSpPr>
+          <p:spPr>
+            <a:xfrm>
+              <a:off x="5867175" y="2756224"/>
+              <a:ext cx="877163" cy="369332"/>
+            </a:xfrm>
+            <a:prstGeom prst="rect">
+              <a:avLst/>
+            </a:prstGeom>
+          </p:spPr>
+          <p:txBody>
+            <a:bodyPr wrap="none">
+              <a:spAutoFit/>
+            </a:bodyPr>
+            <a:lstStyle/>
+            <a:p>
+              <a:pPr algn="just">
+                <a:spcAft>
+                  <a:spcPts val="0"/>
+                </a:spcAft>
+              </a:pPr>
+              <a:r>
+                <a:rPr lang="en-US" altLang="zh-CN" i="1" kern="100" dirty="0" err="1">
+                  <a:latin typeface="Source Code Variable" panose="020B0509030403090204" pitchFamily="49" charset="0"/>
+                  <a:ea typeface="Source Code Variable" panose="020B0509030403090204" pitchFamily="49" charset="0"/>
+                  <a:cs typeface="Times New Roman" panose="02020603050405020304" pitchFamily="18" charset="0"/>
+                </a:rPr>
+                <a:t>Set</a:t>
+              </a:r>
+              <a:r>
+                <a:rPr lang="en-US" altLang="zh-CN" i="1" kern="100" baseline="-25000" dirty="0" err="1">
+                  <a:latin typeface="Source Code Variable" panose="020B0509030403090204" pitchFamily="49" charset="0"/>
+                  <a:ea typeface="Source Code Variable" panose="020B0509030403090204" pitchFamily="49" charset="0"/>
+                  <a:cs typeface="Times New Roman" panose="02020603050405020304" pitchFamily="18" charset="0"/>
+                </a:rPr>
+                <a:t>Ida</a:t>
+              </a:r>
+              <a:endParaRPr lang="zh-CN" altLang="zh-CN" i="1" kern="100" dirty="0">
+                <a:latin typeface="Source Code Variable" panose="020B0509030403090204" pitchFamily="49" charset="0"/>
+                <a:ea typeface="等线" panose="02010600030101010101" pitchFamily="2" charset="-122"/>
+                <a:cs typeface="Times New Roman" panose="02020603050405020304" pitchFamily="18" charset="0"/>
+              </a:endParaRPr>
+            </a:p>
+          </p:txBody>
+        </p:sp>
+        <p:sp>
+          <p:nvSpPr>
+            <p:cNvPr id="25" name="矩形 24">
+              <a:extLst>
+                <a:ext uri="{FF2B5EF4-FFF2-40B4-BE49-F238E27FC236}">
+                  <a16:creationId xmlns:a16="http://schemas.microsoft.com/office/drawing/2014/main" id="{2CC58609-4C93-4B43-ADD5-815CFCCB3816}"/>
+                </a:ext>
+              </a:extLst>
+            </p:cNvPr>
+            <p:cNvSpPr/>
+            <p:nvPr/>
+          </p:nvSpPr>
+          <p:spPr>
+            <a:xfrm>
+              <a:off x="7260374" y="2757295"/>
+              <a:ext cx="877163" cy="369332"/>
+            </a:xfrm>
+            <a:prstGeom prst="rect">
+              <a:avLst/>
+            </a:prstGeom>
+          </p:spPr>
+          <p:txBody>
+            <a:bodyPr wrap="none">
+              <a:spAutoFit/>
+            </a:bodyPr>
+            <a:lstStyle/>
+            <a:p>
+              <a:pPr algn="just">
+                <a:spcAft>
+                  <a:spcPts val="0"/>
+                </a:spcAft>
+              </a:pPr>
+              <a:r>
+                <a:rPr lang="en-US" altLang="zh-CN" i="1" kern="100" dirty="0" err="1">
+                  <a:latin typeface="Source Code Variable" panose="020B0509030403090204" pitchFamily="49" charset="0"/>
+                  <a:ea typeface="Source Code Variable" panose="020B0509030403090204" pitchFamily="49" charset="0"/>
+                  <a:cs typeface="Times New Roman" panose="02020603050405020304" pitchFamily="18" charset="0"/>
+                </a:rPr>
+                <a:t>Set</a:t>
+              </a:r>
+              <a:r>
+                <a:rPr lang="en-US" altLang="zh-CN" i="1" kern="100" baseline="-25000" dirty="0" err="1">
+                  <a:latin typeface="Source Code Variable" panose="020B0509030403090204" pitchFamily="49" charset="0"/>
+                  <a:ea typeface="Source Code Variable" panose="020B0509030403090204" pitchFamily="49" charset="0"/>
+                  <a:cs typeface="Times New Roman" panose="02020603050405020304" pitchFamily="18" charset="0"/>
+                </a:rPr>
+                <a:t>Idb</a:t>
+              </a:r>
+              <a:endParaRPr lang="zh-CN" altLang="zh-CN" i="1" kern="100" dirty="0">
+                <a:latin typeface="Source Code Variable" panose="020B0509030403090204" pitchFamily="49" charset="0"/>
+                <a:ea typeface="等线" panose="02010600030101010101" pitchFamily="2" charset="-122"/>
+                <a:cs typeface="Times New Roman" panose="02020603050405020304" pitchFamily="18" charset="0"/>
+              </a:endParaRPr>
+            </a:p>
+          </p:txBody>
+        </p:sp>
+        <p:sp>
+          <p:nvSpPr>
+            <p:cNvPr id="26" name="文本框 25">
+              <a:extLst>
+                <a:ext uri="{FF2B5EF4-FFF2-40B4-BE49-F238E27FC236}">
+                  <a16:creationId xmlns:a16="http://schemas.microsoft.com/office/drawing/2014/main" id="{34979830-4D2E-48A9-BF39-191142D61C43}"/>
+                </a:ext>
+              </a:extLst>
+            </p:cNvPr>
+            <p:cNvSpPr txBox="1"/>
+            <p:nvPr/>
+          </p:nvSpPr>
+          <p:spPr>
+            <a:xfrm>
+              <a:off x="2949675" y="4141060"/>
+              <a:ext cx="1104790" cy="369332"/>
+            </a:xfrm>
+            <a:prstGeom prst="rect">
+              <a:avLst/>
+            </a:prstGeom>
+            <a:noFill/>
+          </p:spPr>
+          <p:txBody>
+            <a:bodyPr wrap="none" rtlCol="0">
+              <a:spAutoFit/>
+            </a:bodyPr>
+            <a:lstStyle/>
+            <a:p>
+              <a:r>
+                <a:rPr lang="en-US" altLang="zh-CN" i="1" dirty="0" err="1">
+                  <a:latin typeface="Source Code Variable" panose="020B0509030403090204" pitchFamily="49" charset="0"/>
+                  <a:ea typeface="Source Code Variable" panose="020B0509030403090204" pitchFamily="49" charset="0"/>
+                </a:rPr>
+                <a:t>Commit</a:t>
+              </a:r>
+              <a:r>
+                <a:rPr lang="en-US" altLang="zh-CN" i="1" baseline="-25000" dirty="0" err="1">
+                  <a:latin typeface="Source Code Variable" panose="020B0509030403090204" pitchFamily="49" charset="0"/>
+                  <a:ea typeface="Source Code Variable" panose="020B0509030403090204" pitchFamily="49" charset="0"/>
+                </a:rPr>
+                <a:t>n</a:t>
+              </a:r>
+              <a:endParaRPr lang="zh-CN" altLang="zh-CN" i="1" dirty="0">
+                <a:latin typeface="Source Code Variable" panose="020B0509030403090204" pitchFamily="49" charset="0"/>
+              </a:endParaRPr>
+            </a:p>
+          </p:txBody>
+        </p:sp>
+        <p:sp>
+          <p:nvSpPr>
+            <p:cNvPr id="27" name="文本框 26">
+              <a:extLst>
+                <a:ext uri="{FF2B5EF4-FFF2-40B4-BE49-F238E27FC236}">
+                  <a16:creationId xmlns:a16="http://schemas.microsoft.com/office/drawing/2014/main" id="{B8AD72D3-A5BC-408A-956D-E44DD7537B66}"/>
+                </a:ext>
+              </a:extLst>
+            </p:cNvPr>
+            <p:cNvSpPr txBox="1"/>
+            <p:nvPr/>
+          </p:nvSpPr>
+          <p:spPr>
+            <a:xfrm>
+              <a:off x="4659923" y="4141060"/>
+              <a:ext cx="691215" cy="369332"/>
+            </a:xfrm>
+            <a:prstGeom prst="rect">
+              <a:avLst/>
+            </a:prstGeom>
+            <a:noFill/>
+          </p:spPr>
+          <p:txBody>
+            <a:bodyPr wrap="none" rtlCol="0">
+              <a:spAutoFit/>
+            </a:bodyPr>
+            <a:lstStyle/>
+            <a:p>
+              <a:r>
+                <a:rPr lang="en-US" altLang="zh-CN" i="1" dirty="0" err="1">
+                  <a:latin typeface="Source Code Variable" panose="020B0509030403090204" pitchFamily="49" charset="0"/>
+                  <a:ea typeface="Source Code Variable" panose="020B0509030403090204" pitchFamily="49" charset="0"/>
+                </a:rPr>
+                <a:t>Set</a:t>
+              </a:r>
+              <a:r>
+                <a:rPr lang="en-US" altLang="zh-CN" i="1" baseline="-25000" dirty="0" err="1">
+                  <a:latin typeface="Source Code Variable" panose="020B0509030403090204" pitchFamily="49" charset="0"/>
+                  <a:ea typeface="Source Code Variable" panose="020B0509030403090204" pitchFamily="49" charset="0"/>
+                </a:rPr>
+                <a:t>w</a:t>
+              </a:r>
+              <a:endParaRPr lang="zh-CN" altLang="zh-CN" i="1" dirty="0">
+                <a:latin typeface="Source Code Variable" panose="020B0509030403090204" pitchFamily="49" charset="0"/>
+              </a:endParaRPr>
+            </a:p>
+          </p:txBody>
+        </p:sp>
+        <p:sp>
+          <p:nvSpPr>
+            <p:cNvPr id="28" name="矩形 27">
+              <a:extLst>
+                <a:ext uri="{FF2B5EF4-FFF2-40B4-BE49-F238E27FC236}">
+                  <a16:creationId xmlns:a16="http://schemas.microsoft.com/office/drawing/2014/main" id="{7B426BCD-36A3-40A4-A9B9-E7A06842742A}"/>
+                </a:ext>
+              </a:extLst>
+            </p:cNvPr>
+            <p:cNvSpPr/>
+            <p:nvPr/>
+          </p:nvSpPr>
+          <p:spPr>
+            <a:xfrm>
+              <a:off x="5867175" y="4140949"/>
+              <a:ext cx="877163" cy="369332"/>
+            </a:xfrm>
+            <a:prstGeom prst="rect">
+              <a:avLst/>
+            </a:prstGeom>
+          </p:spPr>
+          <p:txBody>
+            <a:bodyPr wrap="none">
+              <a:spAutoFit/>
+            </a:bodyPr>
+            <a:lstStyle/>
+            <a:p>
+              <a:pPr algn="just">
+                <a:spcAft>
+                  <a:spcPts val="0"/>
+                </a:spcAft>
+              </a:pPr>
+              <a:r>
+                <a:rPr lang="en-US" altLang="zh-CN" i="1" kern="100" dirty="0" err="1">
+                  <a:latin typeface="Source Code Variable" panose="020B0509030403090204" pitchFamily="49" charset="0"/>
+                  <a:ea typeface="Source Code Variable" panose="020B0509030403090204" pitchFamily="49" charset="0"/>
+                  <a:cs typeface="Times New Roman" panose="02020603050405020304" pitchFamily="18" charset="0"/>
+                </a:rPr>
+                <a:t>Set</a:t>
+              </a:r>
+              <a:r>
+                <a:rPr lang="en-US" altLang="zh-CN" i="1" kern="100" baseline="-25000" dirty="0" err="1">
+                  <a:latin typeface="Source Code Variable" panose="020B0509030403090204" pitchFamily="49" charset="0"/>
+                  <a:ea typeface="Source Code Variable" panose="020B0509030403090204" pitchFamily="49" charset="0"/>
+                  <a:cs typeface="Times New Roman" panose="02020603050405020304" pitchFamily="18" charset="0"/>
+                </a:rPr>
+                <a:t>Ida</a:t>
+              </a:r>
+              <a:endParaRPr lang="zh-CN" altLang="zh-CN" i="1" kern="100" dirty="0">
+                <a:latin typeface="Source Code Variable" panose="020B0509030403090204" pitchFamily="49" charset="0"/>
+                <a:ea typeface="等线" panose="02010600030101010101" pitchFamily="2" charset="-122"/>
+                <a:cs typeface="Times New Roman" panose="02020603050405020304" pitchFamily="18" charset="0"/>
+              </a:endParaRPr>
+            </a:p>
+          </p:txBody>
+        </p:sp>
+        <p:sp>
+          <p:nvSpPr>
+            <p:cNvPr id="29" name="矩形 28">
+              <a:extLst>
+                <a:ext uri="{FF2B5EF4-FFF2-40B4-BE49-F238E27FC236}">
+                  <a16:creationId xmlns:a16="http://schemas.microsoft.com/office/drawing/2014/main" id="{0D8C8897-6ADB-45C1-B1B1-F3CCBFD077E7}"/>
+                </a:ext>
+              </a:extLst>
+            </p:cNvPr>
+            <p:cNvSpPr/>
+            <p:nvPr/>
+          </p:nvSpPr>
+          <p:spPr>
+            <a:xfrm>
+              <a:off x="7260374" y="4142020"/>
+              <a:ext cx="877163" cy="369332"/>
+            </a:xfrm>
+            <a:prstGeom prst="rect">
+              <a:avLst/>
+            </a:prstGeom>
+          </p:spPr>
+          <p:txBody>
+            <a:bodyPr wrap="none">
+              <a:spAutoFit/>
+            </a:bodyPr>
+            <a:lstStyle/>
+            <a:p>
+              <a:pPr algn="just">
+                <a:spcAft>
+                  <a:spcPts val="0"/>
+                </a:spcAft>
+              </a:pPr>
+              <a:r>
+                <a:rPr lang="en-US" altLang="zh-CN" i="1" kern="100" dirty="0" err="1">
+                  <a:latin typeface="Source Code Variable" panose="020B0509030403090204" pitchFamily="49" charset="0"/>
+                  <a:ea typeface="Source Code Variable" panose="020B0509030403090204" pitchFamily="49" charset="0"/>
+                  <a:cs typeface="Times New Roman" panose="02020603050405020304" pitchFamily="18" charset="0"/>
+                </a:rPr>
+                <a:t>Set</a:t>
+              </a:r>
+              <a:r>
+                <a:rPr lang="en-US" altLang="zh-CN" i="1" kern="100" baseline="-25000" dirty="0" err="1">
+                  <a:latin typeface="Source Code Variable" panose="020B0509030403090204" pitchFamily="49" charset="0"/>
+                  <a:ea typeface="Source Code Variable" panose="020B0509030403090204" pitchFamily="49" charset="0"/>
+                  <a:cs typeface="Times New Roman" panose="02020603050405020304" pitchFamily="18" charset="0"/>
+                </a:rPr>
+                <a:t>Idb</a:t>
+              </a:r>
+              <a:endParaRPr lang="zh-CN" altLang="zh-CN" i="1" kern="100" dirty="0">
+                <a:latin typeface="Source Code Variable" panose="020B0509030403090204" pitchFamily="49" charset="0"/>
+                <a:ea typeface="等线" panose="02010600030101010101" pitchFamily="2" charset="-122"/>
+                <a:cs typeface="Times New Roman" panose="02020603050405020304" pitchFamily="18" charset="0"/>
+              </a:endParaRPr>
+            </a:p>
+          </p:txBody>
+        </p:sp>
+        <p:grpSp>
+          <p:nvGrpSpPr>
+            <p:cNvPr id="33" name="组合 32">
+              <a:extLst>
+                <a:ext uri="{FF2B5EF4-FFF2-40B4-BE49-F238E27FC236}">
+                  <a16:creationId xmlns:a16="http://schemas.microsoft.com/office/drawing/2014/main" id="{309AD4E0-6462-4512-9FA7-93360948FDF4}"/>
+                </a:ext>
+              </a:extLst>
+            </p:cNvPr>
+            <p:cNvGrpSpPr/>
+            <p:nvPr/>
+          </p:nvGrpSpPr>
+          <p:grpSpPr>
+            <a:xfrm>
+              <a:off x="3436126" y="3572501"/>
+              <a:ext cx="54001" cy="326592"/>
+              <a:chOff x="3436126" y="3423031"/>
+              <a:chExt cx="54001" cy="326592"/>
+            </a:xfrm>
+          </p:grpSpPr>
+          <p:sp>
+            <p:nvSpPr>
+              <p:cNvPr id="30" name="椭圆 29">
+                <a:extLst>
+                  <a:ext uri="{FF2B5EF4-FFF2-40B4-BE49-F238E27FC236}">
+                    <a16:creationId xmlns:a16="http://schemas.microsoft.com/office/drawing/2014/main" id="{39507C10-1FDE-4448-9FC8-A1195740F958}"/>
+                  </a:ext>
+                </a:extLst>
+              </p:cNvPr>
+              <p:cNvSpPr>
+                <a:spLocks noChangeAspect="1"/>
+              </p:cNvSpPr>
+              <p:nvPr/>
+            </p:nvSpPr>
+            <p:spPr>
+              <a:xfrm>
+                <a:off x="3436127" y="3423031"/>
+                <a:ext cx="54000" cy="54000"/>
+              </a:xfrm>
+              <a:prstGeom prst="ellipse">
+                <a:avLst/>
+              </a:prstGeom>
+              <a:solidFill>
+                <a:schemeClr val="tx1"/>
+              </a:solidFill>
+              <a:ln>
+                <a:noFill/>
+              </a:ln>
+            </p:spPr>
+            <p:style>
+              <a:lnRef idx="2">
+                <a:schemeClr val="accent1">
+                  <a:shade val="50000"/>
+                </a:schemeClr>
+              </a:lnRef>
+              <a:fillRef idx="1">
+                <a:schemeClr val="accent1"/>
+              </a:fillRef>
+              <a:effectRef idx="0">
+                <a:schemeClr val="accent1"/>
+              </a:effectRef>
+              <a:fontRef idx="minor">
+                <a:schemeClr val="lt1"/>
+              </a:fontRef>
+            </p:style>
+            <p:txBody>
+              <a:bodyPr rtlCol="0" anchor="ctr"/>
+              <a:lstStyle/>
+              <a:p>
+                <a:pPr algn="ctr"/>
+                <a:endParaRPr lang="zh-CN" altLang="en-US">
+                  <a:solidFill>
+                    <a:schemeClr val="tx1"/>
+                  </a:solidFill>
+                </a:endParaRPr>
+              </a:p>
+            </p:txBody>
+          </p:sp>
+          <p:sp>
+            <p:nvSpPr>
+              <p:cNvPr id="31" name="椭圆 30">
+                <a:extLst>
+                  <a:ext uri="{FF2B5EF4-FFF2-40B4-BE49-F238E27FC236}">
+                    <a16:creationId xmlns:a16="http://schemas.microsoft.com/office/drawing/2014/main" id="{005F2FC3-C847-4246-A32C-D0660E1B3026}"/>
+                  </a:ext>
+                </a:extLst>
+              </p:cNvPr>
+              <p:cNvSpPr>
+                <a:spLocks noChangeAspect="1"/>
+              </p:cNvSpPr>
+              <p:nvPr/>
+            </p:nvSpPr>
+            <p:spPr>
+              <a:xfrm>
+                <a:off x="3436127" y="3695623"/>
+                <a:ext cx="54000" cy="54000"/>
+              </a:xfrm>
+              <a:prstGeom prst="ellipse">
+                <a:avLst/>
+              </a:prstGeom>
+              <a:solidFill>
+                <a:schemeClr val="tx1"/>
+              </a:solidFill>
+              <a:ln>
+                <a:noFill/>
+              </a:ln>
+            </p:spPr>
+            <p:style>
+              <a:lnRef idx="2">
+                <a:schemeClr val="accent1">
+                  <a:shade val="50000"/>
+                </a:schemeClr>
+              </a:lnRef>
+              <a:fillRef idx="1">
+                <a:schemeClr val="accent1"/>
+              </a:fillRef>
+              <a:effectRef idx="0">
+                <a:schemeClr val="accent1"/>
+              </a:effectRef>
+              <a:fontRef idx="minor">
+                <a:schemeClr val="lt1"/>
+              </a:fontRef>
+            </p:style>
+            <p:txBody>
+              <a:bodyPr rtlCol="0" anchor="ctr"/>
+              <a:lstStyle/>
+              <a:p>
+                <a:pPr algn="ctr"/>
+                <a:endParaRPr lang="zh-CN" altLang="en-US">
+                  <a:solidFill>
+                    <a:schemeClr val="tx1"/>
+                  </a:solidFill>
+                </a:endParaRPr>
+              </a:p>
+            </p:txBody>
+          </p:sp>
+          <p:sp>
+            <p:nvSpPr>
+              <p:cNvPr id="32" name="椭圆 31">
+                <a:extLst>
+                  <a:ext uri="{FF2B5EF4-FFF2-40B4-BE49-F238E27FC236}">
+                    <a16:creationId xmlns:a16="http://schemas.microsoft.com/office/drawing/2014/main" id="{65D0F64C-16A7-4D12-860A-E933807A1224}"/>
+                  </a:ext>
+                </a:extLst>
+              </p:cNvPr>
+              <p:cNvSpPr>
+                <a:spLocks noChangeAspect="1"/>
+              </p:cNvSpPr>
+              <p:nvPr/>
+            </p:nvSpPr>
+            <p:spPr>
+              <a:xfrm>
+                <a:off x="3436126" y="3559327"/>
+                <a:ext cx="54000" cy="54000"/>
+              </a:xfrm>
+              <a:prstGeom prst="ellipse">
+                <a:avLst/>
+              </a:prstGeom>
+              <a:solidFill>
+                <a:schemeClr val="tx1"/>
+              </a:solidFill>
+              <a:ln>
+                <a:noFill/>
+              </a:ln>
+            </p:spPr>
+            <p:style>
+              <a:lnRef idx="2">
+                <a:schemeClr val="accent1">
+                  <a:shade val="50000"/>
+                </a:schemeClr>
+              </a:lnRef>
+              <a:fillRef idx="1">
+                <a:schemeClr val="accent1"/>
+              </a:fillRef>
+              <a:effectRef idx="0">
+                <a:schemeClr val="accent1"/>
+              </a:effectRef>
+              <a:fontRef idx="minor">
+                <a:schemeClr val="lt1"/>
+              </a:fontRef>
+            </p:style>
+            <p:txBody>
+              <a:bodyPr rtlCol="0" anchor="ctr"/>
+              <a:lstStyle/>
+              <a:p>
+                <a:pPr algn="ctr"/>
+                <a:endParaRPr lang="zh-CN" altLang="en-US">
+                  <a:solidFill>
+                    <a:schemeClr val="tx1"/>
+                  </a:solidFill>
+                </a:endParaRPr>
+              </a:p>
+            </p:txBody>
+          </p:sp>
+        </p:grpSp>
+        <p:grpSp>
+          <p:nvGrpSpPr>
+            <p:cNvPr id="34" name="组合 33">
+              <a:extLst>
+                <a:ext uri="{FF2B5EF4-FFF2-40B4-BE49-F238E27FC236}">
+                  <a16:creationId xmlns:a16="http://schemas.microsoft.com/office/drawing/2014/main" id="{66A01210-F474-49AC-9E0C-9AFCD0DFF595}"/>
+                </a:ext>
+              </a:extLst>
+            </p:cNvPr>
+            <p:cNvGrpSpPr/>
+            <p:nvPr/>
+          </p:nvGrpSpPr>
+          <p:grpSpPr>
+            <a:xfrm>
+              <a:off x="6092657" y="3573870"/>
+              <a:ext cx="54001" cy="326592"/>
+              <a:chOff x="3436126" y="3423031"/>
+              <a:chExt cx="54001" cy="326592"/>
+            </a:xfrm>
+          </p:grpSpPr>
+          <p:sp>
+            <p:nvSpPr>
+              <p:cNvPr id="35" name="椭圆 34">
+                <a:extLst>
+                  <a:ext uri="{FF2B5EF4-FFF2-40B4-BE49-F238E27FC236}">
+                    <a16:creationId xmlns:a16="http://schemas.microsoft.com/office/drawing/2014/main" id="{26F905C2-2975-4A65-83FC-E38F01104F1D}"/>
+                  </a:ext>
+                </a:extLst>
+              </p:cNvPr>
+              <p:cNvSpPr>
+                <a:spLocks noChangeAspect="1"/>
+              </p:cNvSpPr>
+              <p:nvPr/>
+            </p:nvSpPr>
+            <p:spPr>
+              <a:xfrm>
+                <a:off x="3436127" y="3423031"/>
+                <a:ext cx="54000" cy="54000"/>
+              </a:xfrm>
+              <a:prstGeom prst="ellipse">
+                <a:avLst/>
+              </a:prstGeom>
+              <a:solidFill>
+                <a:schemeClr val="tx1"/>
+              </a:solidFill>
+              <a:ln>
+                <a:noFill/>
+              </a:ln>
+            </p:spPr>
+            <p:style>
+              <a:lnRef idx="2">
+                <a:schemeClr val="accent1">
+                  <a:shade val="50000"/>
+                </a:schemeClr>
+              </a:lnRef>
+              <a:fillRef idx="1">
+                <a:schemeClr val="accent1"/>
+              </a:fillRef>
+              <a:effectRef idx="0">
+                <a:schemeClr val="accent1"/>
+              </a:effectRef>
+              <a:fontRef idx="minor">
+                <a:schemeClr val="lt1"/>
+              </a:fontRef>
+            </p:style>
+            <p:txBody>
+              <a:bodyPr rtlCol="0" anchor="ctr"/>
+              <a:lstStyle/>
+              <a:p>
+                <a:pPr algn="ctr"/>
+                <a:endParaRPr lang="zh-CN" altLang="en-US">
+                  <a:solidFill>
+                    <a:schemeClr val="tx1"/>
+                  </a:solidFill>
+                </a:endParaRPr>
+              </a:p>
+            </p:txBody>
+          </p:sp>
+          <p:sp>
+            <p:nvSpPr>
+              <p:cNvPr id="36" name="椭圆 35">
+                <a:extLst>
+                  <a:ext uri="{FF2B5EF4-FFF2-40B4-BE49-F238E27FC236}">
+                    <a16:creationId xmlns:a16="http://schemas.microsoft.com/office/drawing/2014/main" id="{7507D08A-3E57-4F54-AE32-31FC87A69586}"/>
+                  </a:ext>
+                </a:extLst>
+              </p:cNvPr>
+              <p:cNvSpPr>
+                <a:spLocks noChangeAspect="1"/>
+              </p:cNvSpPr>
+              <p:nvPr/>
+            </p:nvSpPr>
+            <p:spPr>
+              <a:xfrm>
+                <a:off x="3436127" y="3695623"/>
+                <a:ext cx="54000" cy="54000"/>
+              </a:xfrm>
+              <a:prstGeom prst="ellipse">
+                <a:avLst/>
+              </a:prstGeom>
+              <a:solidFill>
+                <a:schemeClr val="tx1"/>
+              </a:solidFill>
+              <a:ln>
+                <a:noFill/>
+              </a:ln>
+            </p:spPr>
+            <p:style>
+              <a:lnRef idx="2">
+                <a:schemeClr val="accent1">
+                  <a:shade val="50000"/>
+                </a:schemeClr>
+              </a:lnRef>
+              <a:fillRef idx="1">
+                <a:schemeClr val="accent1"/>
+              </a:fillRef>
+              <a:effectRef idx="0">
+                <a:schemeClr val="accent1"/>
+              </a:effectRef>
+              <a:fontRef idx="minor">
+                <a:schemeClr val="lt1"/>
+              </a:fontRef>
+            </p:style>
+            <p:txBody>
+              <a:bodyPr rtlCol="0" anchor="ctr"/>
+              <a:lstStyle/>
+              <a:p>
+                <a:pPr algn="ctr"/>
+                <a:endParaRPr lang="zh-CN" altLang="en-US">
+                  <a:solidFill>
+                    <a:schemeClr val="tx1"/>
+                  </a:solidFill>
+                </a:endParaRPr>
+              </a:p>
+            </p:txBody>
+          </p:sp>
+          <p:sp>
+            <p:nvSpPr>
+              <p:cNvPr id="37" name="椭圆 36">
+                <a:extLst>
+                  <a:ext uri="{FF2B5EF4-FFF2-40B4-BE49-F238E27FC236}">
+                    <a16:creationId xmlns:a16="http://schemas.microsoft.com/office/drawing/2014/main" id="{84BCD1B7-8CC9-4183-BB34-79208989F1B9}"/>
+                  </a:ext>
+                </a:extLst>
+              </p:cNvPr>
+              <p:cNvSpPr>
+                <a:spLocks noChangeAspect="1"/>
+              </p:cNvSpPr>
+              <p:nvPr/>
+            </p:nvSpPr>
+            <p:spPr>
+              <a:xfrm>
+                <a:off x="3436126" y="3559327"/>
+                <a:ext cx="54000" cy="54000"/>
+              </a:xfrm>
+              <a:prstGeom prst="ellipse">
+                <a:avLst/>
+              </a:prstGeom>
+              <a:solidFill>
+                <a:schemeClr val="tx1"/>
+              </a:solidFill>
+              <a:ln>
+                <a:noFill/>
+              </a:ln>
+            </p:spPr>
+            <p:style>
+              <a:lnRef idx="2">
+                <a:schemeClr val="accent1">
+                  <a:shade val="50000"/>
+                </a:schemeClr>
+              </a:lnRef>
+              <a:fillRef idx="1">
+                <a:schemeClr val="accent1"/>
+              </a:fillRef>
+              <a:effectRef idx="0">
+                <a:schemeClr val="accent1"/>
+              </a:effectRef>
+              <a:fontRef idx="minor">
+                <a:schemeClr val="lt1"/>
+              </a:fontRef>
+            </p:style>
+            <p:txBody>
+              <a:bodyPr rtlCol="0" anchor="ctr"/>
+              <a:lstStyle/>
+              <a:p>
+                <a:pPr algn="ctr"/>
+                <a:endParaRPr lang="zh-CN" altLang="en-US">
+                  <a:solidFill>
+                    <a:schemeClr val="tx1"/>
+                  </a:solidFill>
+                </a:endParaRPr>
+              </a:p>
+            </p:txBody>
+          </p:sp>
+        </p:grpSp>
+      </p:grpSp>
+    </p:spTree>
+    <p:extLst>
+      <p:ext uri="{BB962C8B-B14F-4D97-AF65-F5344CB8AC3E}">
+        <p14:creationId xmlns:p14="http://schemas.microsoft.com/office/powerpoint/2010/main" val="888435169"/>
+      </p:ext>
+    </p:extLst>
+  </p:cSld>
+  <p:clrMapOvr>
+    <a:masterClrMapping/>
+  </p:clrMapOvr>
+</p:sld>
+</file>
+
 <file path=ppt/slides/slide2.xml><?xml version="1.0" encoding="utf-8"?>
 <p:sld xmlns:a="http://schemas.openxmlformats.org/drawingml/2006/main" xmlns:r="http://schemas.openxmlformats.org/officeDocument/2006/relationships" xmlns:p="http://schemas.openxmlformats.org/presentationml/2006/main">
   <p:cSld>

--- a/latex/myfigure/演示文稿1.pptx
+++ b/latex/myfigure/演示文稿1.pptx
@@ -2,10 +2,10 @@
 <file path=ppt/presentation.xml><?xml version="1.0" encoding="utf-8"?>
 <p:presentation xmlns:a="http://schemas.openxmlformats.org/drawingml/2006/main" xmlns:r="http://schemas.openxmlformats.org/officeDocument/2006/relationships" xmlns:p="http://schemas.openxmlformats.org/presentationml/2006/main" saveSubsetFonts="1">
   <p:sldMasterIdLst>
-    <p:sldMasterId id="2147483720" r:id="rId1"/>
+    <p:sldMasterId id="2147483732" r:id="rId1"/>
   </p:sldMasterIdLst>
   <p:notesMasterIdLst>
-    <p:notesMasterId r:id="rId16"/>
+    <p:notesMasterId r:id="rId18"/>
   </p:notesMasterIdLst>
   <p:sldIdLst>
     <p:sldId id="258" r:id="rId2"/>
@@ -22,8 +22,10 @@
     <p:sldId id="268" r:id="rId13"/>
     <p:sldId id="269" r:id="rId14"/>
     <p:sldId id="270" r:id="rId15"/>
+    <p:sldId id="271" r:id="rId16"/>
+    <p:sldId id="272" r:id="rId17"/>
   </p:sldIdLst>
-  <p:sldSz cx="8099425" cy="2339975"/>
+  <p:sldSz cx="6300788" cy="1439863"/>
   <p:notesSz cx="6858000" cy="9144000"/>
   <p:defaultTextStyle>
     <a:defPPr>
@@ -123,12 +125,12 @@
   <p:extLst>
     <p:ext uri="{EFAFB233-063F-42B5-8137-9DF3F51BA10A}">
       <p15:sldGuideLst xmlns:p15="http://schemas.microsoft.com/office/powerpoint/2012/main">
-        <p15:guide id="1" orient="horz" pos="864" userDrawn="1">
+        <p15:guide id="1" orient="horz" pos="426" userDrawn="1">
           <p15:clr>
             <a:srgbClr val="A4A3A4"/>
           </p15:clr>
         </p15:guide>
-        <p15:guide id="2" pos="2552" userDrawn="1">
+        <p15:guide id="2" pos="1985" userDrawn="1">
           <p15:clr>
             <a:srgbClr val="A4A3A4"/>
           </p15:clr>
@@ -221,7 +223,7 @@
           <a:p>
             <a:fld id="{E295672F-1E9C-45E2-AAAC-744F90AE6029}" type="datetimeFigureOut">
               <a:rPr lang="zh-CN" altLang="en-US" smtClean="0"/>
-              <a:t>2018/12/18</a:t>
+              <a:t>2018/12/25</a:t>
             </a:fld>
             <a:endParaRPr lang="zh-CN" altLang="en-US"/>
           </a:p>
@@ -239,8 +241,8 @@
         </p:nvSpPr>
         <p:spPr>
           <a:xfrm>
-            <a:off x="-1911350" y="1143000"/>
-            <a:ext cx="10680700" cy="3086100"/>
+            <a:off x="-3322638" y="1143000"/>
+            <a:ext cx="13503276" cy="3086100"/>
           </a:xfrm>
           <a:prstGeom prst="rect">
             <a:avLst/>
@@ -394,8 +396,8 @@
   </p:cSld>
   <p:clrMap bg1="lt1" tx1="dk1" bg2="lt2" tx2="dk2" accent1="accent1" accent2="accent2" accent3="accent3" accent4="accent4" accent5="accent5" accent6="accent6" hlink="hlink" folHlink="folHlink"/>
   <p:notesStyle>
-    <a:lvl1pPr marL="0" algn="l" defTabSz="634043" rtl="0" eaLnBrk="1" latinLnBrk="0" hangingPunct="1">
-      <a:defRPr sz="833" kern="1200">
+    <a:lvl1pPr marL="0" algn="l" defTabSz="470079" rtl="0" eaLnBrk="1" latinLnBrk="0" hangingPunct="1">
+      <a:defRPr sz="618" kern="1200">
         <a:solidFill>
           <a:schemeClr val="tx1"/>
         </a:solidFill>
@@ -404,8 +406,8 @@
         <a:cs typeface="+mn-cs"/>
       </a:defRPr>
     </a:lvl1pPr>
-    <a:lvl2pPr marL="317022" algn="l" defTabSz="634043" rtl="0" eaLnBrk="1" latinLnBrk="0" hangingPunct="1">
-      <a:defRPr sz="833" kern="1200">
+    <a:lvl2pPr marL="235040" algn="l" defTabSz="470079" rtl="0" eaLnBrk="1" latinLnBrk="0" hangingPunct="1">
+      <a:defRPr sz="618" kern="1200">
         <a:solidFill>
           <a:schemeClr val="tx1"/>
         </a:solidFill>
@@ -414,8 +416,8 @@
         <a:cs typeface="+mn-cs"/>
       </a:defRPr>
     </a:lvl2pPr>
-    <a:lvl3pPr marL="634043" algn="l" defTabSz="634043" rtl="0" eaLnBrk="1" latinLnBrk="0" hangingPunct="1">
-      <a:defRPr sz="833" kern="1200">
+    <a:lvl3pPr marL="470079" algn="l" defTabSz="470079" rtl="0" eaLnBrk="1" latinLnBrk="0" hangingPunct="1">
+      <a:defRPr sz="618" kern="1200">
         <a:solidFill>
           <a:schemeClr val="tx1"/>
         </a:solidFill>
@@ -424,8 +426,8 @@
         <a:cs typeface="+mn-cs"/>
       </a:defRPr>
     </a:lvl3pPr>
-    <a:lvl4pPr marL="951065" algn="l" defTabSz="634043" rtl="0" eaLnBrk="1" latinLnBrk="0" hangingPunct="1">
-      <a:defRPr sz="833" kern="1200">
+    <a:lvl4pPr marL="705120" algn="l" defTabSz="470079" rtl="0" eaLnBrk="1" latinLnBrk="0" hangingPunct="1">
+      <a:defRPr sz="618" kern="1200">
         <a:solidFill>
           <a:schemeClr val="tx1"/>
         </a:solidFill>
@@ -434,8 +436,8 @@
         <a:cs typeface="+mn-cs"/>
       </a:defRPr>
     </a:lvl4pPr>
-    <a:lvl5pPr marL="1268086" algn="l" defTabSz="634043" rtl="0" eaLnBrk="1" latinLnBrk="0" hangingPunct="1">
-      <a:defRPr sz="833" kern="1200">
+    <a:lvl5pPr marL="940159" algn="l" defTabSz="470079" rtl="0" eaLnBrk="1" latinLnBrk="0" hangingPunct="1">
+      <a:defRPr sz="618" kern="1200">
         <a:solidFill>
           <a:schemeClr val="tx1"/>
         </a:solidFill>
@@ -444,8 +446,8 @@
         <a:cs typeface="+mn-cs"/>
       </a:defRPr>
     </a:lvl5pPr>
-    <a:lvl6pPr marL="1585108" algn="l" defTabSz="634043" rtl="0" eaLnBrk="1" latinLnBrk="0" hangingPunct="1">
-      <a:defRPr sz="833" kern="1200">
+    <a:lvl6pPr marL="1175199" algn="l" defTabSz="470079" rtl="0" eaLnBrk="1" latinLnBrk="0" hangingPunct="1">
+      <a:defRPr sz="618" kern="1200">
         <a:solidFill>
           <a:schemeClr val="tx1"/>
         </a:solidFill>
@@ -454,8 +456,8 @@
         <a:cs typeface="+mn-cs"/>
       </a:defRPr>
     </a:lvl6pPr>
-    <a:lvl7pPr marL="1902129" algn="l" defTabSz="634043" rtl="0" eaLnBrk="1" latinLnBrk="0" hangingPunct="1">
-      <a:defRPr sz="833" kern="1200">
+    <a:lvl7pPr marL="1410238" algn="l" defTabSz="470079" rtl="0" eaLnBrk="1" latinLnBrk="0" hangingPunct="1">
+      <a:defRPr sz="618" kern="1200">
         <a:solidFill>
           <a:schemeClr val="tx1"/>
         </a:solidFill>
@@ -464,8 +466,8 @@
         <a:cs typeface="+mn-cs"/>
       </a:defRPr>
     </a:lvl7pPr>
-    <a:lvl8pPr marL="2219152" algn="l" defTabSz="634043" rtl="0" eaLnBrk="1" latinLnBrk="0" hangingPunct="1">
-      <a:defRPr sz="833" kern="1200">
+    <a:lvl8pPr marL="1645279" algn="l" defTabSz="470079" rtl="0" eaLnBrk="1" latinLnBrk="0" hangingPunct="1">
+      <a:defRPr sz="618" kern="1200">
         <a:solidFill>
           <a:schemeClr val="tx1"/>
         </a:solidFill>
@@ -474,8 +476,8 @@
         <a:cs typeface="+mn-cs"/>
       </a:defRPr>
     </a:lvl8pPr>
-    <a:lvl9pPr marL="2536173" algn="l" defTabSz="634043" rtl="0" eaLnBrk="1" latinLnBrk="0" hangingPunct="1">
-      <a:defRPr sz="833" kern="1200">
+    <a:lvl9pPr marL="1880319" algn="l" defTabSz="470079" rtl="0" eaLnBrk="1" latinLnBrk="0" hangingPunct="1">
+      <a:defRPr sz="618" kern="1200">
         <a:solidFill>
           <a:schemeClr val="tx1"/>
         </a:solidFill>
@@ -517,8 +519,8 @@
         </p:nvSpPr>
         <p:spPr>
           <a:xfrm>
-            <a:off x="-1911350" y="1143000"/>
-            <a:ext cx="10680700" cy="3086100"/>
+            <a:off x="-3322638" y="1143000"/>
+            <a:ext cx="13503276" cy="3086100"/>
           </a:xfrm>
         </p:spPr>
       </p:sp>
@@ -606,15 +608,15 @@
         </p:nvSpPr>
         <p:spPr>
           <a:xfrm>
-            <a:off x="1012428" y="382954"/>
-            <a:ext cx="6074569" cy="814658"/>
+            <a:off x="787599" y="235644"/>
+            <a:ext cx="4725591" cy="501286"/>
           </a:xfrm>
         </p:spPr>
         <p:txBody>
           <a:bodyPr anchor="b"/>
           <a:lstStyle>
             <a:lvl1pPr algn="ctr">
-              <a:defRPr sz="2047"/>
+              <a:defRPr sz="1260"/>
             </a:lvl1pPr>
           </a:lstStyle>
           <a:p>
@@ -638,8 +640,8 @@
         </p:nvSpPr>
         <p:spPr>
           <a:xfrm>
-            <a:off x="1012428" y="1229029"/>
-            <a:ext cx="6074569" cy="564952"/>
+            <a:off x="787599" y="756262"/>
+            <a:ext cx="4725591" cy="347633"/>
           </a:xfrm>
         </p:spPr>
         <p:txBody>
@@ -647,39 +649,39 @@
           <a:lstStyle>
             <a:lvl1pPr marL="0" indent="0" algn="ctr">
               <a:buNone/>
-              <a:defRPr sz="819"/>
+              <a:defRPr sz="504"/>
             </a:lvl1pPr>
-            <a:lvl2pPr marL="155997" indent="0" algn="ctr">
+            <a:lvl2pPr marL="96012" indent="0" algn="ctr">
               <a:buNone/>
-              <a:defRPr sz="682"/>
+              <a:defRPr sz="420"/>
             </a:lvl2pPr>
-            <a:lvl3pPr marL="311993" indent="0" algn="ctr">
+            <a:lvl3pPr marL="192024" indent="0" algn="ctr">
               <a:buNone/>
-              <a:defRPr sz="614"/>
+              <a:defRPr sz="378"/>
             </a:lvl3pPr>
-            <a:lvl4pPr marL="467990" indent="0" algn="ctr">
+            <a:lvl4pPr marL="288036" indent="0" algn="ctr">
               <a:buNone/>
-              <a:defRPr sz="546"/>
+              <a:defRPr sz="336"/>
             </a:lvl4pPr>
-            <a:lvl5pPr marL="623987" indent="0" algn="ctr">
+            <a:lvl5pPr marL="384048" indent="0" algn="ctr">
               <a:buNone/>
-              <a:defRPr sz="546"/>
+              <a:defRPr sz="336"/>
             </a:lvl5pPr>
-            <a:lvl6pPr marL="779983" indent="0" algn="ctr">
+            <a:lvl6pPr marL="480060" indent="0" algn="ctr">
               <a:buNone/>
-              <a:defRPr sz="546"/>
+              <a:defRPr sz="336"/>
             </a:lvl6pPr>
-            <a:lvl7pPr marL="935980" indent="0" algn="ctr">
+            <a:lvl7pPr marL="576072" indent="0" algn="ctr">
               <a:buNone/>
-              <a:defRPr sz="546"/>
+              <a:defRPr sz="336"/>
             </a:lvl7pPr>
-            <a:lvl8pPr marL="1091976" indent="0" algn="ctr">
+            <a:lvl8pPr marL="672084" indent="0" algn="ctr">
               <a:buNone/>
-              <a:defRPr sz="546"/>
+              <a:defRPr sz="336"/>
             </a:lvl8pPr>
-            <a:lvl9pPr marL="1247973" indent="0" algn="ctr">
+            <a:lvl9pPr marL="768096" indent="0" algn="ctr">
               <a:buNone/>
-              <a:defRPr sz="546"/>
+              <a:defRPr sz="336"/>
             </a:lvl9pPr>
           </a:lstStyle>
           <a:p>
@@ -708,7 +710,7 @@
           <a:p>
             <a:fld id="{A4AE5DB0-86C4-474E-872F-D9E5D71A3139}" type="datetimeFigureOut">
               <a:rPr lang="zh-CN" altLang="en-US" smtClean="0"/>
-              <a:t>2018/12/18</a:t>
+              <a:t>2018/12/25</a:t>
             </a:fld>
             <a:endParaRPr lang="zh-CN" altLang="en-US"/>
           </a:p>
@@ -759,7 +761,7 @@
     </p:spTree>
     <p:extLst>
       <p:ext uri="{BB962C8B-B14F-4D97-AF65-F5344CB8AC3E}">
-        <p14:creationId xmlns:p14="http://schemas.microsoft.com/office/powerpoint/2010/main" val="2773737659"/>
+        <p14:creationId xmlns:p14="http://schemas.microsoft.com/office/powerpoint/2010/main" val="1622093935"/>
       </p:ext>
     </p:extLst>
   </p:cSld>
@@ -878,7 +880,7 @@
           <a:p>
             <a:fld id="{A4AE5DB0-86C4-474E-872F-D9E5D71A3139}" type="datetimeFigureOut">
               <a:rPr lang="zh-CN" altLang="en-US" smtClean="0"/>
-              <a:t>2018/12/18</a:t>
+              <a:t>2018/12/25</a:t>
             </a:fld>
             <a:endParaRPr lang="zh-CN" altLang="en-US"/>
           </a:p>
@@ -929,7 +931,7 @@
     </p:spTree>
     <p:extLst>
       <p:ext uri="{BB962C8B-B14F-4D97-AF65-F5344CB8AC3E}">
-        <p14:creationId xmlns:p14="http://schemas.microsoft.com/office/powerpoint/2010/main" val="2528557025"/>
+        <p14:creationId xmlns:p14="http://schemas.microsoft.com/office/powerpoint/2010/main" val="3426186372"/>
       </p:ext>
     </p:extLst>
   </p:cSld>
@@ -968,8 +970,8 @@
         </p:nvSpPr>
         <p:spPr>
           <a:xfrm>
-            <a:off x="5796151" y="124582"/>
-            <a:ext cx="1746439" cy="1983021"/>
+            <a:off x="4509002" y="76660"/>
+            <a:ext cx="1358607" cy="1220217"/>
           </a:xfrm>
         </p:spPr>
         <p:txBody>
@@ -996,8 +998,8 @@
         </p:nvSpPr>
         <p:spPr>
           <a:xfrm>
-            <a:off x="556835" y="124582"/>
-            <a:ext cx="5138073" cy="1983021"/>
+            <a:off x="433179" y="76660"/>
+            <a:ext cx="3997062" cy="1220217"/>
           </a:xfrm>
         </p:spPr>
         <p:txBody>
@@ -1058,7 +1060,7 @@
           <a:p>
             <a:fld id="{A4AE5DB0-86C4-474E-872F-D9E5D71A3139}" type="datetimeFigureOut">
               <a:rPr lang="zh-CN" altLang="en-US" smtClean="0"/>
-              <a:t>2018/12/18</a:t>
+              <a:t>2018/12/25</a:t>
             </a:fld>
             <a:endParaRPr lang="zh-CN" altLang="en-US"/>
           </a:p>
@@ -1109,7 +1111,7 @@
     </p:spTree>
     <p:extLst>
       <p:ext uri="{BB962C8B-B14F-4D97-AF65-F5344CB8AC3E}">
-        <p14:creationId xmlns:p14="http://schemas.microsoft.com/office/powerpoint/2010/main" val="1308618782"/>
+        <p14:creationId xmlns:p14="http://schemas.microsoft.com/office/powerpoint/2010/main" val="368607225"/>
       </p:ext>
     </p:extLst>
   </p:cSld>
@@ -1228,7 +1230,7 @@
           <a:p>
             <a:fld id="{A4AE5DB0-86C4-474E-872F-D9E5D71A3139}" type="datetimeFigureOut">
               <a:rPr lang="zh-CN" altLang="en-US" smtClean="0"/>
-              <a:t>2018/12/18</a:t>
+              <a:t>2018/12/25</a:t>
             </a:fld>
             <a:endParaRPr lang="zh-CN" altLang="en-US"/>
           </a:p>
@@ -1279,7 +1281,7 @@
     </p:spTree>
     <p:extLst>
       <p:ext uri="{BB962C8B-B14F-4D97-AF65-F5344CB8AC3E}">
-        <p14:creationId xmlns:p14="http://schemas.microsoft.com/office/powerpoint/2010/main" val="287552572"/>
+        <p14:creationId xmlns:p14="http://schemas.microsoft.com/office/powerpoint/2010/main" val="4129891205"/>
       </p:ext>
     </p:extLst>
   </p:cSld>
@@ -1318,15 +1320,15 @@
         </p:nvSpPr>
         <p:spPr>
           <a:xfrm>
-            <a:off x="552617" y="583369"/>
-            <a:ext cx="6985754" cy="973364"/>
+            <a:off x="429897" y="358966"/>
+            <a:ext cx="5434430" cy="598943"/>
           </a:xfrm>
         </p:spPr>
         <p:txBody>
           <a:bodyPr anchor="b"/>
           <a:lstStyle>
             <a:lvl1pPr>
-              <a:defRPr sz="2047"/>
+              <a:defRPr sz="1260"/>
             </a:lvl1pPr>
           </a:lstStyle>
           <a:p>
@@ -1350,8 +1352,8 @@
         </p:nvSpPr>
         <p:spPr>
           <a:xfrm>
-            <a:off x="552617" y="1565942"/>
-            <a:ext cx="6985754" cy="511869"/>
+            <a:off x="429897" y="963575"/>
+            <a:ext cx="5434430" cy="314970"/>
           </a:xfrm>
         </p:spPr>
         <p:txBody>
@@ -1359,7 +1361,7 @@
           <a:lstStyle>
             <a:lvl1pPr marL="0" indent="0">
               <a:buNone/>
-              <a:defRPr sz="819">
+              <a:defRPr sz="504">
                 <a:solidFill>
                   <a:schemeClr val="tx1">
                     <a:tint val="75000"/>
@@ -1367,9 +1369,9 @@
                 </a:solidFill>
               </a:defRPr>
             </a:lvl1pPr>
-            <a:lvl2pPr marL="155997" indent="0">
+            <a:lvl2pPr marL="96012" indent="0">
               <a:buNone/>
-              <a:defRPr sz="682">
+              <a:defRPr sz="420">
                 <a:solidFill>
                   <a:schemeClr val="tx1">
                     <a:tint val="75000"/>
@@ -1377,9 +1379,9 @@
                 </a:solidFill>
               </a:defRPr>
             </a:lvl2pPr>
-            <a:lvl3pPr marL="311993" indent="0">
+            <a:lvl3pPr marL="192024" indent="0">
               <a:buNone/>
-              <a:defRPr sz="614">
+              <a:defRPr sz="378">
                 <a:solidFill>
                   <a:schemeClr val="tx1">
                     <a:tint val="75000"/>
@@ -1387,9 +1389,9 @@
                 </a:solidFill>
               </a:defRPr>
             </a:lvl3pPr>
-            <a:lvl4pPr marL="467990" indent="0">
+            <a:lvl4pPr marL="288036" indent="0">
               <a:buNone/>
-              <a:defRPr sz="546">
+              <a:defRPr sz="336">
                 <a:solidFill>
                   <a:schemeClr val="tx1">
                     <a:tint val="75000"/>
@@ -1397,9 +1399,9 @@
                 </a:solidFill>
               </a:defRPr>
             </a:lvl4pPr>
-            <a:lvl5pPr marL="623987" indent="0">
+            <a:lvl5pPr marL="384048" indent="0">
               <a:buNone/>
-              <a:defRPr sz="546">
+              <a:defRPr sz="336">
                 <a:solidFill>
                   <a:schemeClr val="tx1">
                     <a:tint val="75000"/>
@@ -1407,9 +1409,9 @@
                 </a:solidFill>
               </a:defRPr>
             </a:lvl5pPr>
-            <a:lvl6pPr marL="779983" indent="0">
+            <a:lvl6pPr marL="480060" indent="0">
               <a:buNone/>
-              <a:defRPr sz="546">
+              <a:defRPr sz="336">
                 <a:solidFill>
                   <a:schemeClr val="tx1">
                     <a:tint val="75000"/>
@@ -1417,9 +1419,9 @@
                 </a:solidFill>
               </a:defRPr>
             </a:lvl6pPr>
-            <a:lvl7pPr marL="935980" indent="0">
+            <a:lvl7pPr marL="576072" indent="0">
               <a:buNone/>
-              <a:defRPr sz="546">
+              <a:defRPr sz="336">
                 <a:solidFill>
                   <a:schemeClr val="tx1">
                     <a:tint val="75000"/>
@@ -1427,9 +1429,9 @@
                 </a:solidFill>
               </a:defRPr>
             </a:lvl7pPr>
-            <a:lvl8pPr marL="1091976" indent="0">
+            <a:lvl8pPr marL="672084" indent="0">
               <a:buNone/>
-              <a:defRPr sz="546">
+              <a:defRPr sz="336">
                 <a:solidFill>
                   <a:schemeClr val="tx1">
                     <a:tint val="75000"/>
@@ -1437,9 +1439,9 @@
                 </a:solidFill>
               </a:defRPr>
             </a:lvl8pPr>
-            <a:lvl9pPr marL="1247973" indent="0">
+            <a:lvl9pPr marL="768096" indent="0">
               <a:buNone/>
-              <a:defRPr sz="546">
+              <a:defRPr sz="336">
                 <a:solidFill>
                   <a:schemeClr val="tx1">
                     <a:tint val="75000"/>
@@ -1474,7 +1476,7 @@
           <a:p>
             <a:fld id="{A4AE5DB0-86C4-474E-872F-D9E5D71A3139}" type="datetimeFigureOut">
               <a:rPr lang="zh-CN" altLang="en-US" smtClean="0"/>
-              <a:t>2018/12/18</a:t>
+              <a:t>2018/12/25</a:t>
             </a:fld>
             <a:endParaRPr lang="zh-CN" altLang="en-US"/>
           </a:p>
@@ -1525,7 +1527,7 @@
     </p:spTree>
     <p:extLst>
       <p:ext uri="{BB962C8B-B14F-4D97-AF65-F5344CB8AC3E}">
-        <p14:creationId xmlns:p14="http://schemas.microsoft.com/office/powerpoint/2010/main" val="945886752"/>
+        <p14:creationId xmlns:p14="http://schemas.microsoft.com/office/powerpoint/2010/main" val="4153698403"/>
       </p:ext>
     </p:extLst>
   </p:cSld>
@@ -1587,8 +1589,8 @@
         </p:nvSpPr>
         <p:spPr>
           <a:xfrm>
-            <a:off x="556835" y="622910"/>
-            <a:ext cx="3442256" cy="1484693"/>
+            <a:off x="433179" y="383297"/>
+            <a:ext cx="2677835" cy="913580"/>
           </a:xfrm>
         </p:spPr>
         <p:txBody>
@@ -1644,8 +1646,8 @@
         </p:nvSpPr>
         <p:spPr>
           <a:xfrm>
-            <a:off x="4100334" y="622910"/>
-            <a:ext cx="3442256" cy="1484693"/>
+            <a:off x="3189774" y="383297"/>
+            <a:ext cx="2677835" cy="913580"/>
           </a:xfrm>
         </p:spPr>
         <p:txBody>
@@ -1706,7 +1708,7 @@
           <a:p>
             <a:fld id="{A4AE5DB0-86C4-474E-872F-D9E5D71A3139}" type="datetimeFigureOut">
               <a:rPr lang="zh-CN" altLang="en-US" smtClean="0"/>
-              <a:t>2018/12/18</a:t>
+              <a:t>2018/12/25</a:t>
             </a:fld>
             <a:endParaRPr lang="zh-CN" altLang="en-US"/>
           </a:p>
@@ -1757,7 +1759,7 @@
     </p:spTree>
     <p:extLst>
       <p:ext uri="{BB962C8B-B14F-4D97-AF65-F5344CB8AC3E}">
-        <p14:creationId xmlns:p14="http://schemas.microsoft.com/office/powerpoint/2010/main" val="13332060"/>
+        <p14:creationId xmlns:p14="http://schemas.microsoft.com/office/powerpoint/2010/main" val="1140086346"/>
       </p:ext>
     </p:extLst>
   </p:cSld>
@@ -1796,8 +1798,8 @@
         </p:nvSpPr>
         <p:spPr>
           <a:xfrm>
-            <a:off x="557890" y="124582"/>
-            <a:ext cx="6985754" cy="452287"/>
+            <a:off x="434000" y="76659"/>
+            <a:ext cx="5434430" cy="278307"/>
           </a:xfrm>
         </p:spPr>
         <p:txBody>
@@ -1824,8 +1826,8 @@
         </p:nvSpPr>
         <p:spPr>
           <a:xfrm>
-            <a:off x="557891" y="573619"/>
-            <a:ext cx="3426436" cy="281122"/>
+            <a:off x="434000" y="352967"/>
+            <a:ext cx="2665528" cy="172983"/>
           </a:xfrm>
         </p:spPr>
         <p:txBody>
@@ -1833,39 +1835,39 @@
           <a:lstStyle>
             <a:lvl1pPr marL="0" indent="0">
               <a:buNone/>
-              <a:defRPr sz="819" b="1"/>
+              <a:defRPr sz="504" b="1"/>
             </a:lvl1pPr>
-            <a:lvl2pPr marL="155997" indent="0">
+            <a:lvl2pPr marL="96012" indent="0">
               <a:buNone/>
-              <a:defRPr sz="682" b="1"/>
+              <a:defRPr sz="420" b="1"/>
             </a:lvl2pPr>
-            <a:lvl3pPr marL="311993" indent="0">
+            <a:lvl3pPr marL="192024" indent="0">
               <a:buNone/>
-              <a:defRPr sz="614" b="1"/>
+              <a:defRPr sz="378" b="1"/>
             </a:lvl3pPr>
-            <a:lvl4pPr marL="467990" indent="0">
+            <a:lvl4pPr marL="288036" indent="0">
               <a:buNone/>
-              <a:defRPr sz="546" b="1"/>
+              <a:defRPr sz="336" b="1"/>
             </a:lvl4pPr>
-            <a:lvl5pPr marL="623987" indent="0">
+            <a:lvl5pPr marL="384048" indent="0">
               <a:buNone/>
-              <a:defRPr sz="546" b="1"/>
+              <a:defRPr sz="336" b="1"/>
             </a:lvl5pPr>
-            <a:lvl6pPr marL="779983" indent="0">
+            <a:lvl6pPr marL="480060" indent="0">
               <a:buNone/>
-              <a:defRPr sz="546" b="1"/>
+              <a:defRPr sz="336" b="1"/>
             </a:lvl6pPr>
-            <a:lvl7pPr marL="935980" indent="0">
+            <a:lvl7pPr marL="576072" indent="0">
               <a:buNone/>
-              <a:defRPr sz="546" b="1"/>
+              <a:defRPr sz="336" b="1"/>
             </a:lvl7pPr>
-            <a:lvl8pPr marL="1091976" indent="0">
+            <a:lvl8pPr marL="672084" indent="0">
               <a:buNone/>
-              <a:defRPr sz="546" b="1"/>
+              <a:defRPr sz="336" b="1"/>
             </a:lvl8pPr>
-            <a:lvl9pPr marL="1247973" indent="0">
+            <a:lvl9pPr marL="768096" indent="0">
               <a:buNone/>
-              <a:defRPr sz="546" b="1"/>
+              <a:defRPr sz="336" b="1"/>
             </a:lvl9pPr>
           </a:lstStyle>
           <a:p>
@@ -1889,8 +1891,8 @@
         </p:nvSpPr>
         <p:spPr>
           <a:xfrm>
-            <a:off x="557891" y="854741"/>
-            <a:ext cx="3426436" cy="1257195"/>
+            <a:off x="434000" y="525950"/>
+            <a:ext cx="2665528" cy="773593"/>
           </a:xfrm>
         </p:spPr>
         <p:txBody>
@@ -1946,8 +1948,8 @@
         </p:nvSpPr>
         <p:spPr>
           <a:xfrm>
-            <a:off x="4100334" y="573619"/>
-            <a:ext cx="3443311" cy="281122"/>
+            <a:off x="3189774" y="352967"/>
+            <a:ext cx="2678656" cy="172983"/>
           </a:xfrm>
         </p:spPr>
         <p:txBody>
@@ -1955,39 +1957,39 @@
           <a:lstStyle>
             <a:lvl1pPr marL="0" indent="0">
               <a:buNone/>
-              <a:defRPr sz="819" b="1"/>
+              <a:defRPr sz="504" b="1"/>
             </a:lvl1pPr>
-            <a:lvl2pPr marL="155997" indent="0">
+            <a:lvl2pPr marL="96012" indent="0">
               <a:buNone/>
-              <a:defRPr sz="682" b="1"/>
+              <a:defRPr sz="420" b="1"/>
             </a:lvl2pPr>
-            <a:lvl3pPr marL="311993" indent="0">
+            <a:lvl3pPr marL="192024" indent="0">
               <a:buNone/>
-              <a:defRPr sz="614" b="1"/>
+              <a:defRPr sz="378" b="1"/>
             </a:lvl3pPr>
-            <a:lvl4pPr marL="467990" indent="0">
+            <a:lvl4pPr marL="288036" indent="0">
               <a:buNone/>
-              <a:defRPr sz="546" b="1"/>
+              <a:defRPr sz="336" b="1"/>
             </a:lvl4pPr>
-            <a:lvl5pPr marL="623987" indent="0">
+            <a:lvl5pPr marL="384048" indent="0">
               <a:buNone/>
-              <a:defRPr sz="546" b="1"/>
+              <a:defRPr sz="336" b="1"/>
             </a:lvl5pPr>
-            <a:lvl6pPr marL="779983" indent="0">
+            <a:lvl6pPr marL="480060" indent="0">
               <a:buNone/>
-              <a:defRPr sz="546" b="1"/>
+              <a:defRPr sz="336" b="1"/>
             </a:lvl6pPr>
-            <a:lvl7pPr marL="935980" indent="0">
+            <a:lvl7pPr marL="576072" indent="0">
               <a:buNone/>
-              <a:defRPr sz="546" b="1"/>
+              <a:defRPr sz="336" b="1"/>
             </a:lvl7pPr>
-            <a:lvl8pPr marL="1091976" indent="0">
+            <a:lvl8pPr marL="672084" indent="0">
               <a:buNone/>
-              <a:defRPr sz="546" b="1"/>
+              <a:defRPr sz="336" b="1"/>
             </a:lvl8pPr>
-            <a:lvl9pPr marL="1247973" indent="0">
+            <a:lvl9pPr marL="768096" indent="0">
               <a:buNone/>
-              <a:defRPr sz="546" b="1"/>
+              <a:defRPr sz="336" b="1"/>
             </a:lvl9pPr>
           </a:lstStyle>
           <a:p>
@@ -2011,8 +2013,8 @@
         </p:nvSpPr>
         <p:spPr>
           <a:xfrm>
-            <a:off x="4100334" y="854741"/>
-            <a:ext cx="3443311" cy="1257195"/>
+            <a:off x="3189774" y="525950"/>
+            <a:ext cx="2678656" cy="773593"/>
           </a:xfrm>
         </p:spPr>
         <p:txBody>
@@ -2073,7 +2075,7 @@
           <a:p>
             <a:fld id="{A4AE5DB0-86C4-474E-872F-D9E5D71A3139}" type="datetimeFigureOut">
               <a:rPr lang="zh-CN" altLang="en-US" smtClean="0"/>
-              <a:t>2018/12/18</a:t>
+              <a:t>2018/12/25</a:t>
             </a:fld>
             <a:endParaRPr lang="zh-CN" altLang="en-US"/>
           </a:p>
@@ -2124,7 +2126,7 @@
     </p:spTree>
     <p:extLst>
       <p:ext uri="{BB962C8B-B14F-4D97-AF65-F5344CB8AC3E}">
-        <p14:creationId xmlns:p14="http://schemas.microsoft.com/office/powerpoint/2010/main" val="4136459833"/>
+        <p14:creationId xmlns:p14="http://schemas.microsoft.com/office/powerpoint/2010/main" val="1907385124"/>
       </p:ext>
     </p:extLst>
   </p:cSld>
@@ -2191,7 +2193,7 @@
           <a:p>
             <a:fld id="{A4AE5DB0-86C4-474E-872F-D9E5D71A3139}" type="datetimeFigureOut">
               <a:rPr lang="zh-CN" altLang="en-US" smtClean="0"/>
-              <a:t>2018/12/18</a:t>
+              <a:t>2018/12/25</a:t>
             </a:fld>
             <a:endParaRPr lang="zh-CN" altLang="en-US"/>
           </a:p>
@@ -2242,7 +2244,7 @@
     </p:spTree>
     <p:extLst>
       <p:ext uri="{BB962C8B-B14F-4D97-AF65-F5344CB8AC3E}">
-        <p14:creationId xmlns:p14="http://schemas.microsoft.com/office/powerpoint/2010/main" val="3916891071"/>
+        <p14:creationId xmlns:p14="http://schemas.microsoft.com/office/powerpoint/2010/main" val="1934995283"/>
       </p:ext>
     </p:extLst>
   </p:cSld>
@@ -2286,7 +2288,7 @@
           <a:p>
             <a:fld id="{A4AE5DB0-86C4-474E-872F-D9E5D71A3139}" type="datetimeFigureOut">
               <a:rPr lang="zh-CN" altLang="en-US" smtClean="0"/>
-              <a:t>2018/12/18</a:t>
+              <a:t>2018/12/25</a:t>
             </a:fld>
             <a:endParaRPr lang="zh-CN" altLang="en-US"/>
           </a:p>
@@ -2337,7 +2339,7 @@
     </p:spTree>
     <p:extLst>
       <p:ext uri="{BB962C8B-B14F-4D97-AF65-F5344CB8AC3E}">
-        <p14:creationId xmlns:p14="http://schemas.microsoft.com/office/powerpoint/2010/main" val="2924855873"/>
+        <p14:creationId xmlns:p14="http://schemas.microsoft.com/office/powerpoint/2010/main" val="1429964994"/>
       </p:ext>
     </p:extLst>
   </p:cSld>
@@ -2376,15 +2378,15 @@
         </p:nvSpPr>
         <p:spPr>
           <a:xfrm>
-            <a:off x="557891" y="155998"/>
-            <a:ext cx="2612275" cy="545994"/>
+            <a:off x="434000" y="95991"/>
+            <a:ext cx="2032168" cy="335968"/>
           </a:xfrm>
         </p:spPr>
         <p:txBody>
           <a:bodyPr anchor="b"/>
           <a:lstStyle>
             <a:lvl1pPr>
-              <a:defRPr sz="1092"/>
+              <a:defRPr sz="672"/>
             </a:lvl1pPr>
           </a:lstStyle>
           <a:p>
@@ -2408,39 +2410,39 @@
         </p:nvSpPr>
         <p:spPr>
           <a:xfrm>
-            <a:off x="3443311" y="336913"/>
-            <a:ext cx="4100334" cy="1662899"/>
+            <a:off x="2678656" y="207314"/>
+            <a:ext cx="3189774" cy="1023236"/>
           </a:xfrm>
         </p:spPr>
         <p:txBody>
           <a:bodyPr/>
           <a:lstStyle>
             <a:lvl1pPr>
-              <a:defRPr sz="1092"/>
+              <a:defRPr sz="672"/>
             </a:lvl1pPr>
             <a:lvl2pPr>
-              <a:defRPr sz="955"/>
+              <a:defRPr sz="588"/>
             </a:lvl2pPr>
             <a:lvl3pPr>
-              <a:defRPr sz="819"/>
+              <a:defRPr sz="504"/>
             </a:lvl3pPr>
             <a:lvl4pPr>
-              <a:defRPr sz="682"/>
+              <a:defRPr sz="420"/>
             </a:lvl4pPr>
             <a:lvl5pPr>
-              <a:defRPr sz="682"/>
+              <a:defRPr sz="420"/>
             </a:lvl5pPr>
             <a:lvl6pPr>
-              <a:defRPr sz="682"/>
+              <a:defRPr sz="420"/>
             </a:lvl6pPr>
             <a:lvl7pPr>
-              <a:defRPr sz="682"/>
+              <a:defRPr sz="420"/>
             </a:lvl7pPr>
             <a:lvl8pPr>
-              <a:defRPr sz="682"/>
+              <a:defRPr sz="420"/>
             </a:lvl8pPr>
             <a:lvl9pPr>
-              <a:defRPr sz="682"/>
+              <a:defRPr sz="420"/>
             </a:lvl9pPr>
           </a:lstStyle>
           <a:p>
@@ -2493,8 +2495,8 @@
         </p:nvSpPr>
         <p:spPr>
           <a:xfrm>
-            <a:off x="557891" y="701992"/>
-            <a:ext cx="2612275" cy="1300528"/>
+            <a:off x="434000" y="431959"/>
+            <a:ext cx="2032168" cy="800257"/>
           </a:xfrm>
         </p:spPr>
         <p:txBody>
@@ -2502,39 +2504,39 @@
           <a:lstStyle>
             <a:lvl1pPr marL="0" indent="0">
               <a:buNone/>
-              <a:defRPr sz="546"/>
+              <a:defRPr sz="336"/>
             </a:lvl1pPr>
-            <a:lvl2pPr marL="155997" indent="0">
+            <a:lvl2pPr marL="96012" indent="0">
               <a:buNone/>
-              <a:defRPr sz="478"/>
+              <a:defRPr sz="294"/>
             </a:lvl2pPr>
-            <a:lvl3pPr marL="311993" indent="0">
+            <a:lvl3pPr marL="192024" indent="0">
               <a:buNone/>
-              <a:defRPr sz="409"/>
+              <a:defRPr sz="252"/>
             </a:lvl3pPr>
-            <a:lvl4pPr marL="467990" indent="0">
+            <a:lvl4pPr marL="288036" indent="0">
               <a:buNone/>
-              <a:defRPr sz="341"/>
+              <a:defRPr sz="210"/>
             </a:lvl4pPr>
-            <a:lvl5pPr marL="623987" indent="0">
+            <a:lvl5pPr marL="384048" indent="0">
               <a:buNone/>
-              <a:defRPr sz="341"/>
+              <a:defRPr sz="210"/>
             </a:lvl5pPr>
-            <a:lvl6pPr marL="779983" indent="0">
+            <a:lvl6pPr marL="480060" indent="0">
               <a:buNone/>
-              <a:defRPr sz="341"/>
+              <a:defRPr sz="210"/>
             </a:lvl6pPr>
-            <a:lvl7pPr marL="935980" indent="0">
+            <a:lvl7pPr marL="576072" indent="0">
               <a:buNone/>
-              <a:defRPr sz="341"/>
+              <a:defRPr sz="210"/>
             </a:lvl7pPr>
-            <a:lvl8pPr marL="1091976" indent="0">
+            <a:lvl8pPr marL="672084" indent="0">
               <a:buNone/>
-              <a:defRPr sz="341"/>
+              <a:defRPr sz="210"/>
             </a:lvl8pPr>
-            <a:lvl9pPr marL="1247973" indent="0">
+            <a:lvl9pPr marL="768096" indent="0">
               <a:buNone/>
-              <a:defRPr sz="341"/>
+              <a:defRPr sz="210"/>
             </a:lvl9pPr>
           </a:lstStyle>
           <a:p>
@@ -2563,7 +2565,7 @@
           <a:p>
             <a:fld id="{A4AE5DB0-86C4-474E-872F-D9E5D71A3139}" type="datetimeFigureOut">
               <a:rPr lang="zh-CN" altLang="en-US" smtClean="0"/>
-              <a:t>2018/12/18</a:t>
+              <a:t>2018/12/25</a:t>
             </a:fld>
             <a:endParaRPr lang="zh-CN" altLang="en-US"/>
           </a:p>
@@ -2614,7 +2616,7 @@
     </p:spTree>
     <p:extLst>
       <p:ext uri="{BB962C8B-B14F-4D97-AF65-F5344CB8AC3E}">
-        <p14:creationId xmlns:p14="http://schemas.microsoft.com/office/powerpoint/2010/main" val="3590290119"/>
+        <p14:creationId xmlns:p14="http://schemas.microsoft.com/office/powerpoint/2010/main" val="3229791698"/>
       </p:ext>
     </p:extLst>
   </p:cSld>
@@ -2653,15 +2655,15 @@
         </p:nvSpPr>
         <p:spPr>
           <a:xfrm>
-            <a:off x="557891" y="155998"/>
-            <a:ext cx="2612275" cy="545994"/>
+            <a:off x="434000" y="95991"/>
+            <a:ext cx="2032168" cy="335968"/>
           </a:xfrm>
         </p:spPr>
         <p:txBody>
           <a:bodyPr anchor="b"/>
           <a:lstStyle>
             <a:lvl1pPr>
-              <a:defRPr sz="1092"/>
+              <a:defRPr sz="672"/>
             </a:lvl1pPr>
           </a:lstStyle>
           <a:p>
@@ -2685,8 +2687,8 @@
         </p:nvSpPr>
         <p:spPr>
           <a:xfrm>
-            <a:off x="3443311" y="336913"/>
-            <a:ext cx="4100334" cy="1662899"/>
+            <a:off x="2678656" y="207314"/>
+            <a:ext cx="3189774" cy="1023236"/>
           </a:xfrm>
         </p:spPr>
         <p:txBody>
@@ -2694,39 +2696,39 @@
           <a:lstStyle>
             <a:lvl1pPr marL="0" indent="0">
               <a:buNone/>
-              <a:defRPr sz="1092"/>
+              <a:defRPr sz="672"/>
             </a:lvl1pPr>
-            <a:lvl2pPr marL="155997" indent="0">
+            <a:lvl2pPr marL="96012" indent="0">
               <a:buNone/>
-              <a:defRPr sz="955"/>
+              <a:defRPr sz="588"/>
             </a:lvl2pPr>
-            <a:lvl3pPr marL="311993" indent="0">
+            <a:lvl3pPr marL="192024" indent="0">
               <a:buNone/>
-              <a:defRPr sz="819"/>
+              <a:defRPr sz="504"/>
             </a:lvl3pPr>
-            <a:lvl4pPr marL="467990" indent="0">
+            <a:lvl4pPr marL="288036" indent="0">
               <a:buNone/>
-              <a:defRPr sz="682"/>
+              <a:defRPr sz="420"/>
             </a:lvl4pPr>
-            <a:lvl5pPr marL="623987" indent="0">
+            <a:lvl5pPr marL="384048" indent="0">
               <a:buNone/>
-              <a:defRPr sz="682"/>
+              <a:defRPr sz="420"/>
             </a:lvl5pPr>
-            <a:lvl6pPr marL="779983" indent="0">
+            <a:lvl6pPr marL="480060" indent="0">
               <a:buNone/>
-              <a:defRPr sz="682"/>
+              <a:defRPr sz="420"/>
             </a:lvl6pPr>
-            <a:lvl7pPr marL="935980" indent="0">
+            <a:lvl7pPr marL="576072" indent="0">
               <a:buNone/>
-              <a:defRPr sz="682"/>
+              <a:defRPr sz="420"/>
             </a:lvl7pPr>
-            <a:lvl8pPr marL="1091976" indent="0">
+            <a:lvl8pPr marL="672084" indent="0">
               <a:buNone/>
-              <a:defRPr sz="682"/>
+              <a:defRPr sz="420"/>
             </a:lvl8pPr>
-            <a:lvl9pPr marL="1247973" indent="0">
+            <a:lvl9pPr marL="768096" indent="0">
               <a:buNone/>
-              <a:defRPr sz="682"/>
+              <a:defRPr sz="420"/>
             </a:lvl9pPr>
           </a:lstStyle>
           <a:p>
@@ -2750,8 +2752,8 @@
         </p:nvSpPr>
         <p:spPr>
           <a:xfrm>
-            <a:off x="557891" y="701992"/>
-            <a:ext cx="2612275" cy="1300528"/>
+            <a:off x="434000" y="431959"/>
+            <a:ext cx="2032168" cy="800257"/>
           </a:xfrm>
         </p:spPr>
         <p:txBody>
@@ -2759,39 +2761,39 @@
           <a:lstStyle>
             <a:lvl1pPr marL="0" indent="0">
               <a:buNone/>
-              <a:defRPr sz="546"/>
+              <a:defRPr sz="336"/>
             </a:lvl1pPr>
-            <a:lvl2pPr marL="155997" indent="0">
+            <a:lvl2pPr marL="96012" indent="0">
               <a:buNone/>
-              <a:defRPr sz="478"/>
+              <a:defRPr sz="294"/>
             </a:lvl2pPr>
-            <a:lvl3pPr marL="311993" indent="0">
+            <a:lvl3pPr marL="192024" indent="0">
               <a:buNone/>
-              <a:defRPr sz="409"/>
+              <a:defRPr sz="252"/>
             </a:lvl3pPr>
-            <a:lvl4pPr marL="467990" indent="0">
+            <a:lvl4pPr marL="288036" indent="0">
               <a:buNone/>
-              <a:defRPr sz="341"/>
+              <a:defRPr sz="210"/>
             </a:lvl4pPr>
-            <a:lvl5pPr marL="623987" indent="0">
+            <a:lvl5pPr marL="384048" indent="0">
               <a:buNone/>
-              <a:defRPr sz="341"/>
+              <a:defRPr sz="210"/>
             </a:lvl5pPr>
-            <a:lvl6pPr marL="779983" indent="0">
+            <a:lvl6pPr marL="480060" indent="0">
               <a:buNone/>
-              <a:defRPr sz="341"/>
+              <a:defRPr sz="210"/>
             </a:lvl6pPr>
-            <a:lvl7pPr marL="935980" indent="0">
+            <a:lvl7pPr marL="576072" indent="0">
               <a:buNone/>
-              <a:defRPr sz="341"/>
+              <a:defRPr sz="210"/>
             </a:lvl7pPr>
-            <a:lvl8pPr marL="1091976" indent="0">
+            <a:lvl8pPr marL="672084" indent="0">
               <a:buNone/>
-              <a:defRPr sz="341"/>
+              <a:defRPr sz="210"/>
             </a:lvl8pPr>
-            <a:lvl9pPr marL="1247973" indent="0">
+            <a:lvl9pPr marL="768096" indent="0">
               <a:buNone/>
-              <a:defRPr sz="341"/>
+              <a:defRPr sz="210"/>
             </a:lvl9pPr>
           </a:lstStyle>
           <a:p>
@@ -2820,7 +2822,7 @@
           <a:p>
             <a:fld id="{A4AE5DB0-86C4-474E-872F-D9E5D71A3139}" type="datetimeFigureOut">
               <a:rPr lang="zh-CN" altLang="en-US" smtClean="0"/>
-              <a:t>2018/12/18</a:t>
+              <a:t>2018/12/25</a:t>
             </a:fld>
             <a:endParaRPr lang="zh-CN" altLang="en-US"/>
           </a:p>
@@ -2871,7 +2873,7 @@
     </p:spTree>
     <p:extLst>
       <p:ext uri="{BB962C8B-B14F-4D97-AF65-F5344CB8AC3E}">
-        <p14:creationId xmlns:p14="http://schemas.microsoft.com/office/powerpoint/2010/main" val="3214966859"/>
+        <p14:creationId xmlns:p14="http://schemas.microsoft.com/office/powerpoint/2010/main" val="558419242"/>
       </p:ext>
     </p:extLst>
   </p:cSld>
@@ -2915,8 +2917,8 @@
         </p:nvSpPr>
         <p:spPr>
           <a:xfrm>
-            <a:off x="556836" y="124582"/>
-            <a:ext cx="6985754" cy="452287"/>
+            <a:off x="433179" y="76659"/>
+            <a:ext cx="5434430" cy="278307"/>
           </a:xfrm>
           <a:prstGeom prst="rect">
             <a:avLst/>
@@ -2948,8 +2950,8 @@
         </p:nvSpPr>
         <p:spPr>
           <a:xfrm>
-            <a:off x="556836" y="622910"/>
-            <a:ext cx="6985754" cy="1484693"/>
+            <a:off x="433179" y="383297"/>
+            <a:ext cx="5434430" cy="913580"/>
           </a:xfrm>
           <a:prstGeom prst="rect">
             <a:avLst/>
@@ -3010,8 +3012,8 @@
         </p:nvSpPr>
         <p:spPr>
           <a:xfrm>
-            <a:off x="556835" y="2168810"/>
-            <a:ext cx="1822371" cy="124582"/>
+            <a:off x="433179" y="1334540"/>
+            <a:ext cx="1417677" cy="76659"/>
           </a:xfrm>
           <a:prstGeom prst="rect">
             <a:avLst/>
@@ -3021,7 +3023,7 @@
           <a:bodyPr vert="horz" lIns="91440" tIns="45720" rIns="91440" bIns="45720" rtlCol="0" anchor="ctr"/>
           <a:lstStyle>
             <a:lvl1pPr algn="l">
-              <a:defRPr sz="409">
+              <a:defRPr sz="252">
                 <a:solidFill>
                   <a:schemeClr val="tx1">
                     <a:tint val="75000"/>
@@ -3033,7 +3035,7 @@
           <a:p>
             <a:fld id="{A4AE5DB0-86C4-474E-872F-D9E5D71A3139}" type="datetimeFigureOut">
               <a:rPr lang="zh-CN" altLang="en-US" smtClean="0"/>
-              <a:t>2018/12/18</a:t>
+              <a:t>2018/12/25</a:t>
             </a:fld>
             <a:endParaRPr lang="zh-CN" altLang="en-US"/>
           </a:p>
@@ -3051,8 +3053,8 @@
         </p:nvSpPr>
         <p:spPr>
           <a:xfrm>
-            <a:off x="2682935" y="2168810"/>
-            <a:ext cx="2733556" cy="124582"/>
+            <a:off x="2087136" y="1334540"/>
+            <a:ext cx="2126516" cy="76659"/>
           </a:xfrm>
           <a:prstGeom prst="rect">
             <a:avLst/>
@@ -3062,7 +3064,7 @@
           <a:bodyPr vert="horz" lIns="91440" tIns="45720" rIns="91440" bIns="45720" rtlCol="0" anchor="ctr"/>
           <a:lstStyle>
             <a:lvl1pPr algn="ctr">
-              <a:defRPr sz="409">
+              <a:defRPr sz="252">
                 <a:solidFill>
                   <a:schemeClr val="tx1">
                     <a:tint val="75000"/>
@@ -3088,8 +3090,8 @@
         </p:nvSpPr>
         <p:spPr>
           <a:xfrm>
-            <a:off x="5720219" y="2168810"/>
-            <a:ext cx="1822371" cy="124582"/>
+            <a:off x="4449932" y="1334540"/>
+            <a:ext cx="1417677" cy="76659"/>
           </a:xfrm>
           <a:prstGeom prst="rect">
             <a:avLst/>
@@ -3099,7 +3101,7 @@
           <a:bodyPr vert="horz" lIns="91440" tIns="45720" rIns="91440" bIns="45720" rtlCol="0" anchor="ctr"/>
           <a:lstStyle>
             <a:lvl1pPr algn="r">
-              <a:defRPr sz="409">
+              <a:defRPr sz="252">
                 <a:solidFill>
                   <a:schemeClr val="tx1">
                     <a:tint val="75000"/>
@@ -3120,27 +3122,27 @@
     </p:spTree>
     <p:extLst>
       <p:ext uri="{BB962C8B-B14F-4D97-AF65-F5344CB8AC3E}">
-        <p14:creationId xmlns:p14="http://schemas.microsoft.com/office/powerpoint/2010/main" val="3001609808"/>
+        <p14:creationId xmlns:p14="http://schemas.microsoft.com/office/powerpoint/2010/main" val="189461034"/>
       </p:ext>
     </p:extLst>
   </p:cSld>
   <p:clrMap bg1="lt1" tx1="dk1" bg2="lt2" tx2="dk2" accent1="accent1" accent2="accent2" accent3="accent3" accent4="accent4" accent5="accent5" accent6="accent6" hlink="hlink" folHlink="folHlink"/>
   <p:sldLayoutIdLst>
-    <p:sldLayoutId id="2147483721" r:id="rId1"/>
-    <p:sldLayoutId id="2147483722" r:id="rId2"/>
-    <p:sldLayoutId id="2147483723" r:id="rId3"/>
-    <p:sldLayoutId id="2147483724" r:id="rId4"/>
-    <p:sldLayoutId id="2147483725" r:id="rId5"/>
-    <p:sldLayoutId id="2147483726" r:id="rId6"/>
-    <p:sldLayoutId id="2147483727" r:id="rId7"/>
-    <p:sldLayoutId id="2147483728" r:id="rId8"/>
-    <p:sldLayoutId id="2147483729" r:id="rId9"/>
-    <p:sldLayoutId id="2147483730" r:id="rId10"/>
-    <p:sldLayoutId id="2147483731" r:id="rId11"/>
+    <p:sldLayoutId id="2147483733" r:id="rId1"/>
+    <p:sldLayoutId id="2147483734" r:id="rId2"/>
+    <p:sldLayoutId id="2147483735" r:id="rId3"/>
+    <p:sldLayoutId id="2147483736" r:id="rId4"/>
+    <p:sldLayoutId id="2147483737" r:id="rId5"/>
+    <p:sldLayoutId id="2147483738" r:id="rId6"/>
+    <p:sldLayoutId id="2147483739" r:id="rId7"/>
+    <p:sldLayoutId id="2147483740" r:id="rId8"/>
+    <p:sldLayoutId id="2147483741" r:id="rId9"/>
+    <p:sldLayoutId id="2147483742" r:id="rId10"/>
+    <p:sldLayoutId id="2147483743" r:id="rId11"/>
   </p:sldLayoutIdLst>
   <p:txStyles>
     <p:titleStyle>
-      <a:lvl1pPr algn="l" defTabSz="311993" rtl="0" eaLnBrk="1" latinLnBrk="0" hangingPunct="1">
+      <a:lvl1pPr algn="l" defTabSz="192024" rtl="0" eaLnBrk="1" latinLnBrk="0" hangingPunct="1">
         <a:lnSpc>
           <a:spcPct val="90000"/>
         </a:lnSpc>
@@ -3148,7 +3150,7 @@
           <a:spcPct val="0"/>
         </a:spcBef>
         <a:buNone/>
-        <a:defRPr sz="1501" kern="1200">
+        <a:defRPr sz="924" kern="1200">
           <a:solidFill>
             <a:schemeClr val="tx1"/>
           </a:solidFill>
@@ -3159,16 +3161,16 @@
       </a:lvl1pPr>
     </p:titleStyle>
     <p:bodyStyle>
-      <a:lvl1pPr marL="77998" indent="-77998" algn="l" defTabSz="311993" rtl="0" eaLnBrk="1" latinLnBrk="0" hangingPunct="1">
+      <a:lvl1pPr marL="48006" indent="-48006" algn="l" defTabSz="192024" rtl="0" eaLnBrk="1" latinLnBrk="0" hangingPunct="1">
         <a:lnSpc>
           <a:spcPct val="90000"/>
         </a:lnSpc>
         <a:spcBef>
-          <a:spcPts val="341"/>
+          <a:spcPts val="210"/>
         </a:spcBef>
         <a:buFont typeface="Arial" panose="020B0604020202020204" pitchFamily="34" charset="0"/>
         <a:buChar char="•"/>
-        <a:defRPr sz="955" kern="1200">
+        <a:defRPr sz="588" kern="1200">
           <a:solidFill>
             <a:schemeClr val="tx1"/>
           </a:solidFill>
@@ -3177,16 +3179,16 @@
           <a:cs typeface="+mn-cs"/>
         </a:defRPr>
       </a:lvl1pPr>
-      <a:lvl2pPr marL="233995" indent="-77998" algn="l" defTabSz="311993" rtl="0" eaLnBrk="1" latinLnBrk="0" hangingPunct="1">
+      <a:lvl2pPr marL="144018" indent="-48006" algn="l" defTabSz="192024" rtl="0" eaLnBrk="1" latinLnBrk="0" hangingPunct="1">
         <a:lnSpc>
           <a:spcPct val="90000"/>
         </a:lnSpc>
         <a:spcBef>
-          <a:spcPts val="171"/>
+          <a:spcPts val="105"/>
         </a:spcBef>
         <a:buFont typeface="Arial" panose="020B0604020202020204" pitchFamily="34" charset="0"/>
         <a:buChar char="•"/>
-        <a:defRPr sz="819" kern="1200">
+        <a:defRPr sz="504" kern="1200">
           <a:solidFill>
             <a:schemeClr val="tx1"/>
           </a:solidFill>
@@ -3195,16 +3197,16 @@
           <a:cs typeface="+mn-cs"/>
         </a:defRPr>
       </a:lvl2pPr>
-      <a:lvl3pPr marL="389992" indent="-77998" algn="l" defTabSz="311993" rtl="0" eaLnBrk="1" latinLnBrk="0" hangingPunct="1">
+      <a:lvl3pPr marL="240030" indent="-48006" algn="l" defTabSz="192024" rtl="0" eaLnBrk="1" latinLnBrk="0" hangingPunct="1">
         <a:lnSpc>
           <a:spcPct val="90000"/>
         </a:lnSpc>
         <a:spcBef>
-          <a:spcPts val="171"/>
+          <a:spcPts val="105"/>
         </a:spcBef>
         <a:buFont typeface="Arial" panose="020B0604020202020204" pitchFamily="34" charset="0"/>
         <a:buChar char="•"/>
-        <a:defRPr sz="682" kern="1200">
+        <a:defRPr sz="420" kern="1200">
           <a:solidFill>
             <a:schemeClr val="tx1"/>
           </a:solidFill>
@@ -3213,16 +3215,16 @@
           <a:cs typeface="+mn-cs"/>
         </a:defRPr>
       </a:lvl3pPr>
-      <a:lvl4pPr marL="545988" indent="-77998" algn="l" defTabSz="311993" rtl="0" eaLnBrk="1" latinLnBrk="0" hangingPunct="1">
+      <a:lvl4pPr marL="336042" indent="-48006" algn="l" defTabSz="192024" rtl="0" eaLnBrk="1" latinLnBrk="0" hangingPunct="1">
         <a:lnSpc>
           <a:spcPct val="90000"/>
         </a:lnSpc>
         <a:spcBef>
-          <a:spcPts val="171"/>
+          <a:spcPts val="105"/>
         </a:spcBef>
         <a:buFont typeface="Arial" panose="020B0604020202020204" pitchFamily="34" charset="0"/>
         <a:buChar char="•"/>
-        <a:defRPr sz="614" kern="1200">
+        <a:defRPr sz="378" kern="1200">
           <a:solidFill>
             <a:schemeClr val="tx1"/>
           </a:solidFill>
@@ -3231,16 +3233,16 @@
           <a:cs typeface="+mn-cs"/>
         </a:defRPr>
       </a:lvl4pPr>
-      <a:lvl5pPr marL="701985" indent="-77998" algn="l" defTabSz="311993" rtl="0" eaLnBrk="1" latinLnBrk="0" hangingPunct="1">
+      <a:lvl5pPr marL="432054" indent="-48006" algn="l" defTabSz="192024" rtl="0" eaLnBrk="1" latinLnBrk="0" hangingPunct="1">
         <a:lnSpc>
           <a:spcPct val="90000"/>
         </a:lnSpc>
         <a:spcBef>
-          <a:spcPts val="171"/>
+          <a:spcPts val="105"/>
         </a:spcBef>
         <a:buFont typeface="Arial" panose="020B0604020202020204" pitchFamily="34" charset="0"/>
         <a:buChar char="•"/>
-        <a:defRPr sz="614" kern="1200">
+        <a:defRPr sz="378" kern="1200">
           <a:solidFill>
             <a:schemeClr val="tx1"/>
           </a:solidFill>
@@ -3249,16 +3251,16 @@
           <a:cs typeface="+mn-cs"/>
         </a:defRPr>
       </a:lvl5pPr>
-      <a:lvl6pPr marL="857982" indent="-77998" algn="l" defTabSz="311993" rtl="0" eaLnBrk="1" latinLnBrk="0" hangingPunct="1">
+      <a:lvl6pPr marL="528066" indent="-48006" algn="l" defTabSz="192024" rtl="0" eaLnBrk="1" latinLnBrk="0" hangingPunct="1">
         <a:lnSpc>
           <a:spcPct val="90000"/>
         </a:lnSpc>
         <a:spcBef>
-          <a:spcPts val="171"/>
+          <a:spcPts val="105"/>
         </a:spcBef>
         <a:buFont typeface="Arial" panose="020B0604020202020204" pitchFamily="34" charset="0"/>
         <a:buChar char="•"/>
-        <a:defRPr sz="614" kern="1200">
+        <a:defRPr sz="378" kern="1200">
           <a:solidFill>
             <a:schemeClr val="tx1"/>
           </a:solidFill>
@@ -3267,16 +3269,16 @@
           <a:cs typeface="+mn-cs"/>
         </a:defRPr>
       </a:lvl6pPr>
-      <a:lvl7pPr marL="1013978" indent="-77998" algn="l" defTabSz="311993" rtl="0" eaLnBrk="1" latinLnBrk="0" hangingPunct="1">
+      <a:lvl7pPr marL="624078" indent="-48006" algn="l" defTabSz="192024" rtl="0" eaLnBrk="1" latinLnBrk="0" hangingPunct="1">
         <a:lnSpc>
           <a:spcPct val="90000"/>
         </a:lnSpc>
         <a:spcBef>
-          <a:spcPts val="171"/>
+          <a:spcPts val="105"/>
         </a:spcBef>
         <a:buFont typeface="Arial" panose="020B0604020202020204" pitchFamily="34" charset="0"/>
         <a:buChar char="•"/>
-        <a:defRPr sz="614" kern="1200">
+        <a:defRPr sz="378" kern="1200">
           <a:solidFill>
             <a:schemeClr val="tx1"/>
           </a:solidFill>
@@ -3285,16 +3287,16 @@
           <a:cs typeface="+mn-cs"/>
         </a:defRPr>
       </a:lvl7pPr>
-      <a:lvl8pPr marL="1169975" indent="-77998" algn="l" defTabSz="311993" rtl="0" eaLnBrk="1" latinLnBrk="0" hangingPunct="1">
+      <a:lvl8pPr marL="720090" indent="-48006" algn="l" defTabSz="192024" rtl="0" eaLnBrk="1" latinLnBrk="0" hangingPunct="1">
         <a:lnSpc>
           <a:spcPct val="90000"/>
         </a:lnSpc>
         <a:spcBef>
-          <a:spcPts val="171"/>
+          <a:spcPts val="105"/>
         </a:spcBef>
         <a:buFont typeface="Arial" panose="020B0604020202020204" pitchFamily="34" charset="0"/>
         <a:buChar char="•"/>
-        <a:defRPr sz="614" kern="1200">
+        <a:defRPr sz="378" kern="1200">
           <a:solidFill>
             <a:schemeClr val="tx1"/>
           </a:solidFill>
@@ -3303,16 +3305,16 @@
           <a:cs typeface="+mn-cs"/>
         </a:defRPr>
       </a:lvl8pPr>
-      <a:lvl9pPr marL="1325971" indent="-77998" algn="l" defTabSz="311993" rtl="0" eaLnBrk="1" latinLnBrk="0" hangingPunct="1">
+      <a:lvl9pPr marL="816102" indent="-48006" algn="l" defTabSz="192024" rtl="0" eaLnBrk="1" latinLnBrk="0" hangingPunct="1">
         <a:lnSpc>
           <a:spcPct val="90000"/>
         </a:lnSpc>
         <a:spcBef>
-          <a:spcPts val="171"/>
+          <a:spcPts val="105"/>
         </a:spcBef>
         <a:buFont typeface="Arial" panose="020B0604020202020204" pitchFamily="34" charset="0"/>
         <a:buChar char="•"/>
-        <a:defRPr sz="614" kern="1200">
+        <a:defRPr sz="378" kern="1200">
           <a:solidFill>
             <a:schemeClr val="tx1"/>
           </a:solidFill>
@@ -3326,8 +3328,8 @@
       <a:defPPr>
         <a:defRPr lang="en-US"/>
       </a:defPPr>
-      <a:lvl1pPr marL="0" algn="l" defTabSz="311993" rtl="0" eaLnBrk="1" latinLnBrk="0" hangingPunct="1">
-        <a:defRPr sz="614" kern="1200">
+      <a:lvl1pPr marL="0" algn="l" defTabSz="192024" rtl="0" eaLnBrk="1" latinLnBrk="0" hangingPunct="1">
+        <a:defRPr sz="378" kern="1200">
           <a:solidFill>
             <a:schemeClr val="tx1"/>
           </a:solidFill>
@@ -3336,8 +3338,8 @@
           <a:cs typeface="+mn-cs"/>
         </a:defRPr>
       </a:lvl1pPr>
-      <a:lvl2pPr marL="155997" algn="l" defTabSz="311993" rtl="0" eaLnBrk="1" latinLnBrk="0" hangingPunct="1">
-        <a:defRPr sz="614" kern="1200">
+      <a:lvl2pPr marL="96012" algn="l" defTabSz="192024" rtl="0" eaLnBrk="1" latinLnBrk="0" hangingPunct="1">
+        <a:defRPr sz="378" kern="1200">
           <a:solidFill>
             <a:schemeClr val="tx1"/>
           </a:solidFill>
@@ -3346,8 +3348,8 @@
           <a:cs typeface="+mn-cs"/>
         </a:defRPr>
       </a:lvl2pPr>
-      <a:lvl3pPr marL="311993" algn="l" defTabSz="311993" rtl="0" eaLnBrk="1" latinLnBrk="0" hangingPunct="1">
-        <a:defRPr sz="614" kern="1200">
+      <a:lvl3pPr marL="192024" algn="l" defTabSz="192024" rtl="0" eaLnBrk="1" latinLnBrk="0" hangingPunct="1">
+        <a:defRPr sz="378" kern="1200">
           <a:solidFill>
             <a:schemeClr val="tx1"/>
           </a:solidFill>
@@ -3356,8 +3358,8 @@
           <a:cs typeface="+mn-cs"/>
         </a:defRPr>
       </a:lvl3pPr>
-      <a:lvl4pPr marL="467990" algn="l" defTabSz="311993" rtl="0" eaLnBrk="1" latinLnBrk="0" hangingPunct="1">
-        <a:defRPr sz="614" kern="1200">
+      <a:lvl4pPr marL="288036" algn="l" defTabSz="192024" rtl="0" eaLnBrk="1" latinLnBrk="0" hangingPunct="1">
+        <a:defRPr sz="378" kern="1200">
           <a:solidFill>
             <a:schemeClr val="tx1"/>
           </a:solidFill>
@@ -3366,8 +3368,8 @@
           <a:cs typeface="+mn-cs"/>
         </a:defRPr>
       </a:lvl4pPr>
-      <a:lvl5pPr marL="623987" algn="l" defTabSz="311993" rtl="0" eaLnBrk="1" latinLnBrk="0" hangingPunct="1">
-        <a:defRPr sz="614" kern="1200">
+      <a:lvl5pPr marL="384048" algn="l" defTabSz="192024" rtl="0" eaLnBrk="1" latinLnBrk="0" hangingPunct="1">
+        <a:defRPr sz="378" kern="1200">
           <a:solidFill>
             <a:schemeClr val="tx1"/>
           </a:solidFill>
@@ -3376,8 +3378,8 @@
           <a:cs typeface="+mn-cs"/>
         </a:defRPr>
       </a:lvl5pPr>
-      <a:lvl6pPr marL="779983" algn="l" defTabSz="311993" rtl="0" eaLnBrk="1" latinLnBrk="0" hangingPunct="1">
-        <a:defRPr sz="614" kern="1200">
+      <a:lvl6pPr marL="480060" algn="l" defTabSz="192024" rtl="0" eaLnBrk="1" latinLnBrk="0" hangingPunct="1">
+        <a:defRPr sz="378" kern="1200">
           <a:solidFill>
             <a:schemeClr val="tx1"/>
           </a:solidFill>
@@ -3386,8 +3388,8 @@
           <a:cs typeface="+mn-cs"/>
         </a:defRPr>
       </a:lvl6pPr>
-      <a:lvl7pPr marL="935980" algn="l" defTabSz="311993" rtl="0" eaLnBrk="1" latinLnBrk="0" hangingPunct="1">
-        <a:defRPr sz="614" kern="1200">
+      <a:lvl7pPr marL="576072" algn="l" defTabSz="192024" rtl="0" eaLnBrk="1" latinLnBrk="0" hangingPunct="1">
+        <a:defRPr sz="378" kern="1200">
           <a:solidFill>
             <a:schemeClr val="tx1"/>
           </a:solidFill>
@@ -3396,8 +3398,8 @@
           <a:cs typeface="+mn-cs"/>
         </a:defRPr>
       </a:lvl7pPr>
-      <a:lvl8pPr marL="1091976" algn="l" defTabSz="311993" rtl="0" eaLnBrk="1" latinLnBrk="0" hangingPunct="1">
-        <a:defRPr sz="614" kern="1200">
+      <a:lvl8pPr marL="672084" algn="l" defTabSz="192024" rtl="0" eaLnBrk="1" latinLnBrk="0" hangingPunct="1">
+        <a:defRPr sz="378" kern="1200">
           <a:solidFill>
             <a:schemeClr val="tx1"/>
           </a:solidFill>
@@ -3406,8 +3408,8 @@
           <a:cs typeface="+mn-cs"/>
         </a:defRPr>
       </a:lvl8pPr>
-      <a:lvl9pPr marL="1247973" algn="l" defTabSz="311993" rtl="0" eaLnBrk="1" latinLnBrk="0" hangingPunct="1">
-        <a:defRPr sz="614" kern="1200">
+      <a:lvl9pPr marL="768096" algn="l" defTabSz="192024" rtl="0" eaLnBrk="1" latinLnBrk="0" hangingPunct="1">
+        <a:defRPr sz="378" kern="1200">
           <a:solidFill>
             <a:schemeClr val="tx1"/>
           </a:solidFill>
@@ -3446,7 +3448,7 @@
         </p:nvGrpSpPr>
         <p:grpSpPr>
           <a:xfrm>
-            <a:off x="2535737" y="-98725"/>
+            <a:off x="1636420" y="-548781"/>
             <a:ext cx="3027957" cy="2578490"/>
             <a:chOff x="6096000" y="1582420"/>
             <a:chExt cx="4657344" cy="3966010"/>
@@ -5769,7 +5771,7 @@
         </p:nvGrpSpPr>
         <p:grpSpPr>
           <a:xfrm>
-            <a:off x="1577420" y="-118631"/>
+            <a:off x="678102" y="-568687"/>
             <a:ext cx="4454108" cy="2212276"/>
             <a:chOff x="2848709" y="1520960"/>
             <a:chExt cx="6850928" cy="3402732"/>
@@ -7041,7 +7043,7 @@
         </p:nvGrpSpPr>
         <p:grpSpPr>
           <a:xfrm>
-            <a:off x="-953668" y="-1029024"/>
+            <a:off x="-1852986" y="-1479080"/>
             <a:ext cx="10006761" cy="4403514"/>
             <a:chOff x="15985" y="36871"/>
             <a:chExt cx="12160030" cy="5351069"/>
@@ -16399,7 +16401,7 @@
         </p:nvSpPr>
         <p:spPr>
           <a:xfrm>
-            <a:off x="-523994" y="-1314394"/>
+            <a:off x="-1423312" y="-1764450"/>
             <a:ext cx="9143979" cy="4949434"/>
           </a:xfrm>
           <a:prstGeom prst="rect">
@@ -16476,7 +16478,7 @@
         </p:blipFill>
         <p:spPr>
           <a:xfrm>
-            <a:off x="-113192" y="-310919"/>
+            <a:off x="-1012510" y="-760975"/>
             <a:ext cx="877176" cy="529615"/>
           </a:xfrm>
           <a:prstGeom prst="rect">
@@ -16498,7 +16500,7 @@
         </p:nvSpPr>
         <p:spPr>
           <a:xfrm>
-            <a:off x="-265700" y="157266"/>
+            <a:off x="-1165018" y="-292790"/>
             <a:ext cx="1313868" cy="561196"/>
           </a:xfrm>
           <a:prstGeom prst="rect">
@@ -16554,7 +16556,7 @@
         </p:nvGrpSpPr>
         <p:grpSpPr>
           <a:xfrm>
-            <a:off x="3426756" y="-117145"/>
+            <a:off x="2527439" y="-567201"/>
             <a:ext cx="809965" cy="432608"/>
             <a:chOff x="4357530" y="1850307"/>
             <a:chExt cx="777664" cy="415356"/>
@@ -16866,7 +16868,7 @@
         </p:nvCxnSpPr>
         <p:spPr>
           <a:xfrm>
-            <a:off x="4266161" y="83174"/>
+            <a:off x="3366843" y="-366882"/>
             <a:ext cx="239362" cy="0"/>
           </a:xfrm>
           <a:prstGeom prst="straightConnector1">
@@ -16910,7 +16912,7 @@
         </p:nvCxnSpPr>
         <p:spPr>
           <a:xfrm>
-            <a:off x="756817" y="88258"/>
+            <a:off x="-142501" y="-361798"/>
             <a:ext cx="496230" cy="0"/>
           </a:xfrm>
           <a:prstGeom prst="straightConnector1">
@@ -16952,7 +16954,7 @@
         </p:nvGrpSpPr>
         <p:grpSpPr>
           <a:xfrm>
-            <a:off x="7455137" y="-313241"/>
+            <a:off x="6555820" y="-763297"/>
             <a:ext cx="1005207" cy="561196"/>
             <a:chOff x="2789324" y="4460757"/>
             <a:chExt cx="896907" cy="538816"/>
@@ -17089,7 +17091,7 @@
         </p:nvCxnSpPr>
         <p:spPr>
           <a:xfrm flipH="1">
-            <a:off x="7047066" y="229508"/>
+            <a:off x="6147748" y="-220548"/>
             <a:ext cx="2" cy="305934"/>
           </a:xfrm>
           <a:prstGeom prst="line">
@@ -17132,7 +17134,7 @@
         </p:nvCxnSpPr>
         <p:spPr>
           <a:xfrm>
-            <a:off x="7970480" y="238993"/>
+            <a:off x="7071162" y="-211063"/>
             <a:ext cx="0" cy="288194"/>
           </a:xfrm>
           <a:prstGeom prst="line">
@@ -17175,7 +17177,7 @@
         </p:nvCxnSpPr>
         <p:spPr>
           <a:xfrm flipV="1">
-            <a:off x="7047065" y="526455"/>
+            <a:off x="6147747" y="76399"/>
             <a:ext cx="923414" cy="8988"/>
           </a:xfrm>
           <a:prstGeom prst="line">
@@ -17218,7 +17220,7 @@
         </p:nvCxnSpPr>
         <p:spPr>
           <a:xfrm>
-            <a:off x="7508774" y="535555"/>
+            <a:off x="6609457" y="85499"/>
             <a:ext cx="2683" cy="187476"/>
           </a:xfrm>
           <a:prstGeom prst="straightConnector1">
@@ -17260,7 +17262,7 @@
         </p:nvGrpSpPr>
         <p:grpSpPr>
           <a:xfrm>
-            <a:off x="4456357" y="-200768"/>
+            <a:off x="3557039" y="-650824"/>
             <a:ext cx="775152" cy="587447"/>
             <a:chOff x="4964710" y="1295050"/>
             <a:chExt cx="744239" cy="564018"/>
@@ -17389,7 +17391,7 @@
         </p:nvGrpSpPr>
         <p:grpSpPr>
           <a:xfrm>
-            <a:off x="7117791" y="1454474"/>
+            <a:off x="6218473" y="1004418"/>
             <a:ext cx="775152" cy="574580"/>
             <a:chOff x="7760571" y="2906681"/>
             <a:chExt cx="744239" cy="551664"/>
@@ -17525,7 +17527,7 @@
         </p:nvCxnSpPr>
         <p:spPr>
           <a:xfrm>
-            <a:off x="-523994" y="1213353"/>
+            <a:off x="-1423312" y="763297"/>
             <a:ext cx="6839722" cy="0"/>
           </a:xfrm>
           <a:prstGeom prst="line">
@@ -17568,7 +17570,7 @@
         </p:nvCxnSpPr>
         <p:spPr>
           <a:xfrm>
-            <a:off x="6328689" y="-1325045"/>
+            <a:off x="5429371" y="-1775101"/>
             <a:ext cx="0" cy="4949434"/>
           </a:xfrm>
           <a:prstGeom prst="line">
@@ -17613,7 +17615,7 @@
         </p:nvCxnSpPr>
         <p:spPr>
           <a:xfrm>
-            <a:off x="750963" y="2240982"/>
+            <a:off x="-148355" y="1790926"/>
             <a:ext cx="262467" cy="0"/>
           </a:xfrm>
           <a:prstGeom prst="straightConnector1">
@@ -17655,7 +17657,7 @@
         </p:nvGrpSpPr>
         <p:grpSpPr>
           <a:xfrm>
-            <a:off x="944819" y="2000503"/>
+            <a:off x="45502" y="1550447"/>
             <a:ext cx="974343" cy="561516"/>
             <a:chOff x="1911194" y="3652368"/>
             <a:chExt cx="935486" cy="539121"/>
@@ -17805,7 +17807,7 @@
         </p:nvCxnSpPr>
         <p:spPr>
           <a:xfrm>
-            <a:off x="1861623" y="2274646"/>
+            <a:off x="962306" y="1824590"/>
             <a:ext cx="262467" cy="0"/>
           </a:xfrm>
           <a:prstGeom prst="straightConnector1">
@@ -17847,7 +17849,7 @@
         </p:nvGrpSpPr>
         <p:grpSpPr>
           <a:xfrm>
-            <a:off x="2140552" y="2015055"/>
+            <a:off x="1241235" y="1564999"/>
             <a:ext cx="778763" cy="561196"/>
             <a:chOff x="3207524" y="3666340"/>
             <a:chExt cx="747705" cy="538814"/>
@@ -17970,7 +17972,7 @@
         </p:nvGrpSpPr>
         <p:grpSpPr>
           <a:xfrm>
-            <a:off x="7173389" y="2151954"/>
+            <a:off x="6274071" y="1701898"/>
             <a:ext cx="663952" cy="561196"/>
             <a:chOff x="7821790" y="3599962"/>
             <a:chExt cx="637473" cy="538815"/>
@@ -18105,7 +18107,7 @@
         </p:nvGrpSpPr>
         <p:grpSpPr>
           <a:xfrm>
-            <a:off x="5177129" y="90734"/>
+            <a:off x="4277812" y="-359322"/>
             <a:ext cx="451483" cy="1640309"/>
             <a:chOff x="6962925" y="2734733"/>
             <a:chExt cx="433478" cy="1597491"/>
@@ -18216,7 +18218,7 @@
         </p:nvCxnSpPr>
         <p:spPr>
           <a:xfrm>
-            <a:off x="5625430" y="1707706"/>
+            <a:off x="4726113" y="1257651"/>
             <a:ext cx="1521437" cy="6427"/>
           </a:xfrm>
           <a:prstGeom prst="straightConnector1">
@@ -18260,7 +18262,7 @@
         </p:nvGrpSpPr>
         <p:grpSpPr>
           <a:xfrm>
-            <a:off x="5317704" y="2029897"/>
+            <a:off x="4418386" y="1579841"/>
             <a:ext cx="775152" cy="561196"/>
             <a:chOff x="5673068" y="3436751"/>
             <a:chExt cx="744238" cy="538814"/>
@@ -18383,7 +18385,7 @@
         </p:nvGrpSpPr>
         <p:grpSpPr>
           <a:xfrm>
-            <a:off x="-550080" y="-1320152"/>
+            <a:off x="-1449398" y="-1320152"/>
             <a:ext cx="1805341" cy="328484"/>
             <a:chOff x="5542931" y="834358"/>
             <a:chExt cx="1733343" cy="315385"/>
@@ -18509,7 +18511,7 @@
         </p:nvGrpSpPr>
         <p:grpSpPr>
           <a:xfrm>
-            <a:off x="7163468" y="-1301460"/>
+            <a:off x="6264151" y="-1301460"/>
             <a:ext cx="1552287" cy="328484"/>
             <a:chOff x="9290549" y="1419136"/>
             <a:chExt cx="1490383" cy="315385"/>
@@ -18635,7 +18637,7 @@
         </p:nvSpPr>
         <p:spPr>
           <a:xfrm>
-            <a:off x="-505159" y="3353032"/>
+            <a:off x="-1404477" y="2452920"/>
             <a:ext cx="1439779" cy="271359"/>
           </a:xfrm>
           <a:prstGeom prst="rect">
@@ -18689,7 +18691,7 @@
         </p:nvSpPr>
         <p:spPr>
           <a:xfrm>
-            <a:off x="-541631" y="3344459"/>
+            <a:off x="-1440949" y="2444347"/>
             <a:ext cx="1526695" cy="328484"/>
           </a:xfrm>
           <a:prstGeom prst="rect">
@@ -18747,7 +18749,7 @@
         </p:nvGrpSpPr>
         <p:grpSpPr>
           <a:xfrm>
-            <a:off x="-171289" y="1982969"/>
+            <a:off x="-1070607" y="1532913"/>
             <a:ext cx="983962" cy="561196"/>
             <a:chOff x="2859487" y="3877298"/>
             <a:chExt cx="868659" cy="538815"/>
@@ -18884,7 +18886,7 @@
         </p:nvCxnSpPr>
         <p:spPr>
           <a:xfrm>
-            <a:off x="7508771" y="1283528"/>
+            <a:off x="6609453" y="833472"/>
             <a:ext cx="0" cy="188066"/>
           </a:xfrm>
           <a:prstGeom prst="straightConnector1">
@@ -18928,7 +18930,7 @@
         </p:nvCxnSpPr>
         <p:spPr>
           <a:xfrm>
-            <a:off x="7508771" y="1973796"/>
+            <a:off x="6609453" y="1523740"/>
             <a:ext cx="0" cy="188066"/>
           </a:xfrm>
           <a:prstGeom prst="straightConnector1">
@@ -18972,7 +18974,7 @@
         </p:nvCxnSpPr>
         <p:spPr>
           <a:xfrm flipV="1">
-            <a:off x="2915538" y="2259105"/>
+            <a:off x="2016220" y="1809049"/>
             <a:ext cx="131234" cy="1970"/>
           </a:xfrm>
           <a:prstGeom prst="straightConnector1">
@@ -19017,7 +19019,7 @@
         </p:nvCxnSpPr>
         <p:spPr>
           <a:xfrm>
-            <a:off x="4995342" y="2277190"/>
+            <a:off x="4096024" y="1827134"/>
             <a:ext cx="298726" cy="92"/>
           </a:xfrm>
           <a:prstGeom prst="straightConnector1">
@@ -19059,7 +19061,7 @@
         </p:nvGrpSpPr>
         <p:grpSpPr>
           <a:xfrm>
-            <a:off x="4505525" y="2871934"/>
+            <a:off x="3606208" y="1971822"/>
             <a:ext cx="3003249" cy="625918"/>
             <a:chOff x="4716947" y="4140705"/>
             <a:chExt cx="1599543" cy="484404"/>
@@ -19186,7 +19188,7 @@
         </p:blipFill>
         <p:spPr>
           <a:xfrm flipH="1">
-            <a:off x="7326753" y="-811892"/>
+            <a:off x="6427436" y="-811892"/>
             <a:ext cx="402251" cy="402251"/>
           </a:xfrm>
           <a:prstGeom prst="rect">
@@ -19208,7 +19210,7 @@
         </p:nvGrpSpPr>
         <p:grpSpPr>
           <a:xfrm>
-            <a:off x="1282335" y="-694472"/>
+            <a:off x="383018" y="-1144528"/>
             <a:ext cx="1575223" cy="1655978"/>
             <a:chOff x="4716947" y="5706213"/>
             <a:chExt cx="1512403" cy="1589937"/>
@@ -19690,7 +19692,7 @@
         </p:nvCxnSpPr>
         <p:spPr>
           <a:xfrm>
-            <a:off x="2890899" y="88258"/>
+            <a:off x="1991581" y="-361798"/>
             <a:ext cx="496230" cy="0"/>
           </a:xfrm>
           <a:prstGeom prst="straightConnector1">
@@ -19732,7 +19734,7 @@
         </p:nvGrpSpPr>
         <p:grpSpPr>
           <a:xfrm>
-            <a:off x="7117790" y="730894"/>
+            <a:off x="6218472" y="280839"/>
             <a:ext cx="775152" cy="587447"/>
             <a:chOff x="4964710" y="1295050"/>
             <a:chExt cx="744239" cy="564018"/>
@@ -19861,7 +19863,7 @@
         </p:nvGrpSpPr>
         <p:grpSpPr>
           <a:xfrm>
-            <a:off x="6536154" y="-313235"/>
+            <a:off x="5636836" y="-763291"/>
             <a:ext cx="983962" cy="561196"/>
             <a:chOff x="2859487" y="3877298"/>
             <a:chExt cx="868659" cy="538815"/>
@@ -20010,7 +20012,7 @@
         </p:blipFill>
         <p:spPr>
           <a:xfrm flipH="1">
-            <a:off x="80418" y="2645029"/>
+            <a:off x="-818900" y="1744917"/>
             <a:ext cx="402251" cy="402251"/>
           </a:xfrm>
           <a:prstGeom prst="rect">
@@ -20032,7 +20034,7 @@
         </p:nvGrpSpPr>
         <p:grpSpPr>
           <a:xfrm>
-            <a:off x="7117795" y="2836056"/>
+            <a:off x="6218477" y="1935944"/>
             <a:ext cx="775152" cy="561196"/>
             <a:chOff x="7920807" y="3752362"/>
             <a:chExt cx="744238" cy="538815"/>
@@ -20169,7 +20171,7 @@
         </p:nvCxnSpPr>
         <p:spPr>
           <a:xfrm>
-            <a:off x="7508771" y="2658085"/>
+            <a:off x="6609453" y="1757973"/>
             <a:ext cx="0" cy="188066"/>
           </a:xfrm>
           <a:prstGeom prst="straightConnector1">
@@ -20211,7 +20213,7 @@
         </p:nvSpPr>
         <p:spPr>
           <a:xfrm>
-            <a:off x="3343921" y="1425665"/>
+            <a:off x="2444603" y="975609"/>
             <a:ext cx="1747834" cy="328484"/>
           </a:xfrm>
           <a:prstGeom prst="rect">
@@ -20249,7 +20251,7 @@
         </p:nvSpPr>
         <p:spPr>
           <a:xfrm>
-            <a:off x="3373803" y="1394976"/>
+            <a:off x="2474486" y="944920"/>
             <a:ext cx="1581561" cy="1652304"/>
           </a:xfrm>
           <a:prstGeom prst="rect">
@@ -20305,7 +20307,7 @@
         </p:nvSpPr>
         <p:spPr>
           <a:xfrm>
-            <a:off x="3378492" y="1923580"/>
+            <a:off x="2479175" y="1473525"/>
             <a:ext cx="690355" cy="295163"/>
           </a:xfrm>
           <a:prstGeom prst="rect">
@@ -20347,7 +20349,7 @@
         </p:nvSpPr>
         <p:spPr>
           <a:xfrm>
-            <a:off x="3378492" y="2572332"/>
+            <a:off x="2479175" y="1672220"/>
             <a:ext cx="690355" cy="295163"/>
           </a:xfrm>
           <a:prstGeom prst="rect">
@@ -20399,7 +20401,7 @@
         </p:nvCxnSpPr>
         <p:spPr>
           <a:xfrm>
-            <a:off x="3046773" y="2259106"/>
+            <a:off x="2147455" y="1809051"/>
             <a:ext cx="0" cy="457477"/>
           </a:xfrm>
           <a:prstGeom prst="line">
@@ -20444,7 +20446,7 @@
         </p:nvCxnSpPr>
         <p:spPr>
           <a:xfrm flipV="1">
-            <a:off x="3043798" y="2713713"/>
+            <a:off x="2144480" y="1813601"/>
             <a:ext cx="410748" cy="1"/>
           </a:xfrm>
           <a:prstGeom prst="straightConnector1">
@@ -20490,7 +20492,7 @@
         </p:nvCxnSpPr>
         <p:spPr>
           <a:xfrm>
-            <a:off x="3723668" y="2218741"/>
+            <a:off x="2824350" y="1768685"/>
             <a:ext cx="0" cy="353590"/>
           </a:xfrm>
           <a:prstGeom prst="line">
@@ -20536,7 +20538,7 @@
         </p:nvSpPr>
         <p:spPr>
           <a:xfrm>
-            <a:off x="4192797" y="1923580"/>
+            <a:off x="3293480" y="1473525"/>
             <a:ext cx="690355" cy="295163"/>
           </a:xfrm>
           <a:prstGeom prst="rect">
@@ -20578,7 +20580,7 @@
         </p:nvSpPr>
         <p:spPr>
           <a:xfrm>
-            <a:off x="4112655" y="2572332"/>
+            <a:off x="3213338" y="1672220"/>
             <a:ext cx="856625" cy="295163"/>
           </a:xfrm>
           <a:prstGeom prst="rect">
@@ -20630,7 +20632,7 @@
         </p:nvSpPr>
         <p:spPr>
           <a:xfrm>
-            <a:off x="4153064" y="1866898"/>
+            <a:off x="3253747" y="1416842"/>
             <a:ext cx="752955" cy="1005038"/>
           </a:xfrm>
           <a:prstGeom prst="rect">
@@ -20690,7 +20692,7 @@
         </p:nvCxnSpPr>
         <p:spPr>
           <a:xfrm>
-            <a:off x="4547657" y="2212081"/>
+            <a:off x="3648339" y="1762025"/>
             <a:ext cx="0" cy="360248"/>
           </a:xfrm>
           <a:prstGeom prst="line">
@@ -20738,7 +20740,7 @@
         </p:nvCxnSpPr>
         <p:spPr>
           <a:xfrm rot="10800000" flipV="1">
-            <a:off x="7501395" y="3366885"/>
+            <a:off x="6602077" y="2466773"/>
             <a:ext cx="0" cy="149981"/>
           </a:xfrm>
           <a:prstGeom prst="straightConnector1">
@@ -20782,7 +20784,7 @@
         </p:nvCxnSpPr>
         <p:spPr>
           <a:xfrm flipH="1">
-            <a:off x="3738790" y="2386896"/>
+            <a:off x="2839472" y="1486784"/>
             <a:ext cx="784156" cy="0"/>
           </a:xfrm>
           <a:prstGeom prst="line">
@@ -20857,7 +20859,7 @@
         </p:nvGrpSpPr>
         <p:grpSpPr>
           <a:xfrm>
-            <a:off x="-961211" y="-1306510"/>
+            <a:off x="-1860529" y="-1756566"/>
             <a:ext cx="10021847" cy="4952994"/>
             <a:chOff x="1209675" y="828675"/>
             <a:chExt cx="9886950" cy="4886325"/>
@@ -25391,7 +25393,7 @@
         </p:nvGrpSpPr>
         <p:grpSpPr>
           <a:xfrm>
-            <a:off x="108216" y="77413"/>
+            <a:off x="-791102" y="-372643"/>
             <a:ext cx="8043292" cy="2185148"/>
             <a:chOff x="-493060" y="21431"/>
             <a:chExt cx="8043292" cy="2185148"/>
@@ -25473,7 +25475,7 @@
           <p:spPr>
             <a:xfrm>
               <a:off x="-493060" y="21431"/>
-              <a:ext cx="1200970" cy="369332"/>
+              <a:ext cx="938077" cy="297774"/>
             </a:xfrm>
             <a:prstGeom prst="rect">
               <a:avLst/>
@@ -25533,7 +25535,7 @@
           <p:spPr>
             <a:xfrm>
               <a:off x="-493060" y="539143"/>
-              <a:ext cx="1198213" cy="369332"/>
+              <a:ext cx="935384" cy="297774"/>
             </a:xfrm>
             <a:prstGeom prst="rect">
               <a:avLst/>
@@ -25801,7 +25803,7 @@
           <p:spPr>
             <a:xfrm>
               <a:off x="-129552" y="1837246"/>
-              <a:ext cx="301686" cy="369332"/>
+              <a:ext cx="271228" cy="297774"/>
             </a:xfrm>
             <a:prstGeom prst="rect">
               <a:avLst/>
@@ -25845,7 +25847,7 @@
           <p:spPr>
             <a:xfrm>
               <a:off x="899148" y="1837246"/>
-              <a:ext cx="301686" cy="369332"/>
+              <a:ext cx="271228" cy="297774"/>
             </a:xfrm>
             <a:prstGeom prst="rect">
               <a:avLst/>
@@ -25889,7 +25891,7 @@
           <p:spPr>
             <a:xfrm>
               <a:off x="1929432" y="1837246"/>
-              <a:ext cx="301686" cy="369332"/>
+              <a:ext cx="271228" cy="297774"/>
             </a:xfrm>
             <a:prstGeom prst="rect">
               <a:avLst/>
@@ -25933,7 +25935,7 @@
           <p:spPr>
             <a:xfrm>
               <a:off x="3212116" y="1837246"/>
-              <a:ext cx="301686" cy="369332"/>
+              <a:ext cx="271228" cy="297774"/>
             </a:xfrm>
             <a:prstGeom prst="rect">
               <a:avLst/>
@@ -25977,7 +25979,7 @@
           <p:spPr>
             <a:xfrm>
               <a:off x="4240817" y="1837246"/>
-              <a:ext cx="301686" cy="369332"/>
+              <a:ext cx="271228" cy="297774"/>
             </a:xfrm>
             <a:prstGeom prst="rect">
               <a:avLst/>
@@ -26021,7 +26023,7 @@
           <p:spPr>
             <a:xfrm>
               <a:off x="5449604" y="1837246"/>
-              <a:ext cx="418704" cy="369332"/>
+              <a:ext cx="357790" cy="297774"/>
             </a:xfrm>
             <a:prstGeom prst="rect">
               <a:avLst/>
@@ -26065,7 +26067,7 @@
           <p:spPr>
             <a:xfrm>
               <a:off x="6471784" y="1837246"/>
-              <a:ext cx="418704" cy="369332"/>
+              <a:ext cx="357790" cy="297774"/>
             </a:xfrm>
             <a:prstGeom prst="rect">
               <a:avLst/>
@@ -26650,6 +26652,2492 @@
 </p:sld>
 </file>
 
+<file path=ppt/slides/slide15.xml><?xml version="1.0" encoding="utf-8"?>
+<p:sld xmlns:a="http://schemas.openxmlformats.org/drawingml/2006/main" xmlns:r="http://schemas.openxmlformats.org/officeDocument/2006/relationships" xmlns:p="http://schemas.openxmlformats.org/presentationml/2006/main">
+  <p:cSld>
+    <p:spTree>
+      <p:nvGrpSpPr>
+        <p:cNvPr id="1" name=""/>
+        <p:cNvGrpSpPr/>
+        <p:nvPr/>
+      </p:nvGrpSpPr>
+      <p:grpSpPr>
+        <a:xfrm>
+          <a:off x="0" y="0"/>
+          <a:ext cx="0" cy="0"/>
+          <a:chOff x="0" y="0"/>
+          <a:chExt cx="0" cy="0"/>
+        </a:xfrm>
+      </p:grpSpPr>
+      <p:grpSp>
+        <p:nvGrpSpPr>
+          <p:cNvPr id="80" name="组合 79">
+            <a:extLst>
+              <a:ext uri="{FF2B5EF4-FFF2-40B4-BE49-F238E27FC236}">
+                <a16:creationId xmlns:a16="http://schemas.microsoft.com/office/drawing/2014/main" id="{C37A580E-3538-4346-AD8A-6095B5D856DE}"/>
+              </a:ext>
+            </a:extLst>
+          </p:cNvPr>
+          <p:cNvGrpSpPr/>
+          <p:nvPr/>
+        </p:nvGrpSpPr>
+        <p:grpSpPr>
+          <a:xfrm>
+            <a:off x="47688" y="55765"/>
+            <a:ext cx="6205412" cy="1328332"/>
+            <a:chOff x="670206" y="404399"/>
+            <a:chExt cx="6205412" cy="1328332"/>
+          </a:xfrm>
+        </p:grpSpPr>
+        <p:grpSp>
+          <p:nvGrpSpPr>
+            <p:cNvPr id="46" name="组合 45">
+              <a:extLst>
+                <a:ext uri="{FF2B5EF4-FFF2-40B4-BE49-F238E27FC236}">
+                  <a16:creationId xmlns:a16="http://schemas.microsoft.com/office/drawing/2014/main" id="{CB598DDE-7E8D-429E-9689-B7D17179D70F}"/>
+                </a:ext>
+              </a:extLst>
+            </p:cNvPr>
+            <p:cNvGrpSpPr/>
+            <p:nvPr/>
+          </p:nvGrpSpPr>
+          <p:grpSpPr>
+            <a:xfrm>
+              <a:off x="805903" y="842832"/>
+              <a:ext cx="453005" cy="454348"/>
+              <a:chOff x="805903" y="842832"/>
+              <a:chExt cx="453005" cy="454348"/>
+            </a:xfrm>
+          </p:grpSpPr>
+          <p:sp>
+            <p:nvSpPr>
+              <p:cNvPr id="4" name="矩形 3">
+                <a:extLst>
+                  <a:ext uri="{FF2B5EF4-FFF2-40B4-BE49-F238E27FC236}">
+                    <a16:creationId xmlns:a16="http://schemas.microsoft.com/office/drawing/2014/main" id="{FBE06C93-0652-4014-A52E-AFEF5593860B}"/>
+                  </a:ext>
+                </a:extLst>
+              </p:cNvPr>
+              <p:cNvSpPr>
+                <a:spLocks/>
+              </p:cNvSpPr>
+              <p:nvPr/>
+            </p:nvSpPr>
+            <p:spPr>
+              <a:xfrm>
+                <a:off x="805903" y="842832"/>
+                <a:ext cx="360000" cy="72000"/>
+              </a:xfrm>
+              <a:prstGeom prst="rect">
+                <a:avLst/>
+              </a:prstGeom>
+              <a:solidFill>
+                <a:srgbClr val="CFA7CD"/>
+              </a:solidFill>
+              <a:ln>
+                <a:noFill/>
+              </a:ln>
+            </p:spPr>
+            <p:style>
+              <a:lnRef idx="2">
+                <a:schemeClr val="accent1">
+                  <a:shade val="50000"/>
+                </a:schemeClr>
+              </a:lnRef>
+              <a:fillRef idx="1">
+                <a:schemeClr val="accent1"/>
+              </a:fillRef>
+              <a:effectRef idx="0">
+                <a:schemeClr val="accent1"/>
+              </a:effectRef>
+              <a:fontRef idx="minor">
+                <a:schemeClr val="lt1"/>
+              </a:fontRef>
+            </p:style>
+            <p:txBody>
+              <a:bodyPr rot="0" spcFirstLastPara="0" vertOverflow="overflow" horzOverflow="overflow" vert="horz" wrap="square" lIns="91440" tIns="45720" rIns="91440" bIns="45720" numCol="1" spcCol="0" rtlCol="0" fromWordArt="0" anchor="ctr" anchorCtr="0" forceAA="0" compatLnSpc="1">
+                <a:prstTxWarp prst="textNoShape">
+                  <a:avLst/>
+                </a:prstTxWarp>
+                <a:noAutofit/>
+              </a:bodyPr>
+              <a:lstStyle/>
+              <a:p>
+                <a:pPr algn="ctr"/>
+                <a:endParaRPr lang="zh-CN" altLang="en-US"/>
+              </a:p>
+            </p:txBody>
+          </p:sp>
+          <p:sp>
+            <p:nvSpPr>
+              <p:cNvPr id="5" name="矩形 4">
+                <a:extLst>
+                  <a:ext uri="{FF2B5EF4-FFF2-40B4-BE49-F238E27FC236}">
+                    <a16:creationId xmlns:a16="http://schemas.microsoft.com/office/drawing/2014/main" id="{7D3EA0ED-33DE-4030-A0FD-5351B4494968}"/>
+                  </a:ext>
+                </a:extLst>
+              </p:cNvPr>
+              <p:cNvSpPr>
+                <a:spLocks/>
+              </p:cNvSpPr>
+              <p:nvPr/>
+            </p:nvSpPr>
+            <p:spPr>
+              <a:xfrm>
+                <a:off x="805903" y="938419"/>
+                <a:ext cx="360000" cy="72000"/>
+              </a:xfrm>
+              <a:prstGeom prst="rect">
+                <a:avLst/>
+              </a:prstGeom>
+              <a:solidFill>
+                <a:srgbClr val="CFA7CD"/>
+              </a:solidFill>
+              <a:ln>
+                <a:noFill/>
+              </a:ln>
+            </p:spPr>
+            <p:style>
+              <a:lnRef idx="2">
+                <a:schemeClr val="accent1">
+                  <a:shade val="50000"/>
+                </a:schemeClr>
+              </a:lnRef>
+              <a:fillRef idx="1">
+                <a:schemeClr val="accent1"/>
+              </a:fillRef>
+              <a:effectRef idx="0">
+                <a:schemeClr val="accent1"/>
+              </a:effectRef>
+              <a:fontRef idx="minor">
+                <a:schemeClr val="lt1"/>
+              </a:fontRef>
+            </p:style>
+            <p:txBody>
+              <a:bodyPr rot="0" spcFirstLastPara="0" vertOverflow="overflow" horzOverflow="overflow" vert="horz" wrap="square" lIns="91440" tIns="45720" rIns="91440" bIns="45720" numCol="1" spcCol="0" rtlCol="0" fromWordArt="0" anchor="ctr" anchorCtr="0" forceAA="0" compatLnSpc="1">
+                <a:prstTxWarp prst="textNoShape">
+                  <a:avLst/>
+                </a:prstTxWarp>
+                <a:noAutofit/>
+              </a:bodyPr>
+              <a:lstStyle/>
+              <a:p>
+                <a:pPr algn="ctr"/>
+                <a:endParaRPr lang="zh-CN" altLang="en-US"/>
+              </a:p>
+            </p:txBody>
+          </p:sp>
+          <p:sp>
+            <p:nvSpPr>
+              <p:cNvPr id="6" name="矩形 5">
+                <a:extLst>
+                  <a:ext uri="{FF2B5EF4-FFF2-40B4-BE49-F238E27FC236}">
+                    <a16:creationId xmlns:a16="http://schemas.microsoft.com/office/drawing/2014/main" id="{EE66B477-D1D0-4640-B7DB-1521BADB6ACB}"/>
+                  </a:ext>
+                </a:extLst>
+              </p:cNvPr>
+              <p:cNvSpPr>
+                <a:spLocks/>
+              </p:cNvSpPr>
+              <p:nvPr/>
+            </p:nvSpPr>
+            <p:spPr>
+              <a:xfrm>
+                <a:off x="805903" y="1034006"/>
+                <a:ext cx="360000" cy="72000"/>
+              </a:xfrm>
+              <a:prstGeom prst="rect">
+                <a:avLst/>
+              </a:prstGeom>
+              <a:solidFill>
+                <a:srgbClr val="CFA7CD"/>
+              </a:solidFill>
+              <a:ln>
+                <a:noFill/>
+              </a:ln>
+            </p:spPr>
+            <p:style>
+              <a:lnRef idx="2">
+                <a:schemeClr val="accent1">
+                  <a:shade val="50000"/>
+                </a:schemeClr>
+              </a:lnRef>
+              <a:fillRef idx="1">
+                <a:schemeClr val="accent1"/>
+              </a:fillRef>
+              <a:effectRef idx="0">
+                <a:schemeClr val="accent1"/>
+              </a:effectRef>
+              <a:fontRef idx="minor">
+                <a:schemeClr val="lt1"/>
+              </a:fontRef>
+            </p:style>
+            <p:txBody>
+              <a:bodyPr rot="0" spcFirstLastPara="0" vertOverflow="overflow" horzOverflow="overflow" vert="horz" wrap="square" lIns="91440" tIns="45720" rIns="91440" bIns="45720" numCol="1" spcCol="0" rtlCol="0" fromWordArt="0" anchor="ctr" anchorCtr="0" forceAA="0" compatLnSpc="1">
+                <a:prstTxWarp prst="textNoShape">
+                  <a:avLst/>
+                </a:prstTxWarp>
+                <a:noAutofit/>
+              </a:bodyPr>
+              <a:lstStyle/>
+              <a:p>
+                <a:pPr algn="ctr"/>
+                <a:endParaRPr lang="zh-CN" altLang="en-US"/>
+              </a:p>
+            </p:txBody>
+          </p:sp>
+          <p:sp>
+            <p:nvSpPr>
+              <p:cNvPr id="7" name="矩形 6">
+                <a:extLst>
+                  <a:ext uri="{FF2B5EF4-FFF2-40B4-BE49-F238E27FC236}">
+                    <a16:creationId xmlns:a16="http://schemas.microsoft.com/office/drawing/2014/main" id="{F7099E33-5BBA-4413-A127-D6AE9299B067}"/>
+                  </a:ext>
+                </a:extLst>
+              </p:cNvPr>
+              <p:cNvSpPr>
+                <a:spLocks/>
+              </p:cNvSpPr>
+              <p:nvPr/>
+            </p:nvSpPr>
+            <p:spPr>
+              <a:xfrm>
+                <a:off x="805903" y="1129593"/>
+                <a:ext cx="360000" cy="72000"/>
+              </a:xfrm>
+              <a:prstGeom prst="rect">
+                <a:avLst/>
+              </a:prstGeom>
+              <a:solidFill>
+                <a:srgbClr val="CFA7CD"/>
+              </a:solidFill>
+              <a:ln>
+                <a:noFill/>
+              </a:ln>
+            </p:spPr>
+            <p:style>
+              <a:lnRef idx="2">
+                <a:schemeClr val="accent1">
+                  <a:shade val="50000"/>
+                </a:schemeClr>
+              </a:lnRef>
+              <a:fillRef idx="1">
+                <a:schemeClr val="accent1"/>
+              </a:fillRef>
+              <a:effectRef idx="0">
+                <a:schemeClr val="accent1"/>
+              </a:effectRef>
+              <a:fontRef idx="minor">
+                <a:schemeClr val="lt1"/>
+              </a:fontRef>
+            </p:style>
+            <p:txBody>
+              <a:bodyPr rot="0" spcFirstLastPara="0" vertOverflow="overflow" horzOverflow="overflow" vert="horz" wrap="square" lIns="91440" tIns="45720" rIns="91440" bIns="45720" numCol="1" spcCol="0" rtlCol="0" fromWordArt="0" anchor="ctr" anchorCtr="0" forceAA="0" compatLnSpc="1">
+                <a:prstTxWarp prst="textNoShape">
+                  <a:avLst/>
+                </a:prstTxWarp>
+                <a:noAutofit/>
+              </a:bodyPr>
+              <a:lstStyle/>
+              <a:p>
+                <a:pPr algn="ctr"/>
+                <a:endParaRPr lang="zh-CN" altLang="en-US"/>
+              </a:p>
+            </p:txBody>
+          </p:sp>
+          <p:sp>
+            <p:nvSpPr>
+              <p:cNvPr id="8" name="矩形 7">
+                <a:extLst>
+                  <a:ext uri="{FF2B5EF4-FFF2-40B4-BE49-F238E27FC236}">
+                    <a16:creationId xmlns:a16="http://schemas.microsoft.com/office/drawing/2014/main" id="{9F2697B1-B9BF-4B91-B484-B1F00826FA51}"/>
+                  </a:ext>
+                </a:extLst>
+              </p:cNvPr>
+              <p:cNvSpPr>
+                <a:spLocks/>
+              </p:cNvSpPr>
+              <p:nvPr/>
+            </p:nvSpPr>
+            <p:spPr>
+              <a:xfrm>
+                <a:off x="805903" y="1225180"/>
+                <a:ext cx="360000" cy="72000"/>
+              </a:xfrm>
+              <a:prstGeom prst="rect">
+                <a:avLst/>
+              </a:prstGeom>
+              <a:solidFill>
+                <a:srgbClr val="CFA7CD"/>
+              </a:solidFill>
+              <a:ln>
+                <a:noFill/>
+              </a:ln>
+            </p:spPr>
+            <p:style>
+              <a:lnRef idx="2">
+                <a:schemeClr val="accent1">
+                  <a:shade val="50000"/>
+                </a:schemeClr>
+              </a:lnRef>
+              <a:fillRef idx="1">
+                <a:schemeClr val="accent1"/>
+              </a:fillRef>
+              <a:effectRef idx="0">
+                <a:schemeClr val="accent1"/>
+              </a:effectRef>
+              <a:fontRef idx="minor">
+                <a:schemeClr val="lt1"/>
+              </a:fontRef>
+            </p:style>
+            <p:txBody>
+              <a:bodyPr rot="0" spcFirstLastPara="0" vertOverflow="overflow" horzOverflow="overflow" vert="horz" wrap="square" lIns="91440" tIns="45720" rIns="91440" bIns="45720" numCol="1" spcCol="0" rtlCol="0" fromWordArt="0" anchor="ctr" anchorCtr="0" forceAA="0" compatLnSpc="1">
+                <a:prstTxWarp prst="textNoShape">
+                  <a:avLst/>
+                </a:prstTxWarp>
+                <a:noAutofit/>
+              </a:bodyPr>
+              <a:lstStyle/>
+              <a:p>
+                <a:pPr algn="ctr"/>
+                <a:endParaRPr lang="zh-CN" altLang="en-US"/>
+              </a:p>
+            </p:txBody>
+          </p:sp>
+          <p:sp>
+            <p:nvSpPr>
+              <p:cNvPr id="9" name="矩形 8">
+                <a:extLst>
+                  <a:ext uri="{FF2B5EF4-FFF2-40B4-BE49-F238E27FC236}">
+                    <a16:creationId xmlns:a16="http://schemas.microsoft.com/office/drawing/2014/main" id="{20FB6344-1118-4A27-B566-49A39004C360}"/>
+                  </a:ext>
+                </a:extLst>
+              </p:cNvPr>
+              <p:cNvSpPr>
+                <a:spLocks noChangeAspect="1"/>
+              </p:cNvSpPr>
+              <p:nvPr/>
+            </p:nvSpPr>
+            <p:spPr>
+              <a:xfrm>
+                <a:off x="1186908" y="842832"/>
+                <a:ext cx="72000" cy="72000"/>
+              </a:xfrm>
+              <a:prstGeom prst="rect">
+                <a:avLst/>
+              </a:prstGeom>
+              <a:solidFill>
+                <a:srgbClr val="CFA7CD"/>
+              </a:solidFill>
+              <a:ln>
+                <a:noFill/>
+              </a:ln>
+            </p:spPr>
+            <p:style>
+              <a:lnRef idx="2">
+                <a:schemeClr val="accent1">
+                  <a:shade val="50000"/>
+                </a:schemeClr>
+              </a:lnRef>
+              <a:fillRef idx="1">
+                <a:schemeClr val="accent1"/>
+              </a:fillRef>
+              <a:effectRef idx="0">
+                <a:schemeClr val="accent1"/>
+              </a:effectRef>
+              <a:fontRef idx="minor">
+                <a:schemeClr val="lt1"/>
+              </a:fontRef>
+            </p:style>
+            <p:txBody>
+              <a:bodyPr rot="0" spcFirstLastPara="0" vertOverflow="overflow" horzOverflow="overflow" vert="horz" wrap="square" lIns="91440" tIns="45720" rIns="91440" bIns="45720" numCol="1" spcCol="0" rtlCol="0" fromWordArt="0" anchor="ctr" anchorCtr="0" forceAA="0" compatLnSpc="1">
+                <a:prstTxWarp prst="textNoShape">
+                  <a:avLst/>
+                </a:prstTxWarp>
+                <a:noAutofit/>
+              </a:bodyPr>
+              <a:lstStyle/>
+              <a:p>
+                <a:pPr algn="ctr"/>
+                <a:endParaRPr lang="zh-CN" altLang="en-US"/>
+              </a:p>
+            </p:txBody>
+          </p:sp>
+          <p:sp>
+            <p:nvSpPr>
+              <p:cNvPr id="10" name="矩形 9">
+                <a:extLst>
+                  <a:ext uri="{FF2B5EF4-FFF2-40B4-BE49-F238E27FC236}">
+                    <a16:creationId xmlns:a16="http://schemas.microsoft.com/office/drawing/2014/main" id="{1E201CCC-5F26-4225-A1E9-7F3FE0C6F11A}"/>
+                  </a:ext>
+                </a:extLst>
+              </p:cNvPr>
+              <p:cNvSpPr>
+                <a:spLocks noChangeAspect="1"/>
+              </p:cNvSpPr>
+              <p:nvPr/>
+            </p:nvSpPr>
+            <p:spPr>
+              <a:xfrm>
+                <a:off x="1186908" y="938419"/>
+                <a:ext cx="72000" cy="72000"/>
+              </a:xfrm>
+              <a:prstGeom prst="rect">
+                <a:avLst/>
+              </a:prstGeom>
+              <a:solidFill>
+                <a:srgbClr val="CFA7CD"/>
+              </a:solidFill>
+              <a:ln>
+                <a:noFill/>
+              </a:ln>
+            </p:spPr>
+            <p:style>
+              <a:lnRef idx="2">
+                <a:schemeClr val="accent1">
+                  <a:shade val="50000"/>
+                </a:schemeClr>
+              </a:lnRef>
+              <a:fillRef idx="1">
+                <a:schemeClr val="accent1"/>
+              </a:fillRef>
+              <a:effectRef idx="0">
+                <a:schemeClr val="accent1"/>
+              </a:effectRef>
+              <a:fontRef idx="minor">
+                <a:schemeClr val="lt1"/>
+              </a:fontRef>
+            </p:style>
+            <p:txBody>
+              <a:bodyPr rot="0" spcFirstLastPara="0" vertOverflow="overflow" horzOverflow="overflow" vert="horz" wrap="square" lIns="91440" tIns="45720" rIns="91440" bIns="45720" numCol="1" spcCol="0" rtlCol="0" fromWordArt="0" anchor="ctr" anchorCtr="0" forceAA="0" compatLnSpc="1">
+                <a:prstTxWarp prst="textNoShape">
+                  <a:avLst/>
+                </a:prstTxWarp>
+                <a:noAutofit/>
+              </a:bodyPr>
+              <a:lstStyle/>
+              <a:p>
+                <a:pPr algn="ctr"/>
+                <a:endParaRPr lang="zh-CN" altLang="en-US"/>
+              </a:p>
+            </p:txBody>
+          </p:sp>
+          <p:sp>
+            <p:nvSpPr>
+              <p:cNvPr id="11" name="矩形 10">
+                <a:extLst>
+                  <a:ext uri="{FF2B5EF4-FFF2-40B4-BE49-F238E27FC236}">
+                    <a16:creationId xmlns:a16="http://schemas.microsoft.com/office/drawing/2014/main" id="{34662CFA-E9A5-4151-9BFF-B09308E3BA7E}"/>
+                  </a:ext>
+                </a:extLst>
+              </p:cNvPr>
+              <p:cNvSpPr>
+                <a:spLocks noChangeAspect="1"/>
+              </p:cNvSpPr>
+              <p:nvPr/>
+            </p:nvSpPr>
+            <p:spPr>
+              <a:xfrm>
+                <a:off x="1186908" y="1034006"/>
+                <a:ext cx="72000" cy="72000"/>
+              </a:xfrm>
+              <a:prstGeom prst="rect">
+                <a:avLst/>
+              </a:prstGeom>
+              <a:solidFill>
+                <a:srgbClr val="CFA7CD"/>
+              </a:solidFill>
+              <a:ln>
+                <a:noFill/>
+              </a:ln>
+            </p:spPr>
+            <p:style>
+              <a:lnRef idx="2">
+                <a:schemeClr val="accent1">
+                  <a:shade val="50000"/>
+                </a:schemeClr>
+              </a:lnRef>
+              <a:fillRef idx="1">
+                <a:schemeClr val="accent1"/>
+              </a:fillRef>
+              <a:effectRef idx="0">
+                <a:schemeClr val="accent1"/>
+              </a:effectRef>
+              <a:fontRef idx="minor">
+                <a:schemeClr val="lt1"/>
+              </a:fontRef>
+            </p:style>
+            <p:txBody>
+              <a:bodyPr rot="0" spcFirstLastPara="0" vertOverflow="overflow" horzOverflow="overflow" vert="horz" wrap="square" lIns="91440" tIns="45720" rIns="91440" bIns="45720" numCol="1" spcCol="0" rtlCol="0" fromWordArt="0" anchor="ctr" anchorCtr="0" forceAA="0" compatLnSpc="1">
+                <a:prstTxWarp prst="textNoShape">
+                  <a:avLst/>
+                </a:prstTxWarp>
+                <a:noAutofit/>
+              </a:bodyPr>
+              <a:lstStyle/>
+              <a:p>
+                <a:pPr algn="ctr"/>
+                <a:endParaRPr lang="zh-CN" altLang="en-US"/>
+              </a:p>
+            </p:txBody>
+          </p:sp>
+          <p:sp>
+            <p:nvSpPr>
+              <p:cNvPr id="12" name="矩形 11">
+                <a:extLst>
+                  <a:ext uri="{FF2B5EF4-FFF2-40B4-BE49-F238E27FC236}">
+                    <a16:creationId xmlns:a16="http://schemas.microsoft.com/office/drawing/2014/main" id="{D7F73842-8CE0-4E8A-AF56-3419C3DAD255}"/>
+                  </a:ext>
+                </a:extLst>
+              </p:cNvPr>
+              <p:cNvSpPr>
+                <a:spLocks noChangeAspect="1"/>
+              </p:cNvSpPr>
+              <p:nvPr/>
+            </p:nvSpPr>
+            <p:spPr>
+              <a:xfrm>
+                <a:off x="1186908" y="1129593"/>
+                <a:ext cx="72000" cy="72000"/>
+              </a:xfrm>
+              <a:prstGeom prst="rect">
+                <a:avLst/>
+              </a:prstGeom>
+              <a:solidFill>
+                <a:srgbClr val="CFA7CD"/>
+              </a:solidFill>
+              <a:ln>
+                <a:noFill/>
+              </a:ln>
+            </p:spPr>
+            <p:style>
+              <a:lnRef idx="2">
+                <a:schemeClr val="accent1">
+                  <a:shade val="50000"/>
+                </a:schemeClr>
+              </a:lnRef>
+              <a:fillRef idx="1">
+                <a:schemeClr val="accent1"/>
+              </a:fillRef>
+              <a:effectRef idx="0">
+                <a:schemeClr val="accent1"/>
+              </a:effectRef>
+              <a:fontRef idx="minor">
+                <a:schemeClr val="lt1"/>
+              </a:fontRef>
+            </p:style>
+            <p:txBody>
+              <a:bodyPr rot="0" spcFirstLastPara="0" vertOverflow="overflow" horzOverflow="overflow" vert="horz" wrap="square" lIns="91440" tIns="45720" rIns="91440" bIns="45720" numCol="1" spcCol="0" rtlCol="0" fromWordArt="0" anchor="ctr" anchorCtr="0" forceAA="0" compatLnSpc="1">
+                <a:prstTxWarp prst="textNoShape">
+                  <a:avLst/>
+                </a:prstTxWarp>
+                <a:noAutofit/>
+              </a:bodyPr>
+              <a:lstStyle/>
+              <a:p>
+                <a:pPr algn="ctr"/>
+                <a:endParaRPr lang="zh-CN" altLang="en-US"/>
+              </a:p>
+            </p:txBody>
+          </p:sp>
+          <p:sp>
+            <p:nvSpPr>
+              <p:cNvPr id="13" name="矩形 12">
+                <a:extLst>
+                  <a:ext uri="{FF2B5EF4-FFF2-40B4-BE49-F238E27FC236}">
+                    <a16:creationId xmlns:a16="http://schemas.microsoft.com/office/drawing/2014/main" id="{1C51EECF-55C3-4190-AF03-9970CA99956C}"/>
+                  </a:ext>
+                </a:extLst>
+              </p:cNvPr>
+              <p:cNvSpPr>
+                <a:spLocks noChangeAspect="1"/>
+              </p:cNvSpPr>
+              <p:nvPr/>
+            </p:nvSpPr>
+            <p:spPr>
+              <a:xfrm>
+                <a:off x="1186908" y="1225180"/>
+                <a:ext cx="72000" cy="72000"/>
+              </a:xfrm>
+              <a:prstGeom prst="rect">
+                <a:avLst/>
+              </a:prstGeom>
+              <a:solidFill>
+                <a:srgbClr val="CFA7CD"/>
+              </a:solidFill>
+              <a:ln>
+                <a:noFill/>
+              </a:ln>
+            </p:spPr>
+            <p:style>
+              <a:lnRef idx="2">
+                <a:schemeClr val="accent1">
+                  <a:shade val="50000"/>
+                </a:schemeClr>
+              </a:lnRef>
+              <a:fillRef idx="1">
+                <a:schemeClr val="accent1"/>
+              </a:fillRef>
+              <a:effectRef idx="0">
+                <a:schemeClr val="accent1"/>
+              </a:effectRef>
+              <a:fontRef idx="minor">
+                <a:schemeClr val="lt1"/>
+              </a:fontRef>
+            </p:style>
+            <p:txBody>
+              <a:bodyPr rot="0" spcFirstLastPara="0" vertOverflow="overflow" horzOverflow="overflow" vert="horz" wrap="square" lIns="91440" tIns="45720" rIns="91440" bIns="45720" numCol="1" spcCol="0" rtlCol="0" fromWordArt="0" anchor="ctr" anchorCtr="0" forceAA="0" compatLnSpc="1">
+                <a:prstTxWarp prst="textNoShape">
+                  <a:avLst/>
+                </a:prstTxWarp>
+                <a:noAutofit/>
+              </a:bodyPr>
+              <a:lstStyle/>
+              <a:p>
+                <a:pPr algn="ctr"/>
+                <a:endParaRPr lang="zh-CN" altLang="en-US"/>
+              </a:p>
+            </p:txBody>
+          </p:sp>
+        </p:grpSp>
+        <p:sp>
+          <p:nvSpPr>
+            <p:cNvPr id="21" name="矩形 20">
+              <a:extLst>
+                <a:ext uri="{FF2B5EF4-FFF2-40B4-BE49-F238E27FC236}">
+                  <a16:creationId xmlns:a16="http://schemas.microsoft.com/office/drawing/2014/main" id="{0AC4E371-5CFF-452D-95EA-94071BE3C470}"/>
+                </a:ext>
+              </a:extLst>
+            </p:cNvPr>
+            <p:cNvSpPr/>
+            <p:nvPr/>
+          </p:nvSpPr>
+          <p:spPr>
+            <a:xfrm>
+              <a:off x="2019301" y="412085"/>
+              <a:ext cx="955674" cy="242888"/>
+            </a:xfrm>
+            <a:prstGeom prst="rect">
+              <a:avLst/>
+            </a:prstGeom>
+            <a:solidFill>
+              <a:srgbClr val="00BCB4"/>
+            </a:solidFill>
+            <a:ln>
+              <a:noFill/>
+            </a:ln>
+          </p:spPr>
+          <p:style>
+            <a:lnRef idx="2">
+              <a:schemeClr val="accent1">
+                <a:shade val="50000"/>
+              </a:schemeClr>
+            </a:lnRef>
+            <a:fillRef idx="1">
+              <a:schemeClr val="accent1"/>
+            </a:fillRef>
+            <a:effectRef idx="0">
+              <a:schemeClr val="accent1"/>
+            </a:effectRef>
+            <a:fontRef idx="minor">
+              <a:schemeClr val="lt1"/>
+            </a:fontRef>
+          </p:style>
+          <p:txBody>
+            <a:bodyPr rot="0" spcFirstLastPara="0" vertOverflow="overflow" horzOverflow="overflow" vert="horz" wrap="square" lIns="91440" tIns="45720" rIns="91440" bIns="45720" numCol="1" spcCol="0" rtlCol="0" fromWordArt="0" anchor="ctr" anchorCtr="0" forceAA="0" compatLnSpc="1">
+              <a:prstTxWarp prst="textNoShape">
+                <a:avLst/>
+              </a:prstTxWarp>
+              <a:noAutofit/>
+            </a:bodyPr>
+            <a:lstStyle/>
+            <a:p>
+              <a:pPr algn="ctr"/>
+              <a:endParaRPr lang="zh-CN" altLang="en-US"/>
+            </a:p>
+          </p:txBody>
+        </p:sp>
+        <p:sp>
+          <p:nvSpPr>
+            <p:cNvPr id="22" name="矩形 21">
+              <a:extLst>
+                <a:ext uri="{FF2B5EF4-FFF2-40B4-BE49-F238E27FC236}">
+                  <a16:creationId xmlns:a16="http://schemas.microsoft.com/office/drawing/2014/main" id="{793C0419-5591-49D3-8907-643EF19AC07A}"/>
+                </a:ext>
+              </a:extLst>
+            </p:cNvPr>
+            <p:cNvSpPr/>
+            <p:nvPr/>
+          </p:nvSpPr>
+          <p:spPr>
+            <a:xfrm>
+              <a:off x="2019300" y="767531"/>
+              <a:ext cx="955675" cy="242888"/>
+            </a:xfrm>
+            <a:prstGeom prst="rect">
+              <a:avLst/>
+            </a:prstGeom>
+            <a:solidFill>
+              <a:srgbClr val="00BCB4"/>
+            </a:solidFill>
+            <a:ln>
+              <a:noFill/>
+            </a:ln>
+          </p:spPr>
+          <p:style>
+            <a:lnRef idx="2">
+              <a:schemeClr val="accent1">
+                <a:shade val="50000"/>
+              </a:schemeClr>
+            </a:lnRef>
+            <a:fillRef idx="1">
+              <a:schemeClr val="accent1"/>
+            </a:fillRef>
+            <a:effectRef idx="0">
+              <a:schemeClr val="accent1"/>
+            </a:effectRef>
+            <a:fontRef idx="minor">
+              <a:schemeClr val="lt1"/>
+            </a:fontRef>
+          </p:style>
+          <p:txBody>
+            <a:bodyPr rot="0" spcFirstLastPara="0" vertOverflow="overflow" horzOverflow="overflow" vert="horz" wrap="square" lIns="91440" tIns="45720" rIns="91440" bIns="45720" numCol="1" spcCol="0" rtlCol="0" fromWordArt="0" anchor="ctr" anchorCtr="0" forceAA="0" compatLnSpc="1">
+              <a:prstTxWarp prst="textNoShape">
+                <a:avLst/>
+              </a:prstTxWarp>
+              <a:noAutofit/>
+            </a:bodyPr>
+            <a:lstStyle/>
+            <a:p>
+              <a:pPr algn="ctr"/>
+              <a:endParaRPr lang="zh-CN" altLang="en-US"/>
+            </a:p>
+          </p:txBody>
+        </p:sp>
+        <p:sp>
+          <p:nvSpPr>
+            <p:cNvPr id="23" name="矩形 22">
+              <a:extLst>
+                <a:ext uri="{FF2B5EF4-FFF2-40B4-BE49-F238E27FC236}">
+                  <a16:creationId xmlns:a16="http://schemas.microsoft.com/office/drawing/2014/main" id="{8DC7783C-0E36-41A6-B548-97E0E4D045B5}"/>
+                </a:ext>
+              </a:extLst>
+            </p:cNvPr>
+            <p:cNvSpPr/>
+            <p:nvPr/>
+          </p:nvSpPr>
+          <p:spPr>
+            <a:xfrm>
+              <a:off x="2019298" y="1122977"/>
+              <a:ext cx="955675" cy="242888"/>
+            </a:xfrm>
+            <a:prstGeom prst="rect">
+              <a:avLst/>
+            </a:prstGeom>
+            <a:solidFill>
+              <a:srgbClr val="00BCB4"/>
+            </a:solidFill>
+            <a:ln>
+              <a:noFill/>
+            </a:ln>
+          </p:spPr>
+          <p:style>
+            <a:lnRef idx="2">
+              <a:schemeClr val="accent1">
+                <a:shade val="50000"/>
+              </a:schemeClr>
+            </a:lnRef>
+            <a:fillRef idx="1">
+              <a:schemeClr val="accent1"/>
+            </a:fillRef>
+            <a:effectRef idx="0">
+              <a:schemeClr val="accent1"/>
+            </a:effectRef>
+            <a:fontRef idx="minor">
+              <a:schemeClr val="lt1"/>
+            </a:fontRef>
+          </p:style>
+          <p:txBody>
+            <a:bodyPr rot="0" spcFirstLastPara="0" vertOverflow="overflow" horzOverflow="overflow" vert="horz" wrap="square" lIns="91440" tIns="45720" rIns="91440" bIns="45720" numCol="1" spcCol="0" rtlCol="0" fromWordArt="0" anchor="ctr" anchorCtr="0" forceAA="0" compatLnSpc="1">
+              <a:prstTxWarp prst="textNoShape">
+                <a:avLst/>
+              </a:prstTxWarp>
+              <a:noAutofit/>
+            </a:bodyPr>
+            <a:lstStyle/>
+            <a:p>
+              <a:pPr algn="ctr"/>
+              <a:endParaRPr lang="zh-CN" altLang="en-US"/>
+            </a:p>
+          </p:txBody>
+        </p:sp>
+        <p:sp>
+          <p:nvSpPr>
+            <p:cNvPr id="25" name="箭头: 右 24">
+              <a:extLst>
+                <a:ext uri="{FF2B5EF4-FFF2-40B4-BE49-F238E27FC236}">
+                  <a16:creationId xmlns:a16="http://schemas.microsoft.com/office/drawing/2014/main" id="{79E45EF2-4B36-4690-80A9-129A28025BC0}"/>
+                </a:ext>
+              </a:extLst>
+            </p:cNvPr>
+            <p:cNvSpPr/>
+            <p:nvPr/>
+          </p:nvSpPr>
+          <p:spPr>
+            <a:xfrm rot="20165767">
+              <a:off x="1274023" y="679014"/>
+              <a:ext cx="725749" cy="72000"/>
+            </a:xfrm>
+            <a:prstGeom prst="rightArrow">
+              <a:avLst/>
+            </a:prstGeom>
+            <a:ln>
+              <a:noFill/>
+            </a:ln>
+          </p:spPr>
+          <p:style>
+            <a:lnRef idx="2">
+              <a:schemeClr val="accent1">
+                <a:shade val="50000"/>
+              </a:schemeClr>
+            </a:lnRef>
+            <a:fillRef idx="1">
+              <a:schemeClr val="accent1"/>
+            </a:fillRef>
+            <a:effectRef idx="0">
+              <a:schemeClr val="accent1"/>
+            </a:effectRef>
+            <a:fontRef idx="minor">
+              <a:schemeClr val="lt1"/>
+            </a:fontRef>
+          </p:style>
+          <p:txBody>
+            <a:bodyPr rot="0" spcFirstLastPara="0" vertOverflow="overflow" horzOverflow="overflow" vert="horz" wrap="square" lIns="91440" tIns="45720" rIns="91440" bIns="45720" numCol="1" spcCol="0" rtlCol="0" fromWordArt="0" anchor="ctr" anchorCtr="0" forceAA="0" compatLnSpc="1">
+              <a:prstTxWarp prst="textNoShape">
+                <a:avLst/>
+              </a:prstTxWarp>
+              <a:noAutofit/>
+            </a:bodyPr>
+            <a:lstStyle/>
+            <a:p>
+              <a:pPr algn="ctr"/>
+              <a:endParaRPr lang="zh-CN" altLang="en-US"/>
+            </a:p>
+          </p:txBody>
+        </p:sp>
+        <p:sp>
+          <p:nvSpPr>
+            <p:cNvPr id="26" name="箭头: 右 25">
+              <a:extLst>
+                <a:ext uri="{FF2B5EF4-FFF2-40B4-BE49-F238E27FC236}">
+                  <a16:creationId xmlns:a16="http://schemas.microsoft.com/office/drawing/2014/main" id="{007986CF-7BD5-438B-966F-0939247A439C}"/>
+                </a:ext>
+              </a:extLst>
+            </p:cNvPr>
+            <p:cNvSpPr/>
+            <p:nvPr/>
+          </p:nvSpPr>
+          <p:spPr>
+            <a:xfrm rot="21159675">
+              <a:off x="1333290" y="919923"/>
+              <a:ext cx="648000" cy="72000"/>
+            </a:xfrm>
+            <a:prstGeom prst="rightArrow">
+              <a:avLst/>
+            </a:prstGeom>
+            <a:ln>
+              <a:noFill/>
+            </a:ln>
+          </p:spPr>
+          <p:style>
+            <a:lnRef idx="2">
+              <a:schemeClr val="accent1">
+                <a:shade val="50000"/>
+              </a:schemeClr>
+            </a:lnRef>
+            <a:fillRef idx="1">
+              <a:schemeClr val="accent1"/>
+            </a:fillRef>
+            <a:effectRef idx="0">
+              <a:schemeClr val="accent1"/>
+            </a:effectRef>
+            <a:fontRef idx="minor">
+              <a:schemeClr val="lt1"/>
+            </a:fontRef>
+          </p:style>
+          <p:txBody>
+            <a:bodyPr rot="0" spcFirstLastPara="0" vertOverflow="overflow" horzOverflow="overflow" vert="horz" wrap="square" lIns="91440" tIns="45720" rIns="91440" bIns="45720" numCol="1" spcCol="0" rtlCol="0" fromWordArt="0" anchor="ctr" anchorCtr="0" forceAA="0" compatLnSpc="1">
+              <a:prstTxWarp prst="textNoShape">
+                <a:avLst/>
+              </a:prstTxWarp>
+              <a:noAutofit/>
+            </a:bodyPr>
+            <a:lstStyle/>
+            <a:p>
+              <a:pPr algn="ctr"/>
+              <a:endParaRPr lang="zh-CN" altLang="en-US"/>
+            </a:p>
+          </p:txBody>
+        </p:sp>
+        <p:sp>
+          <p:nvSpPr>
+            <p:cNvPr id="27" name="箭头: 右 26">
+              <a:extLst>
+                <a:ext uri="{FF2B5EF4-FFF2-40B4-BE49-F238E27FC236}">
+                  <a16:creationId xmlns:a16="http://schemas.microsoft.com/office/drawing/2014/main" id="{B5D470B5-685D-4243-B64E-1B837197FE24}"/>
+                </a:ext>
+              </a:extLst>
+            </p:cNvPr>
+            <p:cNvSpPr/>
+            <p:nvPr/>
+          </p:nvSpPr>
+          <p:spPr>
+            <a:xfrm rot="396867">
+              <a:off x="1333336" y="1143086"/>
+              <a:ext cx="648000" cy="72000"/>
+            </a:xfrm>
+            <a:prstGeom prst="rightArrow">
+              <a:avLst/>
+            </a:prstGeom>
+            <a:ln>
+              <a:noFill/>
+            </a:ln>
+          </p:spPr>
+          <p:style>
+            <a:lnRef idx="2">
+              <a:schemeClr val="accent1">
+                <a:shade val="50000"/>
+              </a:schemeClr>
+            </a:lnRef>
+            <a:fillRef idx="1">
+              <a:schemeClr val="accent1"/>
+            </a:fillRef>
+            <a:effectRef idx="0">
+              <a:schemeClr val="accent1"/>
+            </a:effectRef>
+            <a:fontRef idx="minor">
+              <a:schemeClr val="lt1"/>
+            </a:fontRef>
+          </p:style>
+          <p:txBody>
+            <a:bodyPr rot="0" spcFirstLastPara="0" vertOverflow="overflow" horzOverflow="overflow" vert="horz" wrap="square" lIns="91440" tIns="45720" rIns="91440" bIns="45720" numCol="1" spcCol="0" rtlCol="0" fromWordArt="0" anchor="ctr" anchorCtr="0" forceAA="0" compatLnSpc="1">
+              <a:prstTxWarp prst="textNoShape">
+                <a:avLst/>
+              </a:prstTxWarp>
+              <a:noAutofit/>
+            </a:bodyPr>
+            <a:lstStyle/>
+            <a:p>
+              <a:pPr algn="ctr"/>
+              <a:endParaRPr lang="zh-CN" altLang="en-US"/>
+            </a:p>
+          </p:txBody>
+        </p:sp>
+        <p:sp>
+          <p:nvSpPr>
+            <p:cNvPr id="28" name="箭头: 右 27">
+              <a:extLst>
+                <a:ext uri="{FF2B5EF4-FFF2-40B4-BE49-F238E27FC236}">
+                  <a16:creationId xmlns:a16="http://schemas.microsoft.com/office/drawing/2014/main" id="{67270E29-E348-49A4-85B9-22E139C499D4}"/>
+                </a:ext>
+              </a:extLst>
+            </p:cNvPr>
+            <p:cNvSpPr/>
+            <p:nvPr/>
+          </p:nvSpPr>
+          <p:spPr>
+            <a:xfrm rot="1565150">
+              <a:off x="1278620" y="1396662"/>
+              <a:ext cx="725749" cy="72000"/>
+            </a:xfrm>
+            <a:prstGeom prst="rightArrow">
+              <a:avLst/>
+            </a:prstGeom>
+            <a:ln>
+              <a:noFill/>
+            </a:ln>
+          </p:spPr>
+          <p:style>
+            <a:lnRef idx="2">
+              <a:schemeClr val="accent1">
+                <a:shade val="50000"/>
+              </a:schemeClr>
+            </a:lnRef>
+            <a:fillRef idx="1">
+              <a:schemeClr val="accent1"/>
+            </a:fillRef>
+            <a:effectRef idx="0">
+              <a:schemeClr val="accent1"/>
+            </a:effectRef>
+            <a:fontRef idx="minor">
+              <a:schemeClr val="lt1"/>
+            </a:fontRef>
+          </p:style>
+          <p:txBody>
+            <a:bodyPr rot="0" spcFirstLastPara="0" vertOverflow="overflow" horzOverflow="overflow" vert="horz" wrap="square" lIns="91440" tIns="45720" rIns="91440" bIns="45720" numCol="1" spcCol="0" rtlCol="0" fromWordArt="0" anchor="ctr" anchorCtr="0" forceAA="0" compatLnSpc="1">
+              <a:prstTxWarp prst="textNoShape">
+                <a:avLst/>
+              </a:prstTxWarp>
+              <a:noAutofit/>
+            </a:bodyPr>
+            <a:lstStyle/>
+            <a:p>
+              <a:pPr algn="ctr"/>
+              <a:endParaRPr lang="zh-CN" altLang="en-US"/>
+            </a:p>
+          </p:txBody>
+        </p:sp>
+        <p:sp>
+          <p:nvSpPr>
+            <p:cNvPr id="29" name="文本框 28">
+              <a:extLst>
+                <a:ext uri="{FF2B5EF4-FFF2-40B4-BE49-F238E27FC236}">
+                  <a16:creationId xmlns:a16="http://schemas.microsoft.com/office/drawing/2014/main" id="{7F31B409-8B2A-4F83-A4C3-C0670F488072}"/>
+                </a:ext>
+              </a:extLst>
+            </p:cNvPr>
+            <p:cNvSpPr txBox="1"/>
+            <p:nvPr/>
+          </p:nvSpPr>
+          <p:spPr>
+            <a:xfrm>
+              <a:off x="670206" y="1272993"/>
+              <a:ext cx="729687" cy="261610"/>
+            </a:xfrm>
+            <a:prstGeom prst="rect">
+              <a:avLst/>
+            </a:prstGeom>
+            <a:noFill/>
+          </p:spPr>
+          <p:txBody>
+            <a:bodyPr wrap="none" rtlCol="0">
+              <a:spAutoFit/>
+            </a:bodyPr>
+            <a:lstStyle/>
+            <a:p>
+              <a:r>
+                <a:rPr lang="en-US" altLang="zh-CN" sz="1100" dirty="0">
+                  <a:solidFill>
+                    <a:srgbClr val="326594"/>
+                  </a:solidFill>
+                </a:rPr>
+                <a:t>Raw Data</a:t>
+              </a:r>
+              <a:endParaRPr lang="zh-CN" altLang="en-US" sz="1100" dirty="0">
+                <a:solidFill>
+                  <a:srgbClr val="326594"/>
+                </a:solidFill>
+              </a:endParaRPr>
+            </a:p>
+          </p:txBody>
+        </p:sp>
+        <p:sp>
+          <p:nvSpPr>
+            <p:cNvPr id="30" name="文本框 29">
+              <a:extLst>
+                <a:ext uri="{FF2B5EF4-FFF2-40B4-BE49-F238E27FC236}">
+                  <a16:creationId xmlns:a16="http://schemas.microsoft.com/office/drawing/2014/main" id="{AD563B5B-CB3D-49EC-9AA5-B9979122A0F0}"/>
+                </a:ext>
+              </a:extLst>
+            </p:cNvPr>
+            <p:cNvSpPr txBox="1"/>
+            <p:nvPr/>
+          </p:nvSpPr>
+          <p:spPr>
+            <a:xfrm>
+              <a:off x="1983235" y="404399"/>
+              <a:ext cx="1031051" cy="261610"/>
+            </a:xfrm>
+            <a:prstGeom prst="rect">
+              <a:avLst/>
+            </a:prstGeom>
+            <a:noFill/>
+          </p:spPr>
+          <p:txBody>
+            <a:bodyPr wrap="none" rtlCol="0">
+              <a:spAutoFit/>
+            </a:bodyPr>
+            <a:lstStyle/>
+            <a:p>
+              <a:r>
+                <a:rPr lang="en-US" altLang="zh-CN" sz="1100" dirty="0">
+                  <a:solidFill>
+                    <a:schemeClr val="bg1"/>
+                  </a:solidFill>
+                </a:rPr>
+                <a:t>Base Learner 1</a:t>
+              </a:r>
+              <a:endParaRPr lang="zh-CN" altLang="en-US" sz="1100" dirty="0">
+                <a:solidFill>
+                  <a:schemeClr val="bg1"/>
+                </a:solidFill>
+              </a:endParaRPr>
+            </a:p>
+          </p:txBody>
+        </p:sp>
+        <p:sp>
+          <p:nvSpPr>
+            <p:cNvPr id="31" name="文本框 30">
+              <a:extLst>
+                <a:ext uri="{FF2B5EF4-FFF2-40B4-BE49-F238E27FC236}">
+                  <a16:creationId xmlns:a16="http://schemas.microsoft.com/office/drawing/2014/main" id="{94BFD036-A57A-40FB-9702-86C901D6BC48}"/>
+                </a:ext>
+              </a:extLst>
+            </p:cNvPr>
+            <p:cNvSpPr txBox="1"/>
+            <p:nvPr/>
+          </p:nvSpPr>
+          <p:spPr>
+            <a:xfrm>
+              <a:off x="1983235" y="760347"/>
+              <a:ext cx="1031051" cy="261610"/>
+            </a:xfrm>
+            <a:prstGeom prst="rect">
+              <a:avLst/>
+            </a:prstGeom>
+            <a:noFill/>
+          </p:spPr>
+          <p:txBody>
+            <a:bodyPr wrap="none" rtlCol="0">
+              <a:spAutoFit/>
+            </a:bodyPr>
+            <a:lstStyle/>
+            <a:p>
+              <a:r>
+                <a:rPr lang="en-US" altLang="zh-CN" sz="1100" dirty="0">
+                  <a:solidFill>
+                    <a:schemeClr val="bg1"/>
+                  </a:solidFill>
+                </a:rPr>
+                <a:t>Base Learner 2</a:t>
+              </a:r>
+              <a:endParaRPr lang="zh-CN" altLang="en-US" sz="1100" dirty="0">
+                <a:solidFill>
+                  <a:schemeClr val="bg1"/>
+                </a:solidFill>
+              </a:endParaRPr>
+            </a:p>
+          </p:txBody>
+        </p:sp>
+        <p:sp>
+          <p:nvSpPr>
+            <p:cNvPr id="32" name="文本框 31">
+              <a:extLst>
+                <a:ext uri="{FF2B5EF4-FFF2-40B4-BE49-F238E27FC236}">
+                  <a16:creationId xmlns:a16="http://schemas.microsoft.com/office/drawing/2014/main" id="{E304C072-AF84-466A-94C9-E7EC637A67C6}"/>
+                </a:ext>
+              </a:extLst>
+            </p:cNvPr>
+            <p:cNvSpPr txBox="1"/>
+            <p:nvPr/>
+          </p:nvSpPr>
+          <p:spPr>
+            <a:xfrm>
+              <a:off x="1983235" y="1115173"/>
+              <a:ext cx="1031051" cy="261610"/>
+            </a:xfrm>
+            <a:prstGeom prst="rect">
+              <a:avLst/>
+            </a:prstGeom>
+            <a:noFill/>
+          </p:spPr>
+          <p:txBody>
+            <a:bodyPr wrap="none" rtlCol="0">
+              <a:spAutoFit/>
+            </a:bodyPr>
+            <a:lstStyle/>
+            <a:p>
+              <a:r>
+                <a:rPr lang="en-US" altLang="zh-CN" sz="1100" dirty="0">
+                  <a:solidFill>
+                    <a:schemeClr val="bg1"/>
+                  </a:solidFill>
+                </a:rPr>
+                <a:t>Base Learner 3</a:t>
+              </a:r>
+              <a:endParaRPr lang="zh-CN" altLang="en-US" sz="1100" dirty="0">
+                <a:solidFill>
+                  <a:schemeClr val="bg1"/>
+                </a:solidFill>
+              </a:endParaRPr>
+            </a:p>
+          </p:txBody>
+        </p:sp>
+        <p:grpSp>
+          <p:nvGrpSpPr>
+            <p:cNvPr id="72" name="组合 71">
+              <a:extLst>
+                <a:ext uri="{FF2B5EF4-FFF2-40B4-BE49-F238E27FC236}">
+                  <a16:creationId xmlns:a16="http://schemas.microsoft.com/office/drawing/2014/main" id="{606EF446-E3DF-4D0D-AA99-D490D0552FC6}"/>
+                </a:ext>
+              </a:extLst>
+            </p:cNvPr>
+            <p:cNvGrpSpPr/>
+            <p:nvPr/>
+          </p:nvGrpSpPr>
+          <p:grpSpPr>
+            <a:xfrm>
+              <a:off x="1983235" y="1471121"/>
+              <a:ext cx="1050288" cy="261610"/>
+              <a:chOff x="1983235" y="1471121"/>
+              <a:chExt cx="1050288" cy="261610"/>
+            </a:xfrm>
+          </p:grpSpPr>
+          <p:sp>
+            <p:nvSpPr>
+              <p:cNvPr id="24" name="矩形 23">
+                <a:extLst>
+                  <a:ext uri="{FF2B5EF4-FFF2-40B4-BE49-F238E27FC236}">
+                    <a16:creationId xmlns:a16="http://schemas.microsoft.com/office/drawing/2014/main" id="{65FF222E-A3BC-44C0-B73F-32E6552AB0DE}"/>
+                  </a:ext>
+                </a:extLst>
+              </p:cNvPr>
+              <p:cNvSpPr/>
+              <p:nvPr/>
+            </p:nvSpPr>
+            <p:spPr>
+              <a:xfrm>
+                <a:off x="2019298" y="1478424"/>
+                <a:ext cx="955675" cy="242888"/>
+              </a:xfrm>
+              <a:prstGeom prst="rect">
+                <a:avLst/>
+              </a:prstGeom>
+              <a:solidFill>
+                <a:srgbClr val="00BCB4"/>
+              </a:solidFill>
+              <a:ln>
+                <a:noFill/>
+              </a:ln>
+            </p:spPr>
+            <p:style>
+              <a:lnRef idx="2">
+                <a:schemeClr val="accent1">
+                  <a:shade val="50000"/>
+                </a:schemeClr>
+              </a:lnRef>
+              <a:fillRef idx="1">
+                <a:schemeClr val="accent1"/>
+              </a:fillRef>
+              <a:effectRef idx="0">
+                <a:schemeClr val="accent1"/>
+              </a:effectRef>
+              <a:fontRef idx="minor">
+                <a:schemeClr val="lt1"/>
+              </a:fontRef>
+            </p:style>
+            <p:txBody>
+              <a:bodyPr rot="0" spcFirstLastPara="0" vertOverflow="overflow" horzOverflow="overflow" vert="horz" wrap="square" lIns="91440" tIns="45720" rIns="91440" bIns="45720" numCol="1" spcCol="0" rtlCol="0" fromWordArt="0" anchor="ctr" anchorCtr="0" forceAA="0" compatLnSpc="1">
+                <a:prstTxWarp prst="textNoShape">
+                  <a:avLst/>
+                </a:prstTxWarp>
+                <a:noAutofit/>
+              </a:bodyPr>
+              <a:lstStyle/>
+              <a:p>
+                <a:pPr algn="ctr"/>
+                <a:endParaRPr lang="zh-CN" altLang="en-US"/>
+              </a:p>
+            </p:txBody>
+          </p:sp>
+          <p:sp>
+            <p:nvSpPr>
+              <p:cNvPr id="34" name="文本框 33">
+                <a:extLst>
+                  <a:ext uri="{FF2B5EF4-FFF2-40B4-BE49-F238E27FC236}">
+                    <a16:creationId xmlns:a16="http://schemas.microsoft.com/office/drawing/2014/main" id="{C3D9E39F-70DA-485B-8EE3-2DDD6AC004DA}"/>
+                  </a:ext>
+                </a:extLst>
+              </p:cNvPr>
+              <p:cNvSpPr txBox="1"/>
+              <p:nvPr/>
+            </p:nvSpPr>
+            <p:spPr>
+              <a:xfrm>
+                <a:off x="1983235" y="1471121"/>
+                <a:ext cx="1050288" cy="261610"/>
+              </a:xfrm>
+              <a:prstGeom prst="rect">
+                <a:avLst/>
+              </a:prstGeom>
+              <a:noFill/>
+            </p:spPr>
+            <p:txBody>
+              <a:bodyPr wrap="none" rtlCol="0">
+                <a:spAutoFit/>
+              </a:bodyPr>
+              <a:lstStyle/>
+              <a:p>
+                <a:r>
+                  <a:rPr lang="en-US" altLang="zh-CN" sz="1100" dirty="0">
+                    <a:solidFill>
+                      <a:schemeClr val="bg1"/>
+                    </a:solidFill>
+                  </a:rPr>
+                  <a:t>Base Learner N</a:t>
+                </a:r>
+                <a:endParaRPr lang="zh-CN" altLang="en-US" sz="1100" dirty="0">
+                  <a:solidFill>
+                    <a:schemeClr val="bg1"/>
+                  </a:solidFill>
+                </a:endParaRPr>
+              </a:p>
+            </p:txBody>
+          </p:sp>
+        </p:grpSp>
+        <p:sp>
+          <p:nvSpPr>
+            <p:cNvPr id="36" name="箭头: 右 35">
+              <a:extLst>
+                <a:ext uri="{FF2B5EF4-FFF2-40B4-BE49-F238E27FC236}">
+                  <a16:creationId xmlns:a16="http://schemas.microsoft.com/office/drawing/2014/main" id="{E84A36D8-63D2-41B3-9F65-81E2B9AC8D3E}"/>
+                </a:ext>
+              </a:extLst>
+            </p:cNvPr>
+            <p:cNvSpPr/>
+            <p:nvPr/>
+          </p:nvSpPr>
+          <p:spPr>
+            <a:xfrm rot="396867">
+              <a:off x="2995929" y="923060"/>
+              <a:ext cx="756000" cy="72000"/>
+            </a:xfrm>
+            <a:prstGeom prst="rightArrow">
+              <a:avLst/>
+            </a:prstGeom>
+            <a:ln>
+              <a:noFill/>
+            </a:ln>
+          </p:spPr>
+          <p:style>
+            <a:lnRef idx="2">
+              <a:schemeClr val="accent1">
+                <a:shade val="50000"/>
+              </a:schemeClr>
+            </a:lnRef>
+            <a:fillRef idx="1">
+              <a:schemeClr val="accent1"/>
+            </a:fillRef>
+            <a:effectRef idx="0">
+              <a:schemeClr val="accent1"/>
+            </a:effectRef>
+            <a:fontRef idx="minor">
+              <a:schemeClr val="lt1"/>
+            </a:fontRef>
+          </p:style>
+          <p:txBody>
+            <a:bodyPr rot="0" spcFirstLastPara="0" vertOverflow="overflow" horzOverflow="overflow" vert="horz" wrap="square" lIns="91440" tIns="45720" rIns="91440" bIns="45720" numCol="1" spcCol="0" rtlCol="0" fromWordArt="0" anchor="ctr" anchorCtr="0" forceAA="0" compatLnSpc="1">
+              <a:prstTxWarp prst="textNoShape">
+                <a:avLst/>
+              </a:prstTxWarp>
+              <a:noAutofit/>
+            </a:bodyPr>
+            <a:lstStyle/>
+            <a:p>
+              <a:pPr algn="ctr"/>
+              <a:endParaRPr lang="zh-CN" altLang="en-US"/>
+            </a:p>
+          </p:txBody>
+        </p:sp>
+        <p:sp>
+          <p:nvSpPr>
+            <p:cNvPr id="38" name="箭头: 右 37">
+              <a:extLst>
+                <a:ext uri="{FF2B5EF4-FFF2-40B4-BE49-F238E27FC236}">
+                  <a16:creationId xmlns:a16="http://schemas.microsoft.com/office/drawing/2014/main" id="{1109CCE8-9F2D-416B-9380-FE2BB8638E7C}"/>
+                </a:ext>
+              </a:extLst>
+            </p:cNvPr>
+            <p:cNvSpPr/>
+            <p:nvPr/>
+          </p:nvSpPr>
+          <p:spPr>
+            <a:xfrm rot="1437132">
+              <a:off x="2958299" y="681267"/>
+              <a:ext cx="864000" cy="72000"/>
+            </a:xfrm>
+            <a:prstGeom prst="rightArrow">
+              <a:avLst/>
+            </a:prstGeom>
+            <a:ln>
+              <a:noFill/>
+            </a:ln>
+          </p:spPr>
+          <p:style>
+            <a:lnRef idx="2">
+              <a:schemeClr val="accent1">
+                <a:shade val="50000"/>
+              </a:schemeClr>
+            </a:lnRef>
+            <a:fillRef idx="1">
+              <a:schemeClr val="accent1"/>
+            </a:fillRef>
+            <a:effectRef idx="0">
+              <a:schemeClr val="accent1"/>
+            </a:effectRef>
+            <a:fontRef idx="minor">
+              <a:schemeClr val="lt1"/>
+            </a:fontRef>
+          </p:style>
+          <p:txBody>
+            <a:bodyPr rot="0" spcFirstLastPara="0" vertOverflow="overflow" horzOverflow="overflow" vert="horz" wrap="square" lIns="91440" tIns="45720" rIns="91440" bIns="45720" numCol="1" spcCol="0" rtlCol="0" fromWordArt="0" anchor="ctr" anchorCtr="0" forceAA="0" compatLnSpc="1">
+              <a:prstTxWarp prst="textNoShape">
+                <a:avLst/>
+              </a:prstTxWarp>
+              <a:noAutofit/>
+            </a:bodyPr>
+            <a:lstStyle/>
+            <a:p>
+              <a:pPr algn="ctr"/>
+              <a:endParaRPr lang="zh-CN" altLang="en-US"/>
+            </a:p>
+          </p:txBody>
+        </p:sp>
+        <p:sp>
+          <p:nvSpPr>
+            <p:cNvPr id="39" name="箭头: 右 38">
+              <a:extLst>
+                <a:ext uri="{FF2B5EF4-FFF2-40B4-BE49-F238E27FC236}">
+                  <a16:creationId xmlns:a16="http://schemas.microsoft.com/office/drawing/2014/main" id="{CB5B8C8D-B545-4BF9-88E3-AC1704462F7E}"/>
+                </a:ext>
+              </a:extLst>
+            </p:cNvPr>
+            <p:cNvSpPr/>
+            <p:nvPr/>
+          </p:nvSpPr>
+          <p:spPr>
+            <a:xfrm rot="21159675">
+              <a:off x="3005163" y="1154279"/>
+              <a:ext cx="756000" cy="72000"/>
+            </a:xfrm>
+            <a:prstGeom prst="rightArrow">
+              <a:avLst/>
+            </a:prstGeom>
+            <a:ln>
+              <a:noFill/>
+            </a:ln>
+          </p:spPr>
+          <p:style>
+            <a:lnRef idx="2">
+              <a:schemeClr val="accent1">
+                <a:shade val="50000"/>
+              </a:schemeClr>
+            </a:lnRef>
+            <a:fillRef idx="1">
+              <a:schemeClr val="accent1"/>
+            </a:fillRef>
+            <a:effectRef idx="0">
+              <a:schemeClr val="accent1"/>
+            </a:effectRef>
+            <a:fontRef idx="minor">
+              <a:schemeClr val="lt1"/>
+            </a:fontRef>
+          </p:style>
+          <p:txBody>
+            <a:bodyPr rot="0" spcFirstLastPara="0" vertOverflow="overflow" horzOverflow="overflow" vert="horz" wrap="square" lIns="91440" tIns="45720" rIns="91440" bIns="45720" numCol="1" spcCol="0" rtlCol="0" fromWordArt="0" anchor="ctr" anchorCtr="0" forceAA="0" compatLnSpc="1">
+              <a:prstTxWarp prst="textNoShape">
+                <a:avLst/>
+              </a:prstTxWarp>
+              <a:noAutofit/>
+            </a:bodyPr>
+            <a:lstStyle/>
+            <a:p>
+              <a:pPr algn="ctr"/>
+              <a:endParaRPr lang="zh-CN" altLang="en-US"/>
+            </a:p>
+          </p:txBody>
+        </p:sp>
+        <p:sp>
+          <p:nvSpPr>
+            <p:cNvPr id="41" name="箭头: 右 40">
+              <a:extLst>
+                <a:ext uri="{FF2B5EF4-FFF2-40B4-BE49-F238E27FC236}">
+                  <a16:creationId xmlns:a16="http://schemas.microsoft.com/office/drawing/2014/main" id="{CBCBF815-D628-4B0C-9BA2-884D08B49D74}"/>
+                </a:ext>
+              </a:extLst>
+            </p:cNvPr>
+            <p:cNvSpPr/>
+            <p:nvPr/>
+          </p:nvSpPr>
+          <p:spPr>
+            <a:xfrm rot="20165767">
+              <a:off x="2979566" y="1377112"/>
+              <a:ext cx="864000" cy="72000"/>
+            </a:xfrm>
+            <a:prstGeom prst="rightArrow">
+              <a:avLst/>
+            </a:prstGeom>
+            <a:ln>
+              <a:noFill/>
+            </a:ln>
+          </p:spPr>
+          <p:style>
+            <a:lnRef idx="2">
+              <a:schemeClr val="accent1">
+                <a:shade val="50000"/>
+              </a:schemeClr>
+            </a:lnRef>
+            <a:fillRef idx="1">
+              <a:schemeClr val="accent1"/>
+            </a:fillRef>
+            <a:effectRef idx="0">
+              <a:schemeClr val="accent1"/>
+            </a:effectRef>
+            <a:fontRef idx="minor">
+              <a:schemeClr val="lt1"/>
+            </a:fontRef>
+          </p:style>
+          <p:txBody>
+            <a:bodyPr rot="0" spcFirstLastPara="0" vertOverflow="overflow" horzOverflow="overflow" vert="horz" wrap="square" lIns="91440" tIns="45720" rIns="91440" bIns="45720" numCol="1" spcCol="0" rtlCol="0" fromWordArt="0" anchor="ctr" anchorCtr="0" forceAA="0" compatLnSpc="1">
+              <a:prstTxWarp prst="textNoShape">
+                <a:avLst/>
+              </a:prstTxWarp>
+              <a:noAutofit/>
+            </a:bodyPr>
+            <a:lstStyle/>
+            <a:p>
+              <a:pPr algn="ctr"/>
+              <a:endParaRPr lang="zh-CN" altLang="en-US"/>
+            </a:p>
+          </p:txBody>
+        </p:sp>
+        <p:sp>
+          <p:nvSpPr>
+            <p:cNvPr id="42" name="文本框 41">
+              <a:extLst>
+                <a:ext uri="{FF2B5EF4-FFF2-40B4-BE49-F238E27FC236}">
+                  <a16:creationId xmlns:a16="http://schemas.microsoft.com/office/drawing/2014/main" id="{966F3C4F-058E-43C3-85E4-A1DE59373E64}"/>
+                </a:ext>
+              </a:extLst>
+            </p:cNvPr>
+            <p:cNvSpPr txBox="1"/>
+            <p:nvPr/>
+          </p:nvSpPr>
+          <p:spPr>
+            <a:xfrm rot="1403466">
+              <a:off x="3041201" y="524865"/>
+              <a:ext cx="872355" cy="261610"/>
+            </a:xfrm>
+            <a:prstGeom prst="rect">
+              <a:avLst/>
+            </a:prstGeom>
+            <a:noFill/>
+          </p:spPr>
+          <p:txBody>
+            <a:bodyPr wrap="none" rtlCol="0">
+              <a:spAutoFit/>
+            </a:bodyPr>
+            <a:lstStyle>
+              <a:defPPr>
+                <a:defRPr lang="en-US"/>
+              </a:defPPr>
+              <a:lvl1pPr>
+                <a:defRPr sz="1100">
+                  <a:solidFill>
+                    <a:srgbClr val="326594"/>
+                  </a:solidFill>
+                </a:defRPr>
+              </a:lvl1pPr>
+            </a:lstStyle>
+            <a:p>
+              <a:r>
+                <a:rPr lang="en-US" altLang="zh-CN" sz="1050" dirty="0"/>
+                <a:t>Prediction 1</a:t>
+              </a:r>
+              <a:endParaRPr lang="zh-CN" altLang="en-US" sz="1050" dirty="0"/>
+            </a:p>
+          </p:txBody>
+        </p:sp>
+        <p:sp>
+          <p:nvSpPr>
+            <p:cNvPr id="43" name="文本框 42">
+              <a:extLst>
+                <a:ext uri="{FF2B5EF4-FFF2-40B4-BE49-F238E27FC236}">
+                  <a16:creationId xmlns:a16="http://schemas.microsoft.com/office/drawing/2014/main" id="{8B731945-B59E-41AD-8A24-0A9C3498672B}"/>
+                </a:ext>
+              </a:extLst>
+            </p:cNvPr>
+            <p:cNvSpPr txBox="1"/>
+            <p:nvPr/>
+          </p:nvSpPr>
+          <p:spPr>
+            <a:xfrm rot="407506">
+              <a:off x="2939855" y="753233"/>
+              <a:ext cx="841897" cy="253916"/>
+            </a:xfrm>
+            <a:prstGeom prst="rect">
+              <a:avLst/>
+            </a:prstGeom>
+            <a:noFill/>
+          </p:spPr>
+          <p:txBody>
+            <a:bodyPr wrap="none" rtlCol="0">
+              <a:spAutoFit/>
+            </a:bodyPr>
+            <a:lstStyle>
+              <a:defPPr>
+                <a:defRPr lang="en-US"/>
+              </a:defPPr>
+              <a:lvl1pPr>
+                <a:defRPr sz="1100">
+                  <a:solidFill>
+                    <a:srgbClr val="326594"/>
+                  </a:solidFill>
+                </a:defRPr>
+              </a:lvl1pPr>
+            </a:lstStyle>
+            <a:p>
+              <a:r>
+                <a:rPr lang="en-US" altLang="zh-CN" sz="1050" dirty="0"/>
+                <a:t>Prediction 2</a:t>
+              </a:r>
+              <a:endParaRPr lang="zh-CN" altLang="en-US" sz="1050" dirty="0"/>
+            </a:p>
+          </p:txBody>
+        </p:sp>
+        <p:sp>
+          <p:nvSpPr>
+            <p:cNvPr id="44" name="文本框 43">
+              <a:extLst>
+                <a:ext uri="{FF2B5EF4-FFF2-40B4-BE49-F238E27FC236}">
+                  <a16:creationId xmlns:a16="http://schemas.microsoft.com/office/drawing/2014/main" id="{BA02D31E-6C40-4C41-B6D4-81E6AB191414}"/>
+                </a:ext>
+              </a:extLst>
+            </p:cNvPr>
+            <p:cNvSpPr txBox="1"/>
+            <p:nvPr/>
+          </p:nvSpPr>
+          <p:spPr>
+            <a:xfrm rot="21180000">
+              <a:off x="2933108" y="982322"/>
+              <a:ext cx="841897" cy="253916"/>
+            </a:xfrm>
+            <a:prstGeom prst="rect">
+              <a:avLst/>
+            </a:prstGeom>
+            <a:noFill/>
+          </p:spPr>
+          <p:txBody>
+            <a:bodyPr wrap="none" rtlCol="0">
+              <a:spAutoFit/>
+            </a:bodyPr>
+            <a:lstStyle>
+              <a:defPPr>
+                <a:defRPr lang="en-US"/>
+              </a:defPPr>
+              <a:lvl1pPr>
+                <a:defRPr sz="1100">
+                  <a:solidFill>
+                    <a:srgbClr val="326594"/>
+                  </a:solidFill>
+                </a:defRPr>
+              </a:lvl1pPr>
+            </a:lstStyle>
+            <a:p>
+              <a:r>
+                <a:rPr lang="en-US" altLang="zh-CN" sz="1050" dirty="0"/>
+                <a:t>Prediction 3</a:t>
+              </a:r>
+              <a:endParaRPr lang="zh-CN" altLang="en-US" sz="1050" dirty="0"/>
+            </a:p>
+          </p:txBody>
+        </p:sp>
+        <p:sp>
+          <p:nvSpPr>
+            <p:cNvPr id="45" name="文本框 44">
+              <a:extLst>
+                <a:ext uri="{FF2B5EF4-FFF2-40B4-BE49-F238E27FC236}">
+                  <a16:creationId xmlns:a16="http://schemas.microsoft.com/office/drawing/2014/main" id="{9361937D-6A79-4B61-A1F3-B42C99EC0116}"/>
+                </a:ext>
+              </a:extLst>
+            </p:cNvPr>
+            <p:cNvSpPr txBox="1"/>
+            <p:nvPr/>
+          </p:nvSpPr>
+          <p:spPr>
+            <a:xfrm rot="20160000">
+              <a:off x="2926072" y="1235154"/>
+              <a:ext cx="859531" cy="253916"/>
+            </a:xfrm>
+            <a:prstGeom prst="rect">
+              <a:avLst/>
+            </a:prstGeom>
+            <a:noFill/>
+          </p:spPr>
+          <p:txBody>
+            <a:bodyPr wrap="none" rtlCol="0">
+              <a:spAutoFit/>
+            </a:bodyPr>
+            <a:lstStyle>
+              <a:defPPr>
+                <a:defRPr lang="en-US"/>
+              </a:defPPr>
+              <a:lvl1pPr>
+                <a:defRPr sz="1100">
+                  <a:solidFill>
+                    <a:srgbClr val="326594"/>
+                  </a:solidFill>
+                </a:defRPr>
+              </a:lvl1pPr>
+            </a:lstStyle>
+            <a:p>
+              <a:r>
+                <a:rPr lang="en-US" altLang="zh-CN" sz="1050" dirty="0"/>
+                <a:t>Prediction N</a:t>
+              </a:r>
+              <a:endParaRPr lang="zh-CN" altLang="en-US" sz="1050" dirty="0"/>
+            </a:p>
+          </p:txBody>
+        </p:sp>
+        <p:sp>
+          <p:nvSpPr>
+            <p:cNvPr id="59" name="矩形 58">
+              <a:extLst>
+                <a:ext uri="{FF2B5EF4-FFF2-40B4-BE49-F238E27FC236}">
+                  <a16:creationId xmlns:a16="http://schemas.microsoft.com/office/drawing/2014/main" id="{2623C4ED-9C66-4D0E-B9A6-571166DBDA23}"/>
+                </a:ext>
+              </a:extLst>
+            </p:cNvPr>
+            <p:cNvSpPr>
+              <a:spLocks/>
+            </p:cNvSpPr>
+            <p:nvPr/>
+          </p:nvSpPr>
+          <p:spPr>
+            <a:xfrm rot="5400000">
+              <a:off x="4156573" y="1022830"/>
+              <a:ext cx="360000" cy="72000"/>
+            </a:xfrm>
+            <a:prstGeom prst="rect">
+              <a:avLst/>
+            </a:prstGeom>
+            <a:solidFill>
+              <a:srgbClr val="9CDB9F"/>
+            </a:solidFill>
+            <a:ln>
+              <a:noFill/>
+            </a:ln>
+          </p:spPr>
+          <p:style>
+            <a:lnRef idx="2">
+              <a:schemeClr val="accent1">
+                <a:shade val="50000"/>
+              </a:schemeClr>
+            </a:lnRef>
+            <a:fillRef idx="1">
+              <a:schemeClr val="accent1"/>
+            </a:fillRef>
+            <a:effectRef idx="0">
+              <a:schemeClr val="accent1"/>
+            </a:effectRef>
+            <a:fontRef idx="minor">
+              <a:schemeClr val="lt1"/>
+            </a:fontRef>
+          </p:style>
+          <p:txBody>
+            <a:bodyPr rot="0" spcFirstLastPara="0" vertOverflow="overflow" horzOverflow="overflow" vert="horz" wrap="square" lIns="91440" tIns="45720" rIns="91440" bIns="45720" numCol="1" spcCol="0" rtlCol="0" fromWordArt="0" anchor="ctr" anchorCtr="0" forceAA="0" compatLnSpc="1">
+              <a:prstTxWarp prst="textNoShape">
+                <a:avLst/>
+              </a:prstTxWarp>
+              <a:noAutofit/>
+            </a:bodyPr>
+            <a:lstStyle/>
+            <a:p>
+              <a:pPr algn="ctr"/>
+              <a:endParaRPr lang="zh-CN" altLang="en-US"/>
+            </a:p>
+          </p:txBody>
+        </p:sp>
+        <p:sp>
+          <p:nvSpPr>
+            <p:cNvPr id="60" name="矩形 59">
+              <a:extLst>
+                <a:ext uri="{FF2B5EF4-FFF2-40B4-BE49-F238E27FC236}">
+                  <a16:creationId xmlns:a16="http://schemas.microsoft.com/office/drawing/2014/main" id="{B567DA4E-1795-49E5-9EF6-1FD3145409A3}"/>
+                </a:ext>
+              </a:extLst>
+            </p:cNvPr>
+            <p:cNvSpPr>
+              <a:spLocks/>
+            </p:cNvSpPr>
+            <p:nvPr/>
+          </p:nvSpPr>
+          <p:spPr>
+            <a:xfrm rot="5400000">
+              <a:off x="4060986" y="1022831"/>
+              <a:ext cx="360000" cy="72000"/>
+            </a:xfrm>
+            <a:prstGeom prst="rect">
+              <a:avLst/>
+            </a:prstGeom>
+            <a:solidFill>
+              <a:srgbClr val="9CDB9F"/>
+            </a:solidFill>
+            <a:ln>
+              <a:noFill/>
+            </a:ln>
+          </p:spPr>
+          <p:style>
+            <a:lnRef idx="2">
+              <a:schemeClr val="accent1">
+                <a:shade val="50000"/>
+              </a:schemeClr>
+            </a:lnRef>
+            <a:fillRef idx="1">
+              <a:schemeClr val="accent1"/>
+            </a:fillRef>
+            <a:effectRef idx="0">
+              <a:schemeClr val="accent1"/>
+            </a:effectRef>
+            <a:fontRef idx="minor">
+              <a:schemeClr val="lt1"/>
+            </a:fontRef>
+          </p:style>
+          <p:txBody>
+            <a:bodyPr rot="0" spcFirstLastPara="0" vertOverflow="overflow" horzOverflow="overflow" vert="horz" wrap="square" lIns="91440" tIns="45720" rIns="91440" bIns="45720" numCol="1" spcCol="0" rtlCol="0" fromWordArt="0" anchor="ctr" anchorCtr="0" forceAA="0" compatLnSpc="1">
+              <a:prstTxWarp prst="textNoShape">
+                <a:avLst/>
+              </a:prstTxWarp>
+              <a:noAutofit/>
+            </a:bodyPr>
+            <a:lstStyle/>
+            <a:p>
+              <a:pPr algn="ctr"/>
+              <a:endParaRPr lang="zh-CN" altLang="en-US"/>
+            </a:p>
+          </p:txBody>
+        </p:sp>
+        <p:sp>
+          <p:nvSpPr>
+            <p:cNvPr id="61" name="矩形 60">
+              <a:extLst>
+                <a:ext uri="{FF2B5EF4-FFF2-40B4-BE49-F238E27FC236}">
+                  <a16:creationId xmlns:a16="http://schemas.microsoft.com/office/drawing/2014/main" id="{1B138FCD-8EF1-4474-B85A-ADE22AE68CEA}"/>
+                </a:ext>
+              </a:extLst>
+            </p:cNvPr>
+            <p:cNvSpPr>
+              <a:spLocks/>
+            </p:cNvSpPr>
+            <p:nvPr/>
+          </p:nvSpPr>
+          <p:spPr>
+            <a:xfrm rot="5400000">
+              <a:off x="3965399" y="1022831"/>
+              <a:ext cx="360000" cy="72000"/>
+            </a:xfrm>
+            <a:prstGeom prst="rect">
+              <a:avLst/>
+            </a:prstGeom>
+            <a:solidFill>
+              <a:srgbClr val="9CDB9F"/>
+            </a:solidFill>
+            <a:ln>
+              <a:noFill/>
+            </a:ln>
+          </p:spPr>
+          <p:style>
+            <a:lnRef idx="2">
+              <a:schemeClr val="accent1">
+                <a:shade val="50000"/>
+              </a:schemeClr>
+            </a:lnRef>
+            <a:fillRef idx="1">
+              <a:schemeClr val="accent1"/>
+            </a:fillRef>
+            <a:effectRef idx="0">
+              <a:schemeClr val="accent1"/>
+            </a:effectRef>
+            <a:fontRef idx="minor">
+              <a:schemeClr val="lt1"/>
+            </a:fontRef>
+          </p:style>
+          <p:txBody>
+            <a:bodyPr rot="0" spcFirstLastPara="0" vertOverflow="overflow" horzOverflow="overflow" vert="horz" wrap="square" lIns="91440" tIns="45720" rIns="91440" bIns="45720" numCol="1" spcCol="0" rtlCol="0" fromWordArt="0" anchor="ctr" anchorCtr="0" forceAA="0" compatLnSpc="1">
+              <a:prstTxWarp prst="textNoShape">
+                <a:avLst/>
+              </a:prstTxWarp>
+              <a:noAutofit/>
+            </a:bodyPr>
+            <a:lstStyle/>
+            <a:p>
+              <a:pPr algn="ctr"/>
+              <a:endParaRPr lang="zh-CN" altLang="en-US"/>
+            </a:p>
+          </p:txBody>
+        </p:sp>
+        <p:sp>
+          <p:nvSpPr>
+            <p:cNvPr id="62" name="矩形 61">
+              <a:extLst>
+                <a:ext uri="{FF2B5EF4-FFF2-40B4-BE49-F238E27FC236}">
+                  <a16:creationId xmlns:a16="http://schemas.microsoft.com/office/drawing/2014/main" id="{A6D43F8D-86F1-42AE-A115-020854778FC7}"/>
+                </a:ext>
+              </a:extLst>
+            </p:cNvPr>
+            <p:cNvSpPr>
+              <a:spLocks/>
+            </p:cNvSpPr>
+            <p:nvPr/>
+          </p:nvSpPr>
+          <p:spPr>
+            <a:xfrm rot="5400000">
+              <a:off x="3869812" y="1022831"/>
+              <a:ext cx="360000" cy="72000"/>
+            </a:xfrm>
+            <a:prstGeom prst="rect">
+              <a:avLst/>
+            </a:prstGeom>
+            <a:solidFill>
+              <a:srgbClr val="9CDB9F"/>
+            </a:solidFill>
+            <a:ln>
+              <a:noFill/>
+            </a:ln>
+          </p:spPr>
+          <p:style>
+            <a:lnRef idx="2">
+              <a:schemeClr val="accent1">
+                <a:shade val="50000"/>
+              </a:schemeClr>
+            </a:lnRef>
+            <a:fillRef idx="1">
+              <a:schemeClr val="accent1"/>
+            </a:fillRef>
+            <a:effectRef idx="0">
+              <a:schemeClr val="accent1"/>
+            </a:effectRef>
+            <a:fontRef idx="minor">
+              <a:schemeClr val="lt1"/>
+            </a:fontRef>
+          </p:style>
+          <p:txBody>
+            <a:bodyPr rot="0" spcFirstLastPara="0" vertOverflow="overflow" horzOverflow="overflow" vert="horz" wrap="square" lIns="91440" tIns="45720" rIns="91440" bIns="45720" numCol="1" spcCol="0" rtlCol="0" fromWordArt="0" anchor="ctr" anchorCtr="0" forceAA="0" compatLnSpc="1">
+              <a:prstTxWarp prst="textNoShape">
+                <a:avLst/>
+              </a:prstTxWarp>
+              <a:noAutofit/>
+            </a:bodyPr>
+            <a:lstStyle/>
+            <a:p>
+              <a:pPr algn="ctr"/>
+              <a:endParaRPr lang="zh-CN" altLang="en-US"/>
+            </a:p>
+          </p:txBody>
+        </p:sp>
+        <p:sp>
+          <p:nvSpPr>
+            <p:cNvPr id="63" name="矩形 62">
+              <a:extLst>
+                <a:ext uri="{FF2B5EF4-FFF2-40B4-BE49-F238E27FC236}">
+                  <a16:creationId xmlns:a16="http://schemas.microsoft.com/office/drawing/2014/main" id="{80D4A098-904E-4308-A33A-EEAF7BE7F616}"/>
+                </a:ext>
+              </a:extLst>
+            </p:cNvPr>
+            <p:cNvSpPr>
+              <a:spLocks/>
+            </p:cNvSpPr>
+            <p:nvPr/>
+          </p:nvSpPr>
+          <p:spPr>
+            <a:xfrm rot="5400000">
+              <a:off x="3774225" y="1022831"/>
+              <a:ext cx="360000" cy="72000"/>
+            </a:xfrm>
+            <a:prstGeom prst="rect">
+              <a:avLst/>
+            </a:prstGeom>
+            <a:solidFill>
+              <a:srgbClr val="9CDB9F"/>
+            </a:solidFill>
+            <a:ln>
+              <a:noFill/>
+            </a:ln>
+          </p:spPr>
+          <p:style>
+            <a:lnRef idx="2">
+              <a:schemeClr val="accent1">
+                <a:shade val="50000"/>
+              </a:schemeClr>
+            </a:lnRef>
+            <a:fillRef idx="1">
+              <a:schemeClr val="accent1"/>
+            </a:fillRef>
+            <a:effectRef idx="0">
+              <a:schemeClr val="accent1"/>
+            </a:effectRef>
+            <a:fontRef idx="minor">
+              <a:schemeClr val="lt1"/>
+            </a:fontRef>
+          </p:style>
+          <p:txBody>
+            <a:bodyPr rot="0" spcFirstLastPara="0" vertOverflow="overflow" horzOverflow="overflow" vert="horz" wrap="square" lIns="91440" tIns="45720" rIns="91440" bIns="45720" numCol="1" spcCol="0" rtlCol="0" fromWordArt="0" anchor="ctr" anchorCtr="0" forceAA="0" compatLnSpc="1">
+              <a:prstTxWarp prst="textNoShape">
+                <a:avLst/>
+              </a:prstTxWarp>
+              <a:noAutofit/>
+            </a:bodyPr>
+            <a:lstStyle/>
+            <a:p>
+              <a:pPr algn="ctr"/>
+              <a:endParaRPr lang="zh-CN" altLang="en-US"/>
+            </a:p>
+          </p:txBody>
+        </p:sp>
+        <p:sp>
+          <p:nvSpPr>
+            <p:cNvPr id="69" name="文本框 68">
+              <a:extLst>
+                <a:ext uri="{FF2B5EF4-FFF2-40B4-BE49-F238E27FC236}">
+                  <a16:creationId xmlns:a16="http://schemas.microsoft.com/office/drawing/2014/main" id="{4B4A70B7-2253-43DC-A1F0-FAD520557D2C}"/>
+                </a:ext>
+              </a:extLst>
+            </p:cNvPr>
+            <p:cNvSpPr txBox="1"/>
+            <p:nvPr/>
+          </p:nvSpPr>
+          <p:spPr>
+            <a:xfrm>
+              <a:off x="3794673" y="1272993"/>
+              <a:ext cx="768159" cy="430887"/>
+            </a:xfrm>
+            <a:prstGeom prst="rect">
+              <a:avLst/>
+            </a:prstGeom>
+            <a:noFill/>
+          </p:spPr>
+          <p:txBody>
+            <a:bodyPr wrap="none" rtlCol="0">
+              <a:spAutoFit/>
+            </a:bodyPr>
+            <a:lstStyle/>
+            <a:p>
+              <a:pPr algn="ctr"/>
+              <a:r>
+                <a:rPr lang="en-US" altLang="zh-CN" sz="1100" dirty="0">
+                  <a:solidFill>
+                    <a:srgbClr val="326594"/>
+                  </a:solidFill>
+                </a:rPr>
+                <a:t>Prediction</a:t>
+              </a:r>
+            </a:p>
+            <a:p>
+              <a:pPr algn="ctr"/>
+              <a:r>
+                <a:rPr lang="en-US" altLang="zh-CN" sz="1100" dirty="0">
+                  <a:solidFill>
+                    <a:srgbClr val="326594"/>
+                  </a:solidFill>
+                </a:rPr>
+                <a:t>Data</a:t>
+              </a:r>
+              <a:endParaRPr lang="zh-CN" altLang="en-US" sz="1100" dirty="0">
+                <a:solidFill>
+                  <a:srgbClr val="326594"/>
+                </a:solidFill>
+              </a:endParaRPr>
+            </a:p>
+          </p:txBody>
+        </p:sp>
+        <p:sp>
+          <p:nvSpPr>
+            <p:cNvPr id="71" name="箭头: 右 70">
+              <a:extLst>
+                <a:ext uri="{FF2B5EF4-FFF2-40B4-BE49-F238E27FC236}">
+                  <a16:creationId xmlns:a16="http://schemas.microsoft.com/office/drawing/2014/main" id="{C73F7B8B-2DD2-434D-B512-FDA4720A8DB2}"/>
+                </a:ext>
+              </a:extLst>
+            </p:cNvPr>
+            <p:cNvSpPr/>
+            <p:nvPr/>
+          </p:nvSpPr>
+          <p:spPr>
+            <a:xfrm>
+              <a:off x="4406281" y="1043595"/>
+              <a:ext cx="432000" cy="72000"/>
+            </a:xfrm>
+            <a:prstGeom prst="rightArrow">
+              <a:avLst/>
+            </a:prstGeom>
+            <a:ln>
+              <a:noFill/>
+            </a:ln>
+          </p:spPr>
+          <p:style>
+            <a:lnRef idx="2">
+              <a:schemeClr val="accent1">
+                <a:shade val="50000"/>
+              </a:schemeClr>
+            </a:lnRef>
+            <a:fillRef idx="1">
+              <a:schemeClr val="accent1"/>
+            </a:fillRef>
+            <a:effectRef idx="0">
+              <a:schemeClr val="accent1"/>
+            </a:effectRef>
+            <a:fontRef idx="minor">
+              <a:schemeClr val="lt1"/>
+            </a:fontRef>
+          </p:style>
+          <p:txBody>
+            <a:bodyPr rot="0" spcFirstLastPara="0" vertOverflow="overflow" horzOverflow="overflow" vert="horz" wrap="square" lIns="91440" tIns="45720" rIns="91440" bIns="45720" numCol="1" spcCol="0" rtlCol="0" fromWordArt="0" anchor="ctr" anchorCtr="0" forceAA="0" compatLnSpc="1">
+              <a:prstTxWarp prst="textNoShape">
+                <a:avLst/>
+              </a:prstTxWarp>
+              <a:noAutofit/>
+            </a:bodyPr>
+            <a:lstStyle/>
+            <a:p>
+              <a:pPr algn="ctr"/>
+              <a:endParaRPr lang="zh-CN" altLang="en-US"/>
+            </a:p>
+          </p:txBody>
+        </p:sp>
+        <p:grpSp>
+          <p:nvGrpSpPr>
+            <p:cNvPr id="76" name="组合 75">
+              <a:extLst>
+                <a:ext uri="{FF2B5EF4-FFF2-40B4-BE49-F238E27FC236}">
+                  <a16:creationId xmlns:a16="http://schemas.microsoft.com/office/drawing/2014/main" id="{958736C5-AEB9-4268-A993-5D55669B0097}"/>
+                </a:ext>
+              </a:extLst>
+            </p:cNvPr>
+            <p:cNvGrpSpPr/>
+            <p:nvPr/>
+          </p:nvGrpSpPr>
+          <p:grpSpPr>
+            <a:xfrm>
+              <a:off x="4875653" y="948890"/>
+              <a:ext cx="962123" cy="261610"/>
+              <a:chOff x="4901804" y="955923"/>
+              <a:chExt cx="962123" cy="261610"/>
+            </a:xfrm>
+          </p:grpSpPr>
+          <p:sp>
+            <p:nvSpPr>
+              <p:cNvPr id="74" name="矩形 73">
+                <a:extLst>
+                  <a:ext uri="{FF2B5EF4-FFF2-40B4-BE49-F238E27FC236}">
+                    <a16:creationId xmlns:a16="http://schemas.microsoft.com/office/drawing/2014/main" id="{02DA50B8-6CBC-4C70-8D3D-B9DE933971B0}"/>
+                  </a:ext>
+                </a:extLst>
+              </p:cNvPr>
+              <p:cNvSpPr/>
+              <p:nvPr/>
+            </p:nvSpPr>
+            <p:spPr>
+              <a:xfrm>
+                <a:off x="4905028" y="965284"/>
+                <a:ext cx="955675" cy="242888"/>
+              </a:xfrm>
+              <a:prstGeom prst="rect">
+                <a:avLst/>
+              </a:prstGeom>
+              <a:solidFill>
+                <a:srgbClr val="00BCB4"/>
+              </a:solidFill>
+              <a:ln>
+                <a:noFill/>
+              </a:ln>
+            </p:spPr>
+            <p:style>
+              <a:lnRef idx="2">
+                <a:schemeClr val="accent1">
+                  <a:shade val="50000"/>
+                </a:schemeClr>
+              </a:lnRef>
+              <a:fillRef idx="1">
+                <a:schemeClr val="accent1"/>
+              </a:fillRef>
+              <a:effectRef idx="0">
+                <a:schemeClr val="accent1"/>
+              </a:effectRef>
+              <a:fontRef idx="minor">
+                <a:schemeClr val="lt1"/>
+              </a:fontRef>
+            </p:style>
+            <p:txBody>
+              <a:bodyPr rot="0" spcFirstLastPara="0" vertOverflow="overflow" horzOverflow="overflow" vert="horz" wrap="square" lIns="91440" tIns="45720" rIns="91440" bIns="45720" numCol="1" spcCol="0" rtlCol="0" fromWordArt="0" anchor="ctr" anchorCtr="0" forceAA="0" compatLnSpc="1">
+                <a:prstTxWarp prst="textNoShape">
+                  <a:avLst/>
+                </a:prstTxWarp>
+                <a:noAutofit/>
+              </a:bodyPr>
+              <a:lstStyle/>
+              <a:p>
+                <a:pPr algn="ctr"/>
+                <a:endParaRPr lang="zh-CN" altLang="en-US"/>
+              </a:p>
+            </p:txBody>
+          </p:sp>
+          <p:sp>
+            <p:nvSpPr>
+              <p:cNvPr id="75" name="文本框 74">
+                <a:extLst>
+                  <a:ext uri="{FF2B5EF4-FFF2-40B4-BE49-F238E27FC236}">
+                    <a16:creationId xmlns:a16="http://schemas.microsoft.com/office/drawing/2014/main" id="{6A0FEDAC-C539-4983-9D63-3944AFD02495}"/>
+                  </a:ext>
+                </a:extLst>
+              </p:cNvPr>
+              <p:cNvSpPr txBox="1"/>
+              <p:nvPr/>
+            </p:nvSpPr>
+            <p:spPr>
+              <a:xfrm>
+                <a:off x="4901804" y="955923"/>
+                <a:ext cx="962123" cy="261610"/>
+              </a:xfrm>
+              <a:prstGeom prst="rect">
+                <a:avLst/>
+              </a:prstGeom>
+              <a:noFill/>
+            </p:spPr>
+            <p:txBody>
+              <a:bodyPr wrap="none" rtlCol="0">
+                <a:spAutoFit/>
+              </a:bodyPr>
+              <a:lstStyle/>
+              <a:p>
+                <a:r>
+                  <a:rPr lang="en-US" altLang="zh-CN" sz="1100" dirty="0">
+                    <a:solidFill>
+                      <a:schemeClr val="bg1"/>
+                    </a:solidFill>
+                  </a:rPr>
+                  <a:t>Meta Learner</a:t>
+                </a:r>
+                <a:endParaRPr lang="zh-CN" altLang="en-US" sz="1100" dirty="0">
+                  <a:solidFill>
+                    <a:schemeClr val="bg1"/>
+                  </a:solidFill>
+                </a:endParaRPr>
+              </a:p>
+            </p:txBody>
+          </p:sp>
+        </p:grpSp>
+        <p:sp>
+          <p:nvSpPr>
+            <p:cNvPr id="78" name="箭头: 右 77">
+              <a:extLst>
+                <a:ext uri="{FF2B5EF4-FFF2-40B4-BE49-F238E27FC236}">
+                  <a16:creationId xmlns:a16="http://schemas.microsoft.com/office/drawing/2014/main" id="{46D79928-2B27-4823-9DD0-2F846F684A3F}"/>
+                </a:ext>
+              </a:extLst>
+            </p:cNvPr>
+            <p:cNvSpPr/>
+            <p:nvPr/>
+          </p:nvSpPr>
+          <p:spPr>
+            <a:xfrm>
+              <a:off x="5875148" y="1043595"/>
+              <a:ext cx="936000" cy="72000"/>
+            </a:xfrm>
+            <a:prstGeom prst="rightArrow">
+              <a:avLst/>
+            </a:prstGeom>
+            <a:ln>
+              <a:noFill/>
+            </a:ln>
+          </p:spPr>
+          <p:style>
+            <a:lnRef idx="2">
+              <a:schemeClr val="accent1">
+                <a:shade val="50000"/>
+              </a:schemeClr>
+            </a:lnRef>
+            <a:fillRef idx="1">
+              <a:schemeClr val="accent1"/>
+            </a:fillRef>
+            <a:effectRef idx="0">
+              <a:schemeClr val="accent1"/>
+            </a:effectRef>
+            <a:fontRef idx="minor">
+              <a:schemeClr val="lt1"/>
+            </a:fontRef>
+          </p:style>
+          <p:txBody>
+            <a:bodyPr rot="0" spcFirstLastPara="0" vertOverflow="overflow" horzOverflow="overflow" vert="horz" wrap="square" lIns="91440" tIns="45720" rIns="91440" bIns="45720" numCol="1" spcCol="0" rtlCol="0" fromWordArt="0" anchor="ctr" anchorCtr="0" forceAA="0" compatLnSpc="1">
+              <a:prstTxWarp prst="textNoShape">
+                <a:avLst/>
+              </a:prstTxWarp>
+              <a:noAutofit/>
+            </a:bodyPr>
+            <a:lstStyle/>
+            <a:p>
+              <a:pPr algn="ctr"/>
+              <a:endParaRPr lang="zh-CN" altLang="en-US"/>
+            </a:p>
+          </p:txBody>
+        </p:sp>
+        <p:sp>
+          <p:nvSpPr>
+            <p:cNvPr id="79" name="文本框 78">
+              <a:extLst>
+                <a:ext uri="{FF2B5EF4-FFF2-40B4-BE49-F238E27FC236}">
+                  <a16:creationId xmlns:a16="http://schemas.microsoft.com/office/drawing/2014/main" id="{E9C11A4F-4224-403C-9EC4-771A18713E98}"/>
+                </a:ext>
+              </a:extLst>
+            </p:cNvPr>
+            <p:cNvSpPr txBox="1"/>
+            <p:nvPr/>
+          </p:nvSpPr>
+          <p:spPr>
+            <a:xfrm>
+              <a:off x="5806094" y="836940"/>
+              <a:ext cx="1069524" cy="261610"/>
+            </a:xfrm>
+            <a:prstGeom prst="rect">
+              <a:avLst/>
+            </a:prstGeom>
+            <a:noFill/>
+          </p:spPr>
+          <p:txBody>
+            <a:bodyPr wrap="none" rtlCol="0">
+              <a:spAutoFit/>
+            </a:bodyPr>
+            <a:lstStyle/>
+            <a:p>
+              <a:r>
+                <a:rPr lang="en-US" altLang="zh-CN" sz="1100" dirty="0">
+                  <a:solidFill>
+                    <a:srgbClr val="326594"/>
+                  </a:solidFill>
+                </a:rPr>
+                <a:t>Final Prediction</a:t>
+              </a:r>
+              <a:endParaRPr lang="zh-CN" altLang="en-US" sz="1100" dirty="0">
+                <a:solidFill>
+                  <a:srgbClr val="326594"/>
+                </a:solidFill>
+              </a:endParaRPr>
+            </a:p>
+          </p:txBody>
+        </p:sp>
+      </p:grpSp>
+    </p:spTree>
+    <p:extLst>
+      <p:ext uri="{BB962C8B-B14F-4D97-AF65-F5344CB8AC3E}">
+        <p14:creationId xmlns:p14="http://schemas.microsoft.com/office/powerpoint/2010/main" val="514064376"/>
+      </p:ext>
+    </p:extLst>
+  </p:cSld>
+  <p:clrMapOvr>
+    <a:masterClrMapping/>
+  </p:clrMapOvr>
+</p:sld>
+</file>
+
+<file path=ppt/slides/slide16.xml><?xml version="1.0" encoding="utf-8"?>
+<p:sld xmlns:a="http://schemas.openxmlformats.org/drawingml/2006/main" xmlns:r="http://schemas.openxmlformats.org/officeDocument/2006/relationships" xmlns:p="http://schemas.openxmlformats.org/presentationml/2006/main">
+  <p:cSld>
+    <p:spTree>
+      <p:nvGrpSpPr>
+        <p:cNvPr id="1" name=""/>
+        <p:cNvGrpSpPr/>
+        <p:nvPr/>
+      </p:nvGrpSpPr>
+      <p:grpSpPr>
+        <a:xfrm>
+          <a:off x="0" y="0"/>
+          <a:ext cx="0" cy="0"/>
+          <a:chOff x="0" y="0"/>
+          <a:chExt cx="0" cy="0"/>
+        </a:xfrm>
+      </p:grpSpPr>
+      <p:sp>
+        <p:nvSpPr>
+          <p:cNvPr id="2" name="标题 1">
+            <a:extLst>
+              <a:ext uri="{FF2B5EF4-FFF2-40B4-BE49-F238E27FC236}">
+                <a16:creationId xmlns:a16="http://schemas.microsoft.com/office/drawing/2014/main" id="{A8ABA1EC-587D-4238-97E4-B47B1F4CC01E}"/>
+              </a:ext>
+            </a:extLst>
+          </p:cNvPr>
+          <p:cNvSpPr>
+            <a:spLocks noGrp="1"/>
+          </p:cNvSpPr>
+          <p:nvPr>
+            <p:ph type="title"/>
+          </p:nvPr>
+        </p:nvSpPr>
+        <p:spPr/>
+        <p:txBody>
+          <a:bodyPr/>
+          <a:lstStyle/>
+          <a:p>
+            <a:endParaRPr lang="zh-CN" altLang="en-US"/>
+          </a:p>
+        </p:txBody>
+      </p:sp>
+      <p:sp>
+        <p:nvSpPr>
+          <p:cNvPr id="3" name="内容占位符 2">
+            <a:extLst>
+              <a:ext uri="{FF2B5EF4-FFF2-40B4-BE49-F238E27FC236}">
+                <a16:creationId xmlns:a16="http://schemas.microsoft.com/office/drawing/2014/main" id="{7261D627-110A-4342-B542-05FD4C77FBC0}"/>
+              </a:ext>
+            </a:extLst>
+          </p:cNvPr>
+          <p:cNvSpPr>
+            <a:spLocks noGrp="1"/>
+          </p:cNvSpPr>
+          <p:nvPr>
+            <p:ph idx="1"/>
+          </p:nvPr>
+        </p:nvSpPr>
+        <p:spPr/>
+        <p:txBody>
+          <a:bodyPr/>
+          <a:lstStyle/>
+          <a:p>
+            <a:endParaRPr lang="zh-CN" altLang="en-US"/>
+          </a:p>
+        </p:txBody>
+      </p:sp>
+      <p:pic>
+        <p:nvPicPr>
+          <p:cNvPr id="4" name="图片 3">
+            <a:extLst>
+              <a:ext uri="{FF2B5EF4-FFF2-40B4-BE49-F238E27FC236}">
+                <a16:creationId xmlns:a16="http://schemas.microsoft.com/office/drawing/2014/main" id="{D927A3EB-B62F-450E-ADF6-76A57E67654A}"/>
+              </a:ext>
+            </a:extLst>
+          </p:cNvPr>
+          <p:cNvPicPr>
+            <a:picLocks noChangeAspect="1"/>
+          </p:cNvPicPr>
+          <p:nvPr/>
+        </p:nvPicPr>
+        <p:blipFill>
+          <a:blip r:embed="rId2"/>
+          <a:stretch>
+            <a:fillRect/>
+          </a:stretch>
+        </p:blipFill>
+        <p:spPr>
+          <a:xfrm>
+            <a:off x="1369978" y="-450057"/>
+            <a:ext cx="3560832" cy="2339975"/>
+          </a:xfrm>
+          <a:prstGeom prst="rect">
+            <a:avLst/>
+          </a:prstGeom>
+        </p:spPr>
+      </p:pic>
+    </p:spTree>
+    <p:extLst>
+      <p:ext uri="{BB962C8B-B14F-4D97-AF65-F5344CB8AC3E}">
+        <p14:creationId xmlns:p14="http://schemas.microsoft.com/office/powerpoint/2010/main" val="787249329"/>
+      </p:ext>
+    </p:extLst>
+  </p:cSld>
+  <p:clrMapOvr>
+    <a:masterClrMapping/>
+  </p:clrMapOvr>
+</p:sld>
+</file>
+
 <file path=ppt/slides/slide2.xml><?xml version="1.0" encoding="utf-8"?>
 <p:sld xmlns:a="http://schemas.openxmlformats.org/drawingml/2006/main" xmlns:r="http://schemas.openxmlformats.org/officeDocument/2006/relationships" xmlns:p="http://schemas.openxmlformats.org/presentationml/2006/main">
   <p:cSld>
@@ -26675,7 +29163,7 @@
         </p:nvGrpSpPr>
         <p:grpSpPr>
           <a:xfrm>
-            <a:off x="219562" y="-1845832"/>
+            <a:off x="-679756" y="-2295888"/>
             <a:ext cx="7660305" cy="6014052"/>
             <a:chOff x="204787" y="-1209675"/>
             <a:chExt cx="11782425" cy="9250299"/>
@@ -27454,7 +29942,7 @@
         </p:nvGrpSpPr>
         <p:grpSpPr>
           <a:xfrm>
-            <a:off x="100868" y="-262924"/>
+            <a:off x="-798450" y="-712980"/>
             <a:ext cx="7912138" cy="2865830"/>
             <a:chOff x="22224" y="1225012"/>
             <a:chExt cx="12169776" cy="4407975"/>
@@ -28339,7 +30827,7 @@
         </p:blipFill>
         <p:spPr>
           <a:xfrm>
-            <a:off x="1860616" y="-734250"/>
+            <a:off x="961299" y="-1184306"/>
             <a:ext cx="4378203" cy="3808478"/>
           </a:xfrm>
           <a:prstGeom prst="rect">
@@ -28426,8 +30914,8 @@
         </p:blipFill>
         <p:spPr>
           <a:xfrm>
-            <a:off x="3122836" y="622300"/>
-            <a:ext cx="1853754" cy="1485900"/>
+            <a:off x="2580008" y="382588"/>
+            <a:ext cx="1140771" cy="914400"/>
           </a:xfrm>
           <a:prstGeom prst="rect">
             <a:avLst/>
@@ -28478,7 +30966,7 @@
         </p:nvGrpSpPr>
         <p:grpSpPr>
           <a:xfrm>
-            <a:off x="656146" y="-404440"/>
+            <a:off x="-243172" y="-854496"/>
             <a:ext cx="6787143" cy="3263526"/>
             <a:chOff x="735623" y="4357220"/>
             <a:chExt cx="10439400" cy="5019675"/>
@@ -28688,7 +31176,7 @@
         </p:nvSpPr>
         <p:spPr>
           <a:xfrm>
-            <a:off x="1907505" y="-867473"/>
+            <a:off x="1008188" y="-867473"/>
             <a:ext cx="3462081" cy="282659"/>
           </a:xfrm>
           <a:prstGeom prst="rect">
@@ -28764,7 +31252,7 @@
         </p:nvGrpSpPr>
         <p:grpSpPr>
           <a:xfrm>
-            <a:off x="653048" y="-757831"/>
+            <a:off x="-246270" y="-1207887"/>
             <a:ext cx="6793335" cy="3306874"/>
             <a:chOff x="871537" y="463793"/>
             <a:chExt cx="10448925" cy="5086350"/>
@@ -28974,7 +31462,7 @@
         </p:nvSpPr>
         <p:spPr>
           <a:xfrm>
-            <a:off x="2161435" y="3073514"/>
+            <a:off x="1262118" y="2173402"/>
             <a:ext cx="3689871" cy="282659"/>
           </a:xfrm>
           <a:prstGeom prst="rect">
@@ -29050,7 +31538,7 @@
         </p:nvSpPr>
         <p:spPr>
           <a:xfrm>
-            <a:off x="1652682" y="2696241"/>
+            <a:off x="753364" y="1796129"/>
             <a:ext cx="3427164" cy="282659"/>
           </a:xfrm>
           <a:prstGeom prst="rect">
@@ -29096,7 +31584,7 @@
         </p:nvGrpSpPr>
         <p:grpSpPr>
           <a:xfrm>
-            <a:off x="701875" y="-98075"/>
+            <a:off x="-197443" y="-548131"/>
             <a:ext cx="6787143" cy="1758711"/>
             <a:chOff x="946638" y="1478573"/>
             <a:chExt cx="10439400" cy="2705100"/>
@@ -29336,7 +31824,7 @@
         </p:nvGrpSpPr>
         <p:grpSpPr>
           <a:xfrm>
-            <a:off x="895996" y="-1059363"/>
+            <a:off x="-3322" y="-1509419"/>
             <a:ext cx="6307438" cy="4458706"/>
             <a:chOff x="1245219" y="0"/>
             <a:chExt cx="9701561" cy="6858000"/>
@@ -29781,7 +32269,7 @@
         </p:nvSpPr>
         <p:spPr>
           <a:xfrm>
-            <a:off x="7773558" y="1744668"/>
+            <a:off x="6874241" y="1294613"/>
             <a:ext cx="3879419" cy="282659"/>
           </a:xfrm>
           <a:prstGeom prst="rect">
